--- a/2022-2023/Wyk/Wyklad1.pptx
+++ b/2022-2023/Wyk/Wyklad1.pptx
@@ -5,26 +5,32 @@
     <p:sldMasterId id="2147483696" r:id="rId1"/>
   </p:sldMasterIdLst>
   <p:notesMasterIdLst>
-    <p:notesMasterId r:id="rId16"/>
+    <p:notesMasterId r:id="rId22"/>
   </p:notesMasterIdLst>
   <p:handoutMasterIdLst>
-    <p:handoutMasterId r:id="rId17"/>
+    <p:handoutMasterId r:id="rId23"/>
   </p:handoutMasterIdLst>
   <p:sldIdLst>
     <p:sldId id="346" r:id="rId2"/>
-    <p:sldId id="509" r:id="rId3"/>
-    <p:sldId id="510" r:id="rId4"/>
-    <p:sldId id="511" r:id="rId5"/>
-    <p:sldId id="512" r:id="rId6"/>
-    <p:sldId id="513" r:id="rId7"/>
-    <p:sldId id="514" r:id="rId8"/>
-    <p:sldId id="515" r:id="rId9"/>
-    <p:sldId id="516" r:id="rId10"/>
-    <p:sldId id="517" r:id="rId11"/>
-    <p:sldId id="518" r:id="rId12"/>
-    <p:sldId id="519" r:id="rId13"/>
-    <p:sldId id="505" r:id="rId14"/>
-    <p:sldId id="521" r:id="rId15"/>
+    <p:sldId id="522" r:id="rId3"/>
+    <p:sldId id="523" r:id="rId4"/>
+    <p:sldId id="524" r:id="rId5"/>
+    <p:sldId id="525" r:id="rId6"/>
+    <p:sldId id="526" r:id="rId7"/>
+    <p:sldId id="527" r:id="rId8"/>
+    <p:sldId id="528" r:id="rId9"/>
+    <p:sldId id="521" r:id="rId10"/>
+    <p:sldId id="509" r:id="rId11"/>
+    <p:sldId id="510" r:id="rId12"/>
+    <p:sldId id="511" r:id="rId13"/>
+    <p:sldId id="512" r:id="rId14"/>
+    <p:sldId id="514" r:id="rId15"/>
+    <p:sldId id="515" r:id="rId16"/>
+    <p:sldId id="516" r:id="rId17"/>
+    <p:sldId id="517" r:id="rId18"/>
+    <p:sldId id="518" r:id="rId19"/>
+    <p:sldId id="519" r:id="rId20"/>
+    <p:sldId id="529" r:id="rId21"/>
   </p:sldIdLst>
   <p:sldSz cx="9144000" cy="6858000" type="screen4x3"/>
   <p:notesSz cx="6858000" cy="9144000"/>
@@ -285,7 +291,7 @@
           <a:p>
             <a:fld id="{5113504E-0C99-2340-A5F6-DD6E1A87C372}" type="datetimeFigureOut">
               <a:rPr lang="pl-PL" smtClean="0"/>
-              <a:t>09.10.2022</a:t>
+              <a:t>27.10.2022</a:t>
             </a:fld>
             <a:endParaRPr lang="pl-PL"/>
           </a:p>
@@ -451,7 +457,7 @@
           <a:p>
             <a:fld id="{F78C933E-44E9-2D43-91B0-0D2BEEFA7EB9}" type="datetimeFigureOut">
               <a:rPr lang="pl-PL" smtClean="0"/>
-              <a:t>09.10.2022</a:t>
+              <a:t>27.10.2022</a:t>
             </a:fld>
             <a:endParaRPr lang="pl-PL"/>
           </a:p>
@@ -880,7 +886,7 @@
     </p:spTree>
     <p:extLst>
       <p:ext uri="{BB962C8B-B14F-4D97-AF65-F5344CB8AC3E}">
-        <p14:creationId xmlns:p14="http://schemas.microsoft.com/office/powerpoint/2010/main" val="4180027562"/>
+        <p14:creationId xmlns:p14="http://schemas.microsoft.com/office/powerpoint/2010/main" val="1700460633"/>
       </p:ext>
     </p:extLst>
   </p:cSld>
@@ -967,7 +973,7 @@
     </p:spTree>
     <p:extLst>
       <p:ext uri="{BB962C8B-B14F-4D97-AF65-F5344CB8AC3E}">
-        <p14:creationId xmlns:p14="http://schemas.microsoft.com/office/powerpoint/2010/main" val="188921944"/>
+        <p14:creationId xmlns:p14="http://schemas.microsoft.com/office/powerpoint/2010/main" val="2128183617"/>
       </p:ext>
     </p:extLst>
   </p:cSld>
@@ -1054,7 +1060,7 @@
     </p:spTree>
     <p:extLst>
       <p:ext uri="{BB962C8B-B14F-4D97-AF65-F5344CB8AC3E}">
-        <p14:creationId xmlns:p14="http://schemas.microsoft.com/office/powerpoint/2010/main" val="2524349922"/>
+        <p14:creationId xmlns:p14="http://schemas.microsoft.com/office/powerpoint/2010/main" val="999574385"/>
       </p:ext>
     </p:extLst>
   </p:cSld>
@@ -1103,12 +1109,15 @@
             <p:ph type="body" idx="1"/>
           </p:nvPr>
         </p:nvSpPr>
-        <p:spPr bwMode="auto"/>
+        <p:spPr/>
         <p:txBody>
           <a:bodyPr/>
           <a:lstStyle/>
           <a:p>
-            <a:endParaRPr lang="pl-PL" dirty="0"/>
+            <a:pPr rtl="0"/>
+            <a:endParaRPr lang="pl-PL" dirty="0">
+              <a:effectLst/>
+            </a:endParaRPr>
           </a:p>
         </p:txBody>
       </p:sp>
@@ -1138,7 +1147,7 @@
     </p:spTree>
     <p:extLst>
       <p:ext uri="{BB962C8B-B14F-4D97-AF65-F5344CB8AC3E}">
-        <p14:creationId xmlns:p14="http://schemas.microsoft.com/office/powerpoint/2010/main" val="1090100305"/>
+        <p14:creationId xmlns:p14="http://schemas.microsoft.com/office/powerpoint/2010/main" val="334020918"/>
       </p:ext>
     </p:extLst>
   </p:cSld>
@@ -1225,7 +1234,442 @@
     </p:spTree>
     <p:extLst>
       <p:ext uri="{BB962C8B-B14F-4D97-AF65-F5344CB8AC3E}">
-        <p14:creationId xmlns:p14="http://schemas.microsoft.com/office/powerpoint/2010/main" val="562803467"/>
+        <p14:creationId xmlns:p14="http://schemas.microsoft.com/office/powerpoint/2010/main" val="2406524550"/>
+      </p:ext>
+    </p:extLst>
+  </p:cSld>
+  <p:clrMapOvr>
+    <a:masterClrMapping/>
+  </p:clrMapOvr>
+</p:notes>
+</file>
+
+<file path=ppt/notesSlides/notesSlide15.xml><?xml version="1.0" encoding="utf-8"?>
+<p:notes xmlns:a="http://schemas.openxmlformats.org/drawingml/2006/main" xmlns:r="http://schemas.openxmlformats.org/officeDocument/2006/relationships" xmlns:p="http://schemas.openxmlformats.org/presentationml/2006/main">
+  <p:cSld>
+    <p:spTree>
+      <p:nvGrpSpPr>
+        <p:cNvPr id="1" name=""/>
+        <p:cNvGrpSpPr/>
+        <p:nvPr/>
+      </p:nvGrpSpPr>
+      <p:grpSpPr>
+        <a:xfrm>
+          <a:off x="0" y="0"/>
+          <a:ext cx="0" cy="0"/>
+          <a:chOff x="0" y="0"/>
+          <a:chExt cx="0" cy="0"/>
+        </a:xfrm>
+      </p:grpSpPr>
+      <p:sp>
+        <p:nvSpPr>
+          <p:cNvPr id="2" name="Slide Image Placeholder 1"/>
+          <p:cNvSpPr>
+            <a:spLocks noGrp="1" noRot="1" noChangeAspect="1"/>
+          </p:cNvSpPr>
+          <p:nvPr>
+            <p:ph type="sldImg"/>
+          </p:nvPr>
+        </p:nvSpPr>
+        <p:spPr/>
+      </p:sp>
+      <p:sp>
+        <p:nvSpPr>
+          <p:cNvPr id="3" name="Notes Placeholder 2"/>
+          <p:cNvSpPr>
+            <a:spLocks noGrp="1"/>
+          </p:cNvSpPr>
+          <p:nvPr>
+            <p:ph type="body" idx="1"/>
+          </p:nvPr>
+        </p:nvSpPr>
+        <p:spPr/>
+        <p:txBody>
+          <a:bodyPr/>
+          <a:lstStyle/>
+          <a:p>
+            <a:pPr rtl="0"/>
+            <a:endParaRPr lang="pl-PL" dirty="0">
+              <a:effectLst/>
+            </a:endParaRPr>
+          </a:p>
+        </p:txBody>
+      </p:sp>
+      <p:sp>
+        <p:nvSpPr>
+          <p:cNvPr id="4" name="Slide Number Placeholder 3"/>
+          <p:cNvSpPr>
+            <a:spLocks noGrp="1"/>
+          </p:cNvSpPr>
+          <p:nvPr>
+            <p:ph type="sldNum" sz="quarter" idx="10"/>
+          </p:nvPr>
+        </p:nvSpPr>
+        <p:spPr/>
+        <p:txBody>
+          <a:bodyPr/>
+          <a:lstStyle/>
+          <a:p>
+            <a:fld id="{79CE77F9-1A7F-B148-A0AA-5828300D10BC}" type="slidenum">
+              <a:rPr lang="pl-PL" smtClean="0"/>
+              <a:t>15</a:t>
+            </a:fld>
+            <a:endParaRPr lang="pl-PL"/>
+          </a:p>
+        </p:txBody>
+      </p:sp>
+    </p:spTree>
+    <p:extLst>
+      <p:ext uri="{BB962C8B-B14F-4D97-AF65-F5344CB8AC3E}">
+        <p14:creationId xmlns:p14="http://schemas.microsoft.com/office/powerpoint/2010/main" val="1041538087"/>
+      </p:ext>
+    </p:extLst>
+  </p:cSld>
+  <p:clrMapOvr>
+    <a:masterClrMapping/>
+  </p:clrMapOvr>
+</p:notes>
+</file>
+
+<file path=ppt/notesSlides/notesSlide16.xml><?xml version="1.0" encoding="utf-8"?>
+<p:notes xmlns:a="http://schemas.openxmlformats.org/drawingml/2006/main" xmlns:r="http://schemas.openxmlformats.org/officeDocument/2006/relationships" xmlns:p="http://schemas.openxmlformats.org/presentationml/2006/main">
+  <p:cSld>
+    <p:spTree>
+      <p:nvGrpSpPr>
+        <p:cNvPr id="1" name=""/>
+        <p:cNvGrpSpPr/>
+        <p:nvPr/>
+      </p:nvGrpSpPr>
+      <p:grpSpPr>
+        <a:xfrm>
+          <a:off x="0" y="0"/>
+          <a:ext cx="0" cy="0"/>
+          <a:chOff x="0" y="0"/>
+          <a:chExt cx="0" cy="0"/>
+        </a:xfrm>
+      </p:grpSpPr>
+      <p:sp>
+        <p:nvSpPr>
+          <p:cNvPr id="2" name="Slide Image Placeholder 1"/>
+          <p:cNvSpPr>
+            <a:spLocks noGrp="1" noRot="1" noChangeAspect="1"/>
+          </p:cNvSpPr>
+          <p:nvPr>
+            <p:ph type="sldImg"/>
+          </p:nvPr>
+        </p:nvSpPr>
+        <p:spPr/>
+      </p:sp>
+      <p:sp>
+        <p:nvSpPr>
+          <p:cNvPr id="3" name="Notes Placeholder 2"/>
+          <p:cNvSpPr>
+            <a:spLocks noGrp="1"/>
+          </p:cNvSpPr>
+          <p:nvPr>
+            <p:ph type="body" idx="1"/>
+          </p:nvPr>
+        </p:nvSpPr>
+        <p:spPr/>
+        <p:txBody>
+          <a:bodyPr/>
+          <a:lstStyle/>
+          <a:p>
+            <a:pPr rtl="0"/>
+            <a:endParaRPr lang="pl-PL" dirty="0">
+              <a:effectLst/>
+            </a:endParaRPr>
+          </a:p>
+        </p:txBody>
+      </p:sp>
+      <p:sp>
+        <p:nvSpPr>
+          <p:cNvPr id="4" name="Slide Number Placeholder 3"/>
+          <p:cNvSpPr>
+            <a:spLocks noGrp="1"/>
+          </p:cNvSpPr>
+          <p:nvPr>
+            <p:ph type="sldNum" sz="quarter" idx="10"/>
+          </p:nvPr>
+        </p:nvSpPr>
+        <p:spPr/>
+        <p:txBody>
+          <a:bodyPr/>
+          <a:lstStyle/>
+          <a:p>
+            <a:fld id="{79CE77F9-1A7F-B148-A0AA-5828300D10BC}" type="slidenum">
+              <a:rPr lang="pl-PL" smtClean="0"/>
+              <a:t>16</a:t>
+            </a:fld>
+            <a:endParaRPr lang="pl-PL"/>
+          </a:p>
+        </p:txBody>
+      </p:sp>
+    </p:spTree>
+    <p:extLst>
+      <p:ext uri="{BB962C8B-B14F-4D97-AF65-F5344CB8AC3E}">
+        <p14:creationId xmlns:p14="http://schemas.microsoft.com/office/powerpoint/2010/main" val="2448829123"/>
+      </p:ext>
+    </p:extLst>
+  </p:cSld>
+  <p:clrMapOvr>
+    <a:masterClrMapping/>
+  </p:clrMapOvr>
+</p:notes>
+</file>
+
+<file path=ppt/notesSlides/notesSlide17.xml><?xml version="1.0" encoding="utf-8"?>
+<p:notes xmlns:a="http://schemas.openxmlformats.org/drawingml/2006/main" xmlns:r="http://schemas.openxmlformats.org/officeDocument/2006/relationships" xmlns:p="http://schemas.openxmlformats.org/presentationml/2006/main">
+  <p:cSld>
+    <p:spTree>
+      <p:nvGrpSpPr>
+        <p:cNvPr id="1" name=""/>
+        <p:cNvGrpSpPr/>
+        <p:nvPr/>
+      </p:nvGrpSpPr>
+      <p:grpSpPr>
+        <a:xfrm>
+          <a:off x="0" y="0"/>
+          <a:ext cx="0" cy="0"/>
+          <a:chOff x="0" y="0"/>
+          <a:chExt cx="0" cy="0"/>
+        </a:xfrm>
+      </p:grpSpPr>
+      <p:sp>
+        <p:nvSpPr>
+          <p:cNvPr id="2" name="Slide Image Placeholder 1"/>
+          <p:cNvSpPr>
+            <a:spLocks noGrp="1" noRot="1" noChangeAspect="1"/>
+          </p:cNvSpPr>
+          <p:nvPr>
+            <p:ph type="sldImg"/>
+          </p:nvPr>
+        </p:nvSpPr>
+        <p:spPr/>
+      </p:sp>
+      <p:sp>
+        <p:nvSpPr>
+          <p:cNvPr id="3" name="Notes Placeholder 2"/>
+          <p:cNvSpPr>
+            <a:spLocks noGrp="1"/>
+          </p:cNvSpPr>
+          <p:nvPr>
+            <p:ph type="body" idx="1"/>
+          </p:nvPr>
+        </p:nvSpPr>
+        <p:spPr/>
+        <p:txBody>
+          <a:bodyPr/>
+          <a:lstStyle/>
+          <a:p>
+            <a:pPr rtl="0"/>
+            <a:endParaRPr lang="pl-PL" dirty="0">
+              <a:effectLst/>
+            </a:endParaRPr>
+          </a:p>
+        </p:txBody>
+      </p:sp>
+      <p:sp>
+        <p:nvSpPr>
+          <p:cNvPr id="4" name="Slide Number Placeholder 3"/>
+          <p:cNvSpPr>
+            <a:spLocks noGrp="1"/>
+          </p:cNvSpPr>
+          <p:nvPr>
+            <p:ph type="sldNum" sz="quarter" idx="10"/>
+          </p:nvPr>
+        </p:nvSpPr>
+        <p:spPr/>
+        <p:txBody>
+          <a:bodyPr/>
+          <a:lstStyle/>
+          <a:p>
+            <a:fld id="{79CE77F9-1A7F-B148-A0AA-5828300D10BC}" type="slidenum">
+              <a:rPr lang="pl-PL" smtClean="0"/>
+              <a:t>17</a:t>
+            </a:fld>
+            <a:endParaRPr lang="pl-PL"/>
+          </a:p>
+        </p:txBody>
+      </p:sp>
+    </p:spTree>
+    <p:extLst>
+      <p:ext uri="{BB962C8B-B14F-4D97-AF65-F5344CB8AC3E}">
+        <p14:creationId xmlns:p14="http://schemas.microsoft.com/office/powerpoint/2010/main" val="4180027562"/>
+      </p:ext>
+    </p:extLst>
+  </p:cSld>
+  <p:clrMapOvr>
+    <a:masterClrMapping/>
+  </p:clrMapOvr>
+</p:notes>
+</file>
+
+<file path=ppt/notesSlides/notesSlide18.xml><?xml version="1.0" encoding="utf-8"?>
+<p:notes xmlns:a="http://schemas.openxmlformats.org/drawingml/2006/main" xmlns:r="http://schemas.openxmlformats.org/officeDocument/2006/relationships" xmlns:p="http://schemas.openxmlformats.org/presentationml/2006/main">
+  <p:cSld>
+    <p:spTree>
+      <p:nvGrpSpPr>
+        <p:cNvPr id="1" name=""/>
+        <p:cNvGrpSpPr/>
+        <p:nvPr/>
+      </p:nvGrpSpPr>
+      <p:grpSpPr>
+        <a:xfrm>
+          <a:off x="0" y="0"/>
+          <a:ext cx="0" cy="0"/>
+          <a:chOff x="0" y="0"/>
+          <a:chExt cx="0" cy="0"/>
+        </a:xfrm>
+      </p:grpSpPr>
+      <p:sp>
+        <p:nvSpPr>
+          <p:cNvPr id="2" name="Slide Image Placeholder 1"/>
+          <p:cNvSpPr>
+            <a:spLocks noGrp="1" noRot="1" noChangeAspect="1"/>
+          </p:cNvSpPr>
+          <p:nvPr>
+            <p:ph type="sldImg"/>
+          </p:nvPr>
+        </p:nvSpPr>
+        <p:spPr/>
+      </p:sp>
+      <p:sp>
+        <p:nvSpPr>
+          <p:cNvPr id="3" name="Notes Placeholder 2"/>
+          <p:cNvSpPr>
+            <a:spLocks noGrp="1"/>
+          </p:cNvSpPr>
+          <p:nvPr>
+            <p:ph type="body" idx="1"/>
+          </p:nvPr>
+        </p:nvSpPr>
+        <p:spPr/>
+        <p:txBody>
+          <a:bodyPr/>
+          <a:lstStyle/>
+          <a:p>
+            <a:pPr rtl="0"/>
+            <a:endParaRPr lang="pl-PL" dirty="0">
+              <a:effectLst/>
+            </a:endParaRPr>
+          </a:p>
+        </p:txBody>
+      </p:sp>
+      <p:sp>
+        <p:nvSpPr>
+          <p:cNvPr id="4" name="Slide Number Placeholder 3"/>
+          <p:cNvSpPr>
+            <a:spLocks noGrp="1"/>
+          </p:cNvSpPr>
+          <p:nvPr>
+            <p:ph type="sldNum" sz="quarter" idx="10"/>
+          </p:nvPr>
+        </p:nvSpPr>
+        <p:spPr/>
+        <p:txBody>
+          <a:bodyPr/>
+          <a:lstStyle/>
+          <a:p>
+            <a:fld id="{79CE77F9-1A7F-B148-A0AA-5828300D10BC}" type="slidenum">
+              <a:rPr lang="pl-PL" smtClean="0"/>
+              <a:t>18</a:t>
+            </a:fld>
+            <a:endParaRPr lang="pl-PL"/>
+          </a:p>
+        </p:txBody>
+      </p:sp>
+    </p:spTree>
+    <p:extLst>
+      <p:ext uri="{BB962C8B-B14F-4D97-AF65-F5344CB8AC3E}">
+        <p14:creationId xmlns:p14="http://schemas.microsoft.com/office/powerpoint/2010/main" val="188921944"/>
+      </p:ext>
+    </p:extLst>
+  </p:cSld>
+  <p:clrMapOvr>
+    <a:masterClrMapping/>
+  </p:clrMapOvr>
+</p:notes>
+</file>
+
+<file path=ppt/notesSlides/notesSlide19.xml><?xml version="1.0" encoding="utf-8"?>
+<p:notes xmlns:a="http://schemas.openxmlformats.org/drawingml/2006/main" xmlns:r="http://schemas.openxmlformats.org/officeDocument/2006/relationships" xmlns:p="http://schemas.openxmlformats.org/presentationml/2006/main">
+  <p:cSld>
+    <p:spTree>
+      <p:nvGrpSpPr>
+        <p:cNvPr id="1" name=""/>
+        <p:cNvGrpSpPr/>
+        <p:nvPr/>
+      </p:nvGrpSpPr>
+      <p:grpSpPr>
+        <a:xfrm>
+          <a:off x="0" y="0"/>
+          <a:ext cx="0" cy="0"/>
+          <a:chOff x="0" y="0"/>
+          <a:chExt cx="0" cy="0"/>
+        </a:xfrm>
+      </p:grpSpPr>
+      <p:sp>
+        <p:nvSpPr>
+          <p:cNvPr id="2" name="Slide Image Placeholder 1"/>
+          <p:cNvSpPr>
+            <a:spLocks noGrp="1" noRot="1" noChangeAspect="1"/>
+          </p:cNvSpPr>
+          <p:nvPr>
+            <p:ph type="sldImg"/>
+          </p:nvPr>
+        </p:nvSpPr>
+        <p:spPr/>
+      </p:sp>
+      <p:sp>
+        <p:nvSpPr>
+          <p:cNvPr id="3" name="Notes Placeholder 2"/>
+          <p:cNvSpPr>
+            <a:spLocks noGrp="1"/>
+          </p:cNvSpPr>
+          <p:nvPr>
+            <p:ph type="body" idx="1"/>
+          </p:nvPr>
+        </p:nvSpPr>
+        <p:spPr/>
+        <p:txBody>
+          <a:bodyPr/>
+          <a:lstStyle/>
+          <a:p>
+            <a:pPr rtl="0"/>
+            <a:endParaRPr lang="pl-PL" dirty="0">
+              <a:effectLst/>
+            </a:endParaRPr>
+          </a:p>
+        </p:txBody>
+      </p:sp>
+      <p:sp>
+        <p:nvSpPr>
+          <p:cNvPr id="4" name="Slide Number Placeholder 3"/>
+          <p:cNvSpPr>
+            <a:spLocks noGrp="1"/>
+          </p:cNvSpPr>
+          <p:nvPr>
+            <p:ph type="sldNum" sz="quarter" idx="10"/>
+          </p:nvPr>
+        </p:nvSpPr>
+        <p:spPr/>
+        <p:txBody>
+          <a:bodyPr/>
+          <a:lstStyle/>
+          <a:p>
+            <a:fld id="{79CE77F9-1A7F-B148-A0AA-5828300D10BC}" type="slidenum">
+              <a:rPr lang="pl-PL" smtClean="0"/>
+              <a:t>19</a:t>
+            </a:fld>
+            <a:endParaRPr lang="pl-PL"/>
+          </a:p>
+        </p:txBody>
+      </p:sp>
+    </p:spTree>
+    <p:extLst>
+      <p:ext uri="{BB962C8B-B14F-4D97-AF65-F5344CB8AC3E}">
+        <p14:creationId xmlns:p14="http://schemas.microsoft.com/office/powerpoint/2010/main" val="2524349922"/>
       </p:ext>
     </p:extLst>
   </p:cSld>
@@ -1312,7 +1756,94 @@
     </p:spTree>
     <p:extLst>
       <p:ext uri="{BB962C8B-B14F-4D97-AF65-F5344CB8AC3E}">
-        <p14:creationId xmlns:p14="http://schemas.microsoft.com/office/powerpoint/2010/main" val="1700460633"/>
+        <p14:creationId xmlns:p14="http://schemas.microsoft.com/office/powerpoint/2010/main" val="2568733764"/>
+      </p:ext>
+    </p:extLst>
+  </p:cSld>
+  <p:clrMapOvr>
+    <a:masterClrMapping/>
+  </p:clrMapOvr>
+</p:notes>
+</file>
+
+<file path=ppt/notesSlides/notesSlide20.xml><?xml version="1.0" encoding="utf-8"?>
+<p:notes xmlns:a="http://schemas.openxmlformats.org/drawingml/2006/main" xmlns:r="http://schemas.openxmlformats.org/officeDocument/2006/relationships" xmlns:p="http://schemas.openxmlformats.org/presentationml/2006/main">
+  <p:cSld>
+    <p:spTree>
+      <p:nvGrpSpPr>
+        <p:cNvPr id="1" name=""/>
+        <p:cNvGrpSpPr/>
+        <p:nvPr/>
+      </p:nvGrpSpPr>
+      <p:grpSpPr>
+        <a:xfrm>
+          <a:off x="0" y="0"/>
+          <a:ext cx="0" cy="0"/>
+          <a:chOff x="0" y="0"/>
+          <a:chExt cx="0" cy="0"/>
+        </a:xfrm>
+      </p:grpSpPr>
+      <p:sp>
+        <p:nvSpPr>
+          <p:cNvPr id="2" name="Slide Image Placeholder 1"/>
+          <p:cNvSpPr>
+            <a:spLocks noGrp="1" noRot="1" noChangeAspect="1"/>
+          </p:cNvSpPr>
+          <p:nvPr>
+            <p:ph type="sldImg"/>
+          </p:nvPr>
+        </p:nvSpPr>
+        <p:spPr/>
+      </p:sp>
+      <p:sp>
+        <p:nvSpPr>
+          <p:cNvPr id="3" name="Notes Placeholder 2"/>
+          <p:cNvSpPr>
+            <a:spLocks noGrp="1"/>
+          </p:cNvSpPr>
+          <p:nvPr>
+            <p:ph type="body" idx="1"/>
+          </p:nvPr>
+        </p:nvSpPr>
+        <p:spPr/>
+        <p:txBody>
+          <a:bodyPr/>
+          <a:lstStyle/>
+          <a:p>
+            <a:pPr rtl="0"/>
+            <a:endParaRPr lang="pl-PL" dirty="0">
+              <a:effectLst/>
+            </a:endParaRPr>
+          </a:p>
+        </p:txBody>
+      </p:sp>
+      <p:sp>
+        <p:nvSpPr>
+          <p:cNvPr id="4" name="Slide Number Placeholder 3"/>
+          <p:cNvSpPr>
+            <a:spLocks noGrp="1"/>
+          </p:cNvSpPr>
+          <p:nvPr>
+            <p:ph type="sldNum" sz="quarter" idx="10"/>
+          </p:nvPr>
+        </p:nvSpPr>
+        <p:spPr/>
+        <p:txBody>
+          <a:bodyPr/>
+          <a:lstStyle/>
+          <a:p>
+            <a:fld id="{79CE77F9-1A7F-B148-A0AA-5828300D10BC}" type="slidenum">
+              <a:rPr lang="pl-PL" smtClean="0"/>
+              <a:t>20</a:t>
+            </a:fld>
+            <a:endParaRPr lang="pl-PL"/>
+          </a:p>
+        </p:txBody>
+      </p:sp>
+    </p:spTree>
+    <p:extLst>
+      <p:ext uri="{BB962C8B-B14F-4D97-AF65-F5344CB8AC3E}">
+        <p14:creationId xmlns:p14="http://schemas.microsoft.com/office/powerpoint/2010/main" val="2265628385"/>
       </p:ext>
     </p:extLst>
   </p:cSld>
@@ -1399,7 +1930,7 @@
     </p:spTree>
     <p:extLst>
       <p:ext uri="{BB962C8B-B14F-4D97-AF65-F5344CB8AC3E}">
-        <p14:creationId xmlns:p14="http://schemas.microsoft.com/office/powerpoint/2010/main" val="2128183617"/>
+        <p14:creationId xmlns:p14="http://schemas.microsoft.com/office/powerpoint/2010/main" val="1922192466"/>
       </p:ext>
     </p:extLst>
   </p:cSld>
@@ -1486,7 +2017,7 @@
     </p:spTree>
     <p:extLst>
       <p:ext uri="{BB962C8B-B14F-4D97-AF65-F5344CB8AC3E}">
-        <p14:creationId xmlns:p14="http://schemas.microsoft.com/office/powerpoint/2010/main" val="999574385"/>
+        <p14:creationId xmlns:p14="http://schemas.microsoft.com/office/powerpoint/2010/main" val="1119306457"/>
       </p:ext>
     </p:extLst>
   </p:cSld>
@@ -1573,7 +2104,7 @@
     </p:spTree>
     <p:extLst>
       <p:ext uri="{BB962C8B-B14F-4D97-AF65-F5344CB8AC3E}">
-        <p14:creationId xmlns:p14="http://schemas.microsoft.com/office/powerpoint/2010/main" val="334020918"/>
+        <p14:creationId xmlns:p14="http://schemas.microsoft.com/office/powerpoint/2010/main" val="916039483"/>
       </p:ext>
     </p:extLst>
   </p:cSld>
@@ -1660,7 +2191,7 @@
     </p:spTree>
     <p:extLst>
       <p:ext uri="{BB962C8B-B14F-4D97-AF65-F5344CB8AC3E}">
-        <p14:creationId xmlns:p14="http://schemas.microsoft.com/office/powerpoint/2010/main" val="1898640711"/>
+        <p14:creationId xmlns:p14="http://schemas.microsoft.com/office/powerpoint/2010/main" val="2019522785"/>
       </p:ext>
     </p:extLst>
   </p:cSld>
@@ -1747,7 +2278,7 @@
     </p:spTree>
     <p:extLst>
       <p:ext uri="{BB962C8B-B14F-4D97-AF65-F5344CB8AC3E}">
-        <p14:creationId xmlns:p14="http://schemas.microsoft.com/office/powerpoint/2010/main" val="2406524550"/>
+        <p14:creationId xmlns:p14="http://schemas.microsoft.com/office/powerpoint/2010/main" val="1700460633"/>
       </p:ext>
     </p:extLst>
   </p:cSld>
@@ -1834,7 +2365,7 @@
     </p:spTree>
     <p:extLst>
       <p:ext uri="{BB962C8B-B14F-4D97-AF65-F5344CB8AC3E}">
-        <p14:creationId xmlns:p14="http://schemas.microsoft.com/office/powerpoint/2010/main" val="1041538087"/>
+        <p14:creationId xmlns:p14="http://schemas.microsoft.com/office/powerpoint/2010/main" val="1972002635"/>
       </p:ext>
     </p:extLst>
   </p:cSld>
@@ -1921,7 +2452,7 @@
     </p:spTree>
     <p:extLst>
       <p:ext uri="{BB962C8B-B14F-4D97-AF65-F5344CB8AC3E}">
-        <p14:creationId xmlns:p14="http://schemas.microsoft.com/office/powerpoint/2010/main" val="2448829123"/>
+        <p14:creationId xmlns:p14="http://schemas.microsoft.com/office/powerpoint/2010/main" val="562803467"/>
       </p:ext>
     </p:extLst>
   </p:cSld>
@@ -2110,7 +2641,7 @@
           <a:p>
             <a:fld id="{91017B01-0C30-B241-B19F-621BE4770608}" type="datetimeFigureOut">
               <a:rPr lang="pl-PL" smtClean="0"/>
-              <a:t>09.10.2022</a:t>
+              <a:t>27.10.2022</a:t>
             </a:fld>
             <a:endParaRPr lang="pl-PL"/>
           </a:p>
@@ -2279,7 +2810,7 @@
           <a:p>
             <a:fld id="{91017B01-0C30-B241-B19F-621BE4770608}" type="datetimeFigureOut">
               <a:rPr lang="pl-PL" smtClean="0"/>
-              <a:t>09.10.2022</a:t>
+              <a:t>27.10.2022</a:t>
             </a:fld>
             <a:endParaRPr lang="pl-PL"/>
           </a:p>
@@ -2458,7 +2989,7 @@
           <a:p>
             <a:fld id="{91017B01-0C30-B241-B19F-621BE4770608}" type="datetimeFigureOut">
               <a:rPr lang="pl-PL" smtClean="0"/>
-              <a:t>09.10.2022</a:t>
+              <a:t>27.10.2022</a:t>
             </a:fld>
             <a:endParaRPr lang="pl-PL"/>
           </a:p>
@@ -2627,7 +3158,7 @@
           <a:p>
             <a:fld id="{91017B01-0C30-B241-B19F-621BE4770608}" type="datetimeFigureOut">
               <a:rPr lang="pl-PL" smtClean="0"/>
-              <a:t>09.10.2022</a:t>
+              <a:t>27.10.2022</a:t>
             </a:fld>
             <a:endParaRPr lang="pl-PL"/>
           </a:p>
@@ -2873,7 +3404,7 @@
           <a:p>
             <a:fld id="{91017B01-0C30-B241-B19F-621BE4770608}" type="datetimeFigureOut">
               <a:rPr lang="pl-PL" smtClean="0"/>
-              <a:t>09.10.2022</a:t>
+              <a:t>27.10.2022</a:t>
             </a:fld>
             <a:endParaRPr lang="pl-PL"/>
           </a:p>
@@ -3159,7 +3690,7 @@
           <a:p>
             <a:fld id="{91017B01-0C30-B241-B19F-621BE4770608}" type="datetimeFigureOut">
               <a:rPr lang="pl-PL" smtClean="0"/>
-              <a:t>09.10.2022</a:t>
+              <a:t>27.10.2022</a:t>
             </a:fld>
             <a:endParaRPr lang="pl-PL"/>
           </a:p>
@@ -3579,7 +4110,7 @@
           <a:p>
             <a:fld id="{91017B01-0C30-B241-B19F-621BE4770608}" type="datetimeFigureOut">
               <a:rPr lang="pl-PL" smtClean="0"/>
-              <a:t>09.10.2022</a:t>
+              <a:t>27.10.2022</a:t>
             </a:fld>
             <a:endParaRPr lang="pl-PL"/>
           </a:p>
@@ -3697,7 +4228,7 @@
           <a:p>
             <a:fld id="{91017B01-0C30-B241-B19F-621BE4770608}" type="datetimeFigureOut">
               <a:rPr lang="pl-PL" smtClean="0"/>
-              <a:t>09.10.2022</a:t>
+              <a:t>27.10.2022</a:t>
             </a:fld>
             <a:endParaRPr lang="pl-PL"/>
           </a:p>
@@ -3793,7 +4324,7 @@
           <a:p>
             <a:fld id="{91017B01-0C30-B241-B19F-621BE4770608}" type="datetimeFigureOut">
               <a:rPr lang="pl-PL" smtClean="0"/>
-              <a:t>09.10.2022</a:t>
+              <a:t>27.10.2022</a:t>
             </a:fld>
             <a:endParaRPr lang="pl-PL"/>
           </a:p>
@@ -4070,7 +4601,7 @@
           <a:p>
             <a:fld id="{91017B01-0C30-B241-B19F-621BE4770608}" type="datetimeFigureOut">
               <a:rPr lang="pl-PL" smtClean="0"/>
-              <a:t>09.10.2022</a:t>
+              <a:t>27.10.2022</a:t>
             </a:fld>
             <a:endParaRPr lang="pl-PL"/>
           </a:p>
@@ -4326,7 +4857,7 @@
           <a:p>
             <a:fld id="{91017B01-0C30-B241-B19F-621BE4770608}" type="datetimeFigureOut">
               <a:rPr lang="pl-PL" smtClean="0"/>
-              <a:t>09.10.2022</a:t>
+              <a:t>27.10.2022</a:t>
             </a:fld>
             <a:endParaRPr lang="pl-PL"/>
           </a:p>
@@ -4538,7 +5069,7 @@
           <a:p>
             <a:fld id="{91017B01-0C30-B241-B19F-621BE4770608}" type="datetimeFigureOut">
               <a:rPr lang="pl-PL" smtClean="0"/>
-              <a:t>09.10.2022</a:t>
+              <a:t>27.10.2022</a:t>
             </a:fld>
             <a:endParaRPr lang="pl-PL"/>
           </a:p>
@@ -5144,6 +5675,2169 @@
         <p:spPr>
           <a:xfrm>
             <a:off x="1979712" y="188640"/>
+            <a:ext cx="6696744" cy="492443"/>
+          </a:xfrm>
+          <a:prstGeom prst="rect">
+            <a:avLst/>
+          </a:prstGeom>
+        </p:spPr>
+        <p:txBody>
+          <a:bodyPr wrap="square">
+            <a:spAutoFit/>
+          </a:bodyPr>
+          <a:lstStyle/>
+          <a:p>
+            <a:pPr algn="ctr"/>
+            <a:r>
+              <a:rPr lang="pl-PL" sz="2600" dirty="0">
+                <a:solidFill>
+                  <a:schemeClr val="bg1"/>
+                </a:solidFill>
+                <a:latin typeface="Verdana" panose="020B0604030504040204" pitchFamily="34" charset="0"/>
+                <a:ea typeface="Verdana" panose="020B0604030504040204" pitchFamily="34" charset="0"/>
+                <a:cs typeface="Verdana" panose="020B0604030504040204" pitchFamily="34" charset="0"/>
+              </a:rPr>
+              <a:t>Cykl Życia</a:t>
+            </a:r>
+          </a:p>
+        </p:txBody>
+      </p:sp>
+      <p:sp>
+        <p:nvSpPr>
+          <p:cNvPr id="6" name="Prostokąt 5">
+            <a:extLst>
+              <a:ext uri="{FF2B5EF4-FFF2-40B4-BE49-F238E27FC236}">
+                <a16:creationId xmlns:a16="http://schemas.microsoft.com/office/drawing/2014/main" id="{CA41B780-B57E-411C-AAD5-3D3D6912F664}"/>
+              </a:ext>
+            </a:extLst>
+          </p:cNvPr>
+          <p:cNvSpPr/>
+          <p:nvPr/>
+        </p:nvSpPr>
+        <p:spPr>
+          <a:xfrm>
+            <a:off x="0" y="810072"/>
+            <a:ext cx="9144000" cy="6021288"/>
+          </a:xfrm>
+          <a:prstGeom prst="rect">
+            <a:avLst/>
+          </a:prstGeom>
+          <a:solidFill>
+            <a:schemeClr val="tx1"/>
+          </a:solidFill>
+        </p:spPr>
+        <p:style>
+          <a:lnRef idx="1">
+            <a:schemeClr val="accent1"/>
+          </a:lnRef>
+          <a:fillRef idx="3">
+            <a:schemeClr val="accent1"/>
+          </a:fillRef>
+          <a:effectRef idx="2">
+            <a:schemeClr val="accent1"/>
+          </a:effectRef>
+          <a:fontRef idx="minor">
+            <a:schemeClr val="lt1"/>
+          </a:fontRef>
+        </p:style>
+        <p:txBody>
+          <a:bodyPr rtlCol="0" anchor="ctr"/>
+          <a:lstStyle/>
+          <a:p>
+            <a:pPr algn="ctr"/>
+            <a:endParaRPr lang="pl-PL"/>
+          </a:p>
+        </p:txBody>
+      </p:sp>
+      <p:pic>
+        <p:nvPicPr>
+          <p:cNvPr id="5" name="Obraz 4">
+            <a:extLst>
+              <a:ext uri="{FF2B5EF4-FFF2-40B4-BE49-F238E27FC236}">
+                <a16:creationId xmlns:a16="http://schemas.microsoft.com/office/drawing/2014/main" id="{067E4941-91B2-4E07-BBE7-42AD77927F19}"/>
+              </a:ext>
+            </a:extLst>
+          </p:cNvPr>
+          <p:cNvPicPr>
+            <a:picLocks noChangeAspect="1"/>
+          </p:cNvPicPr>
+          <p:nvPr/>
+        </p:nvPicPr>
+        <p:blipFill>
+          <a:blip r:embed="rId4"/>
+          <a:stretch>
+            <a:fillRect/>
+          </a:stretch>
+        </p:blipFill>
+        <p:spPr>
+          <a:xfrm>
+            <a:off x="1580475" y="4294262"/>
+            <a:ext cx="7495218" cy="2537098"/>
+          </a:xfrm>
+          <a:prstGeom prst="rect">
+            <a:avLst/>
+          </a:prstGeom>
+        </p:spPr>
+      </p:pic>
+      <p:sp>
+        <p:nvSpPr>
+          <p:cNvPr id="3" name="pole tekstowe 2">
+            <a:extLst>
+              <a:ext uri="{FF2B5EF4-FFF2-40B4-BE49-F238E27FC236}">
+                <a16:creationId xmlns:a16="http://schemas.microsoft.com/office/drawing/2014/main" id="{00776F55-FCA0-4543-8855-DB6E68BE895A}"/>
+              </a:ext>
+            </a:extLst>
+          </p:cNvPr>
+          <p:cNvSpPr txBox="1"/>
+          <p:nvPr/>
+        </p:nvSpPr>
+        <p:spPr>
+          <a:xfrm>
+            <a:off x="0" y="908720"/>
+            <a:ext cx="9108504" cy="4693593"/>
+          </a:xfrm>
+          <a:prstGeom prst="rect">
+            <a:avLst/>
+          </a:prstGeom>
+          <a:noFill/>
+        </p:spPr>
+        <p:txBody>
+          <a:bodyPr wrap="square" rtlCol="0">
+            <a:spAutoFit/>
+          </a:bodyPr>
+          <a:lstStyle/>
+          <a:p>
+            <a:pPr marL="285750" indent="-285750" algn="just">
+              <a:lnSpc>
+                <a:spcPct val="150000"/>
+              </a:lnSpc>
+              <a:buFont typeface="Courier New" panose="02070309020205020404" pitchFamily="49" charset="0"/>
+              <a:buChar char="o"/>
+            </a:pPr>
+            <a:r>
+              <a:rPr lang="pl-PL" sz="1800" dirty="0">
+                <a:solidFill>
+                  <a:schemeClr val="bg2"/>
+                </a:solidFill>
+              </a:rPr>
+              <a:t>Każda aplikacja Androida działa w swojej własnej instancji maszyny wirtualnej</a:t>
+            </a:r>
+          </a:p>
+          <a:p>
+            <a:pPr marL="285750" indent="-285750" algn="just">
+              <a:lnSpc>
+                <a:spcPct val="150000"/>
+              </a:lnSpc>
+              <a:buFont typeface="Courier New" panose="02070309020205020404" pitchFamily="49" charset="0"/>
+              <a:buChar char="o"/>
+            </a:pPr>
+            <a:r>
+              <a:rPr lang="pl-PL" sz="1800" dirty="0">
+                <a:solidFill>
+                  <a:schemeClr val="bg2"/>
+                </a:solidFill>
+              </a:rPr>
+              <a:t>W każdym momencie kilka instancji maszyny wirtualnej może być aktywna (rzeczywista równoległość – nie </a:t>
+            </a:r>
+            <a:r>
+              <a:rPr lang="pl-PL" sz="1800" i="1" dirty="0" err="1">
+                <a:solidFill>
+                  <a:schemeClr val="bg2"/>
+                </a:solidFill>
+              </a:rPr>
+              <a:t>task</a:t>
+            </a:r>
+            <a:r>
+              <a:rPr lang="pl-PL" sz="1800" i="1" dirty="0">
+                <a:solidFill>
+                  <a:schemeClr val="bg2"/>
+                </a:solidFill>
+              </a:rPr>
+              <a:t> </a:t>
+            </a:r>
+            <a:r>
+              <a:rPr lang="pl-PL" sz="1800" i="1" dirty="0" err="1">
+                <a:solidFill>
+                  <a:schemeClr val="bg2"/>
+                </a:solidFill>
+              </a:rPr>
+              <a:t>switching</a:t>
+            </a:r>
+            <a:r>
+              <a:rPr lang="pl-PL" sz="1800" dirty="0">
+                <a:solidFill>
+                  <a:schemeClr val="bg2"/>
+                </a:solidFill>
+              </a:rPr>
+              <a:t>)</a:t>
+            </a:r>
+          </a:p>
+          <a:p>
+            <a:pPr marL="285750" indent="-285750" algn="just">
+              <a:lnSpc>
+                <a:spcPct val="150000"/>
+              </a:lnSpc>
+              <a:buFont typeface="Courier New" panose="02070309020205020404" pitchFamily="49" charset="0"/>
+              <a:buChar char="o"/>
+            </a:pPr>
+            <a:r>
+              <a:rPr lang="pl-PL" sz="1800" dirty="0">
+                <a:solidFill>
+                  <a:schemeClr val="bg2"/>
+                </a:solidFill>
+              </a:rPr>
+              <a:t>Aplikacja Androida nie kontroluje całkowicie realizacji swojego cyklu życia</a:t>
+            </a:r>
+          </a:p>
+          <a:p>
+            <a:pPr marL="285750" indent="-285750" algn="just">
+              <a:lnSpc>
+                <a:spcPct val="150000"/>
+              </a:lnSpc>
+              <a:buFont typeface="Courier New" panose="02070309020205020404" pitchFamily="49" charset="0"/>
+              <a:buChar char="o"/>
+            </a:pPr>
+            <a:endParaRPr lang="pl-PL" sz="1800" dirty="0">
+              <a:solidFill>
+                <a:schemeClr val="bg2"/>
+              </a:solidFill>
+            </a:endParaRPr>
+          </a:p>
+          <a:p>
+            <a:pPr marL="285750" indent="-285750" algn="just">
+              <a:lnSpc>
+                <a:spcPct val="150000"/>
+              </a:lnSpc>
+              <a:buFont typeface="Courier New" panose="02070309020205020404" pitchFamily="49" charset="0"/>
+              <a:buChar char="o"/>
+            </a:pPr>
+            <a:r>
+              <a:rPr lang="pl-PL" sz="1800" dirty="0">
+                <a:solidFill>
+                  <a:schemeClr val="bg2"/>
+                </a:solidFill>
+              </a:rPr>
+              <a:t>OS może zakończyć każdy proces</a:t>
+            </a:r>
+          </a:p>
+          <a:p>
+            <a:pPr marL="742950" lvl="1" indent="-285750" algn="just">
+              <a:lnSpc>
+                <a:spcPct val="150000"/>
+              </a:lnSpc>
+              <a:buFont typeface="Courier New" panose="02070309020205020404" pitchFamily="49" charset="0"/>
+              <a:buChar char="o"/>
+            </a:pPr>
+            <a:r>
+              <a:rPr lang="pl-PL" sz="1800" dirty="0">
+                <a:solidFill>
+                  <a:schemeClr val="bg2"/>
+                </a:solidFill>
+              </a:rPr>
+              <a:t>Zasoby są krytycznie niskie</a:t>
+            </a:r>
+          </a:p>
+          <a:p>
+            <a:pPr marL="742950" lvl="1" indent="-285750" algn="just">
+              <a:lnSpc>
+                <a:spcPct val="150000"/>
+              </a:lnSpc>
+              <a:buFont typeface="Courier New" panose="02070309020205020404" pitchFamily="49" charset="0"/>
+              <a:buChar char="o"/>
+            </a:pPr>
+            <a:r>
+              <a:rPr lang="pl-PL" sz="1800" dirty="0">
+                <a:solidFill>
+                  <a:schemeClr val="bg2"/>
+                </a:solidFill>
+              </a:rPr>
+              <a:t>Duża liczba działających aplikacji</a:t>
+            </a:r>
+          </a:p>
+          <a:p>
+            <a:pPr marL="742950" lvl="1" indent="-285750" algn="just">
+              <a:lnSpc>
+                <a:spcPct val="150000"/>
+              </a:lnSpc>
+              <a:buFont typeface="Courier New" panose="02070309020205020404" pitchFamily="49" charset="0"/>
+              <a:buChar char="o"/>
+            </a:pPr>
+            <a:r>
+              <a:rPr lang="pl-PL" sz="1800" dirty="0">
+                <a:solidFill>
+                  <a:schemeClr val="bg2"/>
+                </a:solidFill>
+              </a:rPr>
+              <a:t>Aplikacja wymagająca bardzo dużych zasobów (energia, pamięć)</a:t>
+            </a:r>
+          </a:p>
+          <a:p>
+            <a:pPr marL="742950" lvl="1" indent="-285750" algn="just">
+              <a:lnSpc>
+                <a:spcPct val="150000"/>
+              </a:lnSpc>
+              <a:buFont typeface="Courier New" panose="02070309020205020404" pitchFamily="49" charset="0"/>
+              <a:buChar char="o"/>
+            </a:pPr>
+            <a:endParaRPr lang="pl-PL" sz="1600" dirty="0">
+              <a:solidFill>
+                <a:schemeClr val="bg2"/>
+              </a:solidFill>
+            </a:endParaRPr>
+          </a:p>
+          <a:p>
+            <a:pPr marL="342900" indent="-342900" algn="just">
+              <a:buFont typeface="+mj-lt"/>
+              <a:buAutoNum type="arabicPeriod"/>
+            </a:pPr>
+            <a:endParaRPr lang="pl-PL" sz="1600" dirty="0">
+              <a:solidFill>
+                <a:schemeClr val="bg2"/>
+              </a:solidFill>
+            </a:endParaRPr>
+          </a:p>
+          <a:p>
+            <a:pPr algn="just"/>
+            <a:endParaRPr lang="pl-PL" sz="1600" dirty="0">
+              <a:solidFill>
+                <a:schemeClr val="bg2"/>
+              </a:solidFill>
+            </a:endParaRPr>
+          </a:p>
+        </p:txBody>
+      </p:sp>
+    </p:spTree>
+    <p:extLst>
+      <p:ext uri="{BB962C8B-B14F-4D97-AF65-F5344CB8AC3E}">
+        <p14:creationId xmlns:p14="http://schemas.microsoft.com/office/powerpoint/2010/main" val="583584318"/>
+      </p:ext>
+    </p:extLst>
+  </p:cSld>
+  <p:clrMapOvr>
+    <a:masterClrMapping/>
+  </p:clrMapOvr>
+</p:sld>
+</file>
+
+<file path=ppt/slides/slide11.xml><?xml version="1.0" encoding="utf-8"?>
+<p:sld xmlns:a="http://schemas.openxmlformats.org/drawingml/2006/main" xmlns:r="http://schemas.openxmlformats.org/officeDocument/2006/relationships" xmlns:p="http://schemas.openxmlformats.org/presentationml/2006/main">
+  <p:cSld>
+    <p:bg>
+      <p:bgPr>
+        <a:blipFill dpi="0" rotWithShape="0">
+          <a:blip r:embed="rId3" cstate="print"/>
+          <a:srcRect/>
+          <a:stretch>
+            <a:fillRect/>
+          </a:stretch>
+        </a:blipFill>
+        <a:effectLst/>
+      </p:bgPr>
+    </p:bg>
+    <p:spTree>
+      <p:nvGrpSpPr>
+        <p:cNvPr id="1" name=""/>
+        <p:cNvGrpSpPr/>
+        <p:nvPr/>
+      </p:nvGrpSpPr>
+      <p:grpSpPr>
+        <a:xfrm>
+          <a:off x="0" y="0"/>
+          <a:ext cx="0" cy="0"/>
+          <a:chOff x="0" y="0"/>
+          <a:chExt cx="0" cy="0"/>
+        </a:xfrm>
+      </p:grpSpPr>
+      <p:sp>
+        <p:nvSpPr>
+          <p:cNvPr id="2" name="Rectangle 1"/>
+          <p:cNvSpPr/>
+          <p:nvPr/>
+        </p:nvSpPr>
+        <p:spPr>
+          <a:xfrm>
+            <a:off x="1979712" y="188640"/>
+            <a:ext cx="6696744" cy="492443"/>
+          </a:xfrm>
+          <a:prstGeom prst="rect">
+            <a:avLst/>
+          </a:prstGeom>
+        </p:spPr>
+        <p:txBody>
+          <a:bodyPr wrap="square">
+            <a:spAutoFit/>
+          </a:bodyPr>
+          <a:lstStyle/>
+          <a:p>
+            <a:pPr algn="ctr"/>
+            <a:r>
+              <a:rPr lang="pl-PL" sz="2600" dirty="0">
+                <a:solidFill>
+                  <a:schemeClr val="bg1"/>
+                </a:solidFill>
+                <a:latin typeface="Verdana" panose="020B0604030504040204" pitchFamily="34" charset="0"/>
+                <a:ea typeface="Verdana" panose="020B0604030504040204" pitchFamily="34" charset="0"/>
+                <a:cs typeface="Verdana" panose="020B0604030504040204" pitchFamily="34" charset="0"/>
+              </a:rPr>
+              <a:t>Cykl Życia</a:t>
+            </a:r>
+          </a:p>
+        </p:txBody>
+      </p:sp>
+      <p:sp>
+        <p:nvSpPr>
+          <p:cNvPr id="6" name="Prostokąt 5">
+            <a:extLst>
+              <a:ext uri="{FF2B5EF4-FFF2-40B4-BE49-F238E27FC236}">
+                <a16:creationId xmlns:a16="http://schemas.microsoft.com/office/drawing/2014/main" id="{CA41B780-B57E-411C-AAD5-3D3D6912F664}"/>
+              </a:ext>
+            </a:extLst>
+          </p:cNvPr>
+          <p:cNvSpPr/>
+          <p:nvPr/>
+        </p:nvSpPr>
+        <p:spPr>
+          <a:xfrm>
+            <a:off x="0" y="810072"/>
+            <a:ext cx="9144000" cy="6021288"/>
+          </a:xfrm>
+          <a:prstGeom prst="rect">
+            <a:avLst/>
+          </a:prstGeom>
+          <a:solidFill>
+            <a:schemeClr val="tx1"/>
+          </a:solidFill>
+        </p:spPr>
+        <p:style>
+          <a:lnRef idx="1">
+            <a:schemeClr val="accent1"/>
+          </a:lnRef>
+          <a:fillRef idx="3">
+            <a:schemeClr val="accent1"/>
+          </a:fillRef>
+          <a:effectRef idx="2">
+            <a:schemeClr val="accent1"/>
+          </a:effectRef>
+          <a:fontRef idx="minor">
+            <a:schemeClr val="lt1"/>
+          </a:fontRef>
+        </p:style>
+        <p:txBody>
+          <a:bodyPr rtlCol="0" anchor="ctr"/>
+          <a:lstStyle/>
+          <a:p>
+            <a:pPr algn="ctr"/>
+            <a:endParaRPr lang="pl-PL"/>
+          </a:p>
+        </p:txBody>
+      </p:sp>
+      <p:pic>
+        <p:nvPicPr>
+          <p:cNvPr id="4" name="Obraz 3">
+            <a:extLst>
+              <a:ext uri="{FF2B5EF4-FFF2-40B4-BE49-F238E27FC236}">
+                <a16:creationId xmlns:a16="http://schemas.microsoft.com/office/drawing/2014/main" id="{4CCF2A39-2F0F-46B0-A8BA-F7BF2A79D3FC}"/>
+              </a:ext>
+            </a:extLst>
+          </p:cNvPr>
+          <p:cNvPicPr>
+            <a:picLocks noChangeAspect="1"/>
+          </p:cNvPicPr>
+          <p:nvPr/>
+        </p:nvPicPr>
+        <p:blipFill>
+          <a:blip r:embed="rId4"/>
+          <a:stretch>
+            <a:fillRect/>
+          </a:stretch>
+        </p:blipFill>
+        <p:spPr>
+          <a:xfrm>
+            <a:off x="611560" y="1887823"/>
+            <a:ext cx="8193663" cy="3865786"/>
+          </a:xfrm>
+          <a:prstGeom prst="rect">
+            <a:avLst/>
+          </a:prstGeom>
+        </p:spPr>
+      </p:pic>
+    </p:spTree>
+    <p:extLst>
+      <p:ext uri="{BB962C8B-B14F-4D97-AF65-F5344CB8AC3E}">
+        <p14:creationId xmlns:p14="http://schemas.microsoft.com/office/powerpoint/2010/main" val="684120504"/>
+      </p:ext>
+    </p:extLst>
+  </p:cSld>
+  <p:clrMapOvr>
+    <a:masterClrMapping/>
+  </p:clrMapOvr>
+</p:sld>
+</file>
+
+<file path=ppt/slides/slide12.xml><?xml version="1.0" encoding="utf-8"?>
+<p:sld xmlns:a="http://schemas.openxmlformats.org/drawingml/2006/main" xmlns:r="http://schemas.openxmlformats.org/officeDocument/2006/relationships" xmlns:p="http://schemas.openxmlformats.org/presentationml/2006/main">
+  <p:cSld>
+    <p:bg>
+      <p:bgPr>
+        <a:blipFill dpi="0" rotWithShape="0">
+          <a:blip r:embed="rId3" cstate="print"/>
+          <a:srcRect/>
+          <a:stretch>
+            <a:fillRect/>
+          </a:stretch>
+        </a:blipFill>
+        <a:effectLst/>
+      </p:bgPr>
+    </p:bg>
+    <p:spTree>
+      <p:nvGrpSpPr>
+        <p:cNvPr id="1" name=""/>
+        <p:cNvGrpSpPr/>
+        <p:nvPr/>
+      </p:nvGrpSpPr>
+      <p:grpSpPr>
+        <a:xfrm>
+          <a:off x="0" y="0"/>
+          <a:ext cx="0" cy="0"/>
+          <a:chOff x="0" y="0"/>
+          <a:chExt cx="0" cy="0"/>
+        </a:xfrm>
+      </p:grpSpPr>
+      <p:sp>
+        <p:nvSpPr>
+          <p:cNvPr id="2" name="Rectangle 1"/>
+          <p:cNvSpPr/>
+          <p:nvPr/>
+        </p:nvSpPr>
+        <p:spPr>
+          <a:xfrm>
+            <a:off x="1979712" y="188640"/>
+            <a:ext cx="6696744" cy="492443"/>
+          </a:xfrm>
+          <a:prstGeom prst="rect">
+            <a:avLst/>
+          </a:prstGeom>
+        </p:spPr>
+        <p:txBody>
+          <a:bodyPr wrap="square">
+            <a:spAutoFit/>
+          </a:bodyPr>
+          <a:lstStyle/>
+          <a:p>
+            <a:pPr algn="ctr"/>
+            <a:r>
+              <a:rPr lang="pl-PL" sz="2600" dirty="0">
+                <a:solidFill>
+                  <a:schemeClr val="bg1"/>
+                </a:solidFill>
+                <a:latin typeface="Verdana" panose="020B0604030504040204" pitchFamily="34" charset="0"/>
+                <a:ea typeface="Verdana" panose="020B0604030504040204" pitchFamily="34" charset="0"/>
+                <a:cs typeface="Verdana" panose="020B0604030504040204" pitchFamily="34" charset="0"/>
+              </a:rPr>
+              <a:t>Cykl Życia</a:t>
+            </a:r>
+          </a:p>
+        </p:txBody>
+      </p:sp>
+      <p:sp>
+        <p:nvSpPr>
+          <p:cNvPr id="6" name="Prostokąt 5">
+            <a:extLst>
+              <a:ext uri="{FF2B5EF4-FFF2-40B4-BE49-F238E27FC236}">
+                <a16:creationId xmlns:a16="http://schemas.microsoft.com/office/drawing/2014/main" id="{CA41B780-B57E-411C-AAD5-3D3D6912F664}"/>
+              </a:ext>
+            </a:extLst>
+          </p:cNvPr>
+          <p:cNvSpPr/>
+          <p:nvPr/>
+        </p:nvSpPr>
+        <p:spPr>
+          <a:xfrm>
+            <a:off x="0" y="810072"/>
+            <a:ext cx="9144000" cy="6021288"/>
+          </a:xfrm>
+          <a:prstGeom prst="rect">
+            <a:avLst/>
+          </a:prstGeom>
+          <a:solidFill>
+            <a:schemeClr val="tx1"/>
+          </a:solidFill>
+        </p:spPr>
+        <p:style>
+          <a:lnRef idx="1">
+            <a:schemeClr val="accent1"/>
+          </a:lnRef>
+          <a:fillRef idx="3">
+            <a:schemeClr val="accent1"/>
+          </a:fillRef>
+          <a:effectRef idx="2">
+            <a:schemeClr val="accent1"/>
+          </a:effectRef>
+          <a:fontRef idx="minor">
+            <a:schemeClr val="lt1"/>
+          </a:fontRef>
+        </p:style>
+        <p:txBody>
+          <a:bodyPr rtlCol="0" anchor="ctr"/>
+          <a:lstStyle/>
+          <a:p>
+            <a:pPr algn="ctr"/>
+            <a:endParaRPr lang="pl-PL"/>
+          </a:p>
+        </p:txBody>
+      </p:sp>
+      <p:pic>
+        <p:nvPicPr>
+          <p:cNvPr id="5" name="Obraz 4">
+            <a:extLst>
+              <a:ext uri="{FF2B5EF4-FFF2-40B4-BE49-F238E27FC236}">
+                <a16:creationId xmlns:a16="http://schemas.microsoft.com/office/drawing/2014/main" id="{A52137E8-9CB3-4E6E-96B7-BA7B7F3748BD}"/>
+              </a:ext>
+            </a:extLst>
+          </p:cNvPr>
+          <p:cNvPicPr>
+            <a:picLocks noChangeAspect="1"/>
+          </p:cNvPicPr>
+          <p:nvPr/>
+        </p:nvPicPr>
+        <p:blipFill>
+          <a:blip r:embed="rId4"/>
+          <a:stretch>
+            <a:fillRect/>
+          </a:stretch>
+        </p:blipFill>
+        <p:spPr>
+          <a:xfrm>
+            <a:off x="2050734" y="836712"/>
+            <a:ext cx="5564503" cy="5721250"/>
+          </a:xfrm>
+          <a:prstGeom prst="rect">
+            <a:avLst/>
+          </a:prstGeom>
+        </p:spPr>
+      </p:pic>
+    </p:spTree>
+    <p:extLst>
+      <p:ext uri="{BB962C8B-B14F-4D97-AF65-F5344CB8AC3E}">
+        <p14:creationId xmlns:p14="http://schemas.microsoft.com/office/powerpoint/2010/main" val="1963388816"/>
+      </p:ext>
+    </p:extLst>
+  </p:cSld>
+  <p:clrMapOvr>
+    <a:masterClrMapping/>
+  </p:clrMapOvr>
+</p:sld>
+</file>
+
+<file path=ppt/slides/slide13.xml><?xml version="1.0" encoding="utf-8"?>
+<p:sld xmlns:a="http://schemas.openxmlformats.org/drawingml/2006/main" xmlns:r="http://schemas.openxmlformats.org/officeDocument/2006/relationships" xmlns:p="http://schemas.openxmlformats.org/presentationml/2006/main">
+  <p:cSld>
+    <p:bg>
+      <p:bgPr>
+        <a:blipFill dpi="0" rotWithShape="0">
+          <a:blip r:embed="rId3" cstate="print"/>
+          <a:srcRect/>
+          <a:stretch>
+            <a:fillRect/>
+          </a:stretch>
+        </a:blipFill>
+        <a:effectLst/>
+      </p:bgPr>
+    </p:bg>
+    <p:spTree>
+      <p:nvGrpSpPr>
+        <p:cNvPr id="1" name=""/>
+        <p:cNvGrpSpPr/>
+        <p:nvPr/>
+      </p:nvGrpSpPr>
+      <p:grpSpPr>
+        <a:xfrm>
+          <a:off x="0" y="0"/>
+          <a:ext cx="0" cy="0"/>
+          <a:chOff x="0" y="0"/>
+          <a:chExt cx="0" cy="0"/>
+        </a:xfrm>
+      </p:grpSpPr>
+      <p:sp>
+        <p:nvSpPr>
+          <p:cNvPr id="2" name="Rectangle 1"/>
+          <p:cNvSpPr/>
+          <p:nvPr/>
+        </p:nvSpPr>
+        <p:spPr>
+          <a:xfrm>
+            <a:off x="1979712" y="188640"/>
+            <a:ext cx="7164288" cy="492443"/>
+          </a:xfrm>
+          <a:prstGeom prst="rect">
+            <a:avLst/>
+          </a:prstGeom>
+        </p:spPr>
+        <p:txBody>
+          <a:bodyPr wrap="square">
+            <a:spAutoFit/>
+          </a:bodyPr>
+          <a:lstStyle/>
+          <a:p>
+            <a:pPr algn="ctr"/>
+            <a:r>
+              <a:rPr lang="pl-PL" sz="2600" dirty="0">
+                <a:solidFill>
+                  <a:schemeClr val="bg1"/>
+                </a:solidFill>
+                <a:latin typeface="Verdana" panose="020B0604030504040204" pitchFamily="34" charset="0"/>
+                <a:ea typeface="Verdana" panose="020B0604030504040204" pitchFamily="34" charset="0"/>
+                <a:cs typeface="Verdana" panose="020B0604030504040204" pitchFamily="34" charset="0"/>
+              </a:rPr>
+              <a:t>Cykl Życia – Stany Aktywności</a:t>
+            </a:r>
+          </a:p>
+        </p:txBody>
+      </p:sp>
+      <p:sp>
+        <p:nvSpPr>
+          <p:cNvPr id="6" name="Prostokąt 5">
+            <a:extLst>
+              <a:ext uri="{FF2B5EF4-FFF2-40B4-BE49-F238E27FC236}">
+                <a16:creationId xmlns:a16="http://schemas.microsoft.com/office/drawing/2014/main" id="{CA41B780-B57E-411C-AAD5-3D3D6912F664}"/>
+              </a:ext>
+            </a:extLst>
+          </p:cNvPr>
+          <p:cNvSpPr/>
+          <p:nvPr/>
+        </p:nvSpPr>
+        <p:spPr>
+          <a:xfrm>
+            <a:off x="0" y="810072"/>
+            <a:ext cx="9144000" cy="6021288"/>
+          </a:xfrm>
+          <a:prstGeom prst="rect">
+            <a:avLst/>
+          </a:prstGeom>
+          <a:solidFill>
+            <a:schemeClr val="tx1"/>
+          </a:solidFill>
+        </p:spPr>
+        <p:style>
+          <a:lnRef idx="1">
+            <a:schemeClr val="accent1"/>
+          </a:lnRef>
+          <a:fillRef idx="3">
+            <a:schemeClr val="accent1"/>
+          </a:fillRef>
+          <a:effectRef idx="2">
+            <a:schemeClr val="accent1"/>
+          </a:effectRef>
+          <a:fontRef idx="minor">
+            <a:schemeClr val="lt1"/>
+          </a:fontRef>
+        </p:style>
+        <p:txBody>
+          <a:bodyPr rtlCol="0" anchor="ctr"/>
+          <a:lstStyle/>
+          <a:p>
+            <a:pPr algn="ctr"/>
+            <a:endParaRPr lang="pl-PL"/>
+          </a:p>
+        </p:txBody>
+      </p:sp>
+      <p:sp>
+        <p:nvSpPr>
+          <p:cNvPr id="5" name="pole tekstowe 4">
+            <a:extLst>
+              <a:ext uri="{FF2B5EF4-FFF2-40B4-BE49-F238E27FC236}">
+                <a16:creationId xmlns:a16="http://schemas.microsoft.com/office/drawing/2014/main" id="{0A845266-1F0E-46E2-9D26-7C185BAF40CE}"/>
+              </a:ext>
+            </a:extLst>
+          </p:cNvPr>
+          <p:cNvSpPr txBox="1"/>
+          <p:nvPr/>
+        </p:nvSpPr>
+        <p:spPr>
+          <a:xfrm>
+            <a:off x="4636843" y="6581001"/>
+            <a:ext cx="4592283" cy="276999"/>
+          </a:xfrm>
+          <a:prstGeom prst="rect">
+            <a:avLst/>
+          </a:prstGeom>
+          <a:noFill/>
+        </p:spPr>
+        <p:txBody>
+          <a:bodyPr wrap="none" rtlCol="0">
+            <a:spAutoFit/>
+          </a:bodyPr>
+          <a:lstStyle/>
+          <a:p>
+            <a:r>
+              <a:rPr lang="pl-PL" dirty="0">
+                <a:solidFill>
+                  <a:schemeClr val="bg2"/>
+                </a:solidFill>
+              </a:rPr>
+              <a:t>https://developer.android.com/reference/android/app/Activity.html</a:t>
+            </a:r>
+          </a:p>
+        </p:txBody>
+      </p:sp>
+      <p:pic>
+        <p:nvPicPr>
+          <p:cNvPr id="7" name="Obraz 6">
+            <a:extLst>
+              <a:ext uri="{FF2B5EF4-FFF2-40B4-BE49-F238E27FC236}">
+                <a16:creationId xmlns:a16="http://schemas.microsoft.com/office/drawing/2014/main" id="{341584F7-6974-4E8D-8C5C-C206E79C4329}"/>
+              </a:ext>
+            </a:extLst>
+          </p:cNvPr>
+          <p:cNvPicPr>
+            <a:picLocks noChangeAspect="1"/>
+          </p:cNvPicPr>
+          <p:nvPr/>
+        </p:nvPicPr>
+        <p:blipFill>
+          <a:blip r:embed="rId4"/>
+          <a:stretch>
+            <a:fillRect/>
+          </a:stretch>
+        </p:blipFill>
+        <p:spPr>
+          <a:xfrm>
+            <a:off x="5148064" y="994420"/>
+            <a:ext cx="3569843" cy="4869160"/>
+          </a:xfrm>
+          <a:prstGeom prst="rect">
+            <a:avLst/>
+          </a:prstGeom>
+        </p:spPr>
+      </p:pic>
+      <p:sp>
+        <p:nvSpPr>
+          <p:cNvPr id="4" name="pole tekstowe 3">
+            <a:extLst>
+              <a:ext uri="{FF2B5EF4-FFF2-40B4-BE49-F238E27FC236}">
+                <a16:creationId xmlns:a16="http://schemas.microsoft.com/office/drawing/2014/main" id="{FEA582F3-28E7-420D-8186-52E5CBBCBE27}"/>
+              </a:ext>
+            </a:extLst>
+          </p:cNvPr>
+          <p:cNvSpPr txBox="1"/>
+          <p:nvPr/>
+        </p:nvSpPr>
+        <p:spPr>
+          <a:xfrm>
+            <a:off x="112809" y="805264"/>
+            <a:ext cx="6331399" cy="5586658"/>
+          </a:xfrm>
+          <a:prstGeom prst="rect">
+            <a:avLst/>
+          </a:prstGeom>
+          <a:noFill/>
+        </p:spPr>
+        <p:txBody>
+          <a:bodyPr wrap="square" rtlCol="0">
+            <a:spAutoFit/>
+          </a:bodyPr>
+          <a:lstStyle/>
+          <a:p>
+            <a:pPr marL="228600" indent="-228600" algn="just">
+              <a:lnSpc>
+                <a:spcPct val="150000"/>
+              </a:lnSpc>
+              <a:buFont typeface="+mj-lt"/>
+              <a:buAutoNum type="arabicPeriod"/>
+            </a:pPr>
+            <a:r>
+              <a:rPr lang="pl-PL" sz="1600" i="1" dirty="0">
+                <a:solidFill>
+                  <a:schemeClr val="bg2"/>
+                </a:solidFill>
+              </a:rPr>
+              <a:t>Active/</a:t>
+            </a:r>
+            <a:r>
+              <a:rPr lang="pl-PL" sz="1600" i="1" dirty="0" err="1">
+                <a:solidFill>
+                  <a:schemeClr val="bg2"/>
+                </a:solidFill>
+              </a:rPr>
+              <a:t>Running</a:t>
+            </a:r>
+            <a:endParaRPr lang="pl-PL" sz="1600" i="1" dirty="0">
+              <a:solidFill>
+                <a:schemeClr val="bg2"/>
+              </a:solidFill>
+            </a:endParaRPr>
+          </a:p>
+          <a:p>
+            <a:pPr marL="742950" lvl="1" indent="-285750" algn="just">
+              <a:lnSpc>
+                <a:spcPct val="150000"/>
+              </a:lnSpc>
+              <a:buFont typeface="Courier New" panose="02070309020205020404" pitchFamily="49" charset="0"/>
+              <a:buChar char="o"/>
+            </a:pPr>
+            <a:r>
+              <a:rPr lang="pl-PL" sz="1600" dirty="0">
+                <a:solidFill>
+                  <a:schemeClr val="bg2"/>
+                </a:solidFill>
+              </a:rPr>
+              <a:t>Aplikacja jest na pierwszym planie</a:t>
+            </a:r>
+          </a:p>
+          <a:p>
+            <a:pPr marL="742950" lvl="1" indent="-285750" algn="just">
+              <a:lnSpc>
+                <a:spcPct val="150000"/>
+              </a:lnSpc>
+              <a:buFont typeface="Courier New" panose="02070309020205020404" pitchFamily="49" charset="0"/>
+              <a:buChar char="o"/>
+            </a:pPr>
+            <a:r>
+              <a:rPr lang="pl-PL" sz="1600" dirty="0">
+                <a:solidFill>
+                  <a:schemeClr val="bg2"/>
+                </a:solidFill>
+              </a:rPr>
+              <a:t>Znajduje się na szczycie stosu </a:t>
+            </a:r>
+          </a:p>
+          <a:p>
+            <a:pPr marL="228600" indent="-228600" algn="just">
+              <a:lnSpc>
+                <a:spcPct val="150000"/>
+              </a:lnSpc>
+              <a:buFont typeface="+mj-lt"/>
+              <a:buAutoNum type="arabicPeriod"/>
+            </a:pPr>
+            <a:r>
+              <a:rPr lang="pl-PL" sz="1600" i="1" dirty="0" err="1">
+                <a:solidFill>
+                  <a:schemeClr val="bg2"/>
+                </a:solidFill>
+              </a:rPr>
+              <a:t>Paused</a:t>
+            </a:r>
+            <a:endParaRPr lang="pl-PL" sz="1600" i="1" dirty="0">
+              <a:solidFill>
+                <a:schemeClr val="bg2"/>
+              </a:solidFill>
+            </a:endParaRPr>
+          </a:p>
+          <a:p>
+            <a:pPr marL="742950" lvl="1" indent="-285750">
+              <a:lnSpc>
+                <a:spcPct val="150000"/>
+              </a:lnSpc>
+              <a:buFont typeface="Courier New" panose="02070309020205020404" pitchFamily="49" charset="0"/>
+              <a:buChar char="o"/>
+            </a:pPr>
+            <a:r>
+              <a:rPr lang="pl-PL" sz="1600" dirty="0">
+                <a:solidFill>
+                  <a:schemeClr val="bg2"/>
+                </a:solidFill>
+              </a:rPr>
+              <a:t>Ta aktywność dalej pozostaje widoczna dla</a:t>
+            </a:r>
+          </a:p>
+          <a:p>
+            <a:pPr lvl="1">
+              <a:lnSpc>
+                <a:spcPct val="150000"/>
+              </a:lnSpc>
+            </a:pPr>
+            <a:r>
+              <a:rPr lang="pl-PL" sz="1600" dirty="0">
+                <a:solidFill>
+                  <a:schemeClr val="bg2"/>
+                </a:solidFill>
+              </a:rPr>
+              <a:t>     użytkownika</a:t>
+            </a:r>
+          </a:p>
+          <a:p>
+            <a:pPr marL="742950" lvl="1" indent="-285750">
+              <a:lnSpc>
+                <a:spcPct val="150000"/>
+              </a:lnSpc>
+              <a:buFont typeface="Courier New" panose="02070309020205020404" pitchFamily="49" charset="0"/>
+              <a:buChar char="o"/>
+            </a:pPr>
+            <a:r>
+              <a:rPr lang="pl-PL" sz="1600" dirty="0">
+                <a:solidFill>
+                  <a:schemeClr val="bg2"/>
+                </a:solidFill>
+              </a:rPr>
+              <a:t>Aktywność pozostająca w tym tanie zachowuje</a:t>
+            </a:r>
+          </a:p>
+          <a:p>
+            <a:pPr lvl="1">
+              <a:lnSpc>
+                <a:spcPct val="150000"/>
+              </a:lnSpc>
+            </a:pPr>
+            <a:r>
+              <a:rPr lang="pl-PL" sz="1600" dirty="0">
+                <a:solidFill>
+                  <a:schemeClr val="bg2"/>
+                </a:solidFill>
+              </a:rPr>
+              <a:t>     swój stan informacji</a:t>
+            </a:r>
+          </a:p>
+          <a:p>
+            <a:pPr marL="742950" lvl="1" indent="-285750">
+              <a:lnSpc>
+                <a:spcPct val="150000"/>
+              </a:lnSpc>
+              <a:buFont typeface="Courier New" panose="02070309020205020404" pitchFamily="49" charset="0"/>
+              <a:buChar char="o"/>
+            </a:pPr>
+            <a:r>
+              <a:rPr lang="pl-PL" sz="1600" dirty="0">
+                <a:solidFill>
+                  <a:schemeClr val="bg2"/>
+                </a:solidFill>
+              </a:rPr>
+              <a:t>Może zostać zabita przez OS</a:t>
+            </a:r>
+          </a:p>
+          <a:p>
+            <a:pPr marL="742950" lvl="1" indent="-285750">
+              <a:lnSpc>
+                <a:spcPct val="150000"/>
+              </a:lnSpc>
+              <a:buFont typeface="Courier New" panose="02070309020205020404" pitchFamily="49" charset="0"/>
+              <a:buChar char="o"/>
+            </a:pPr>
+            <a:r>
+              <a:rPr lang="pl-PL" sz="1600" dirty="0">
+                <a:solidFill>
+                  <a:schemeClr val="bg2"/>
+                </a:solidFill>
+              </a:rPr>
+              <a:t>Kontynuuje </a:t>
+            </a:r>
+            <a:r>
+              <a:rPr lang="pl-PL" sz="1600" i="1" dirty="0">
+                <a:solidFill>
+                  <a:schemeClr val="bg2"/>
+                </a:solidFill>
+              </a:rPr>
+              <a:t>update</a:t>
+            </a:r>
+            <a:r>
+              <a:rPr lang="pl-PL" sz="1600" dirty="0">
+                <a:solidFill>
+                  <a:schemeClr val="bg2"/>
+                </a:solidFill>
+              </a:rPr>
+              <a:t> UI </a:t>
+            </a:r>
+            <a:r>
+              <a:rPr lang="pl-PL" sz="1600" dirty="0" err="1">
+                <a:solidFill>
+                  <a:schemeClr val="bg2"/>
+                </a:solidFill>
+              </a:rPr>
+              <a:t>itp</a:t>
+            </a:r>
+            <a:endParaRPr lang="pl-PL" sz="1600" dirty="0">
+              <a:solidFill>
+                <a:schemeClr val="bg2"/>
+              </a:solidFill>
+            </a:endParaRPr>
+          </a:p>
+          <a:p>
+            <a:pPr marL="228600" indent="-228600" algn="just">
+              <a:lnSpc>
+                <a:spcPct val="150000"/>
+              </a:lnSpc>
+              <a:buFont typeface="+mj-lt"/>
+              <a:buAutoNum type="arabicPeriod"/>
+            </a:pPr>
+            <a:r>
+              <a:rPr lang="pl-PL" sz="1600" i="1" dirty="0" err="1">
+                <a:solidFill>
+                  <a:schemeClr val="bg2"/>
+                </a:solidFill>
+              </a:rPr>
+              <a:t>Stopped</a:t>
+            </a:r>
+            <a:endParaRPr lang="pl-PL" sz="1600" i="1" dirty="0">
+              <a:solidFill>
+                <a:schemeClr val="bg2"/>
+              </a:solidFill>
+            </a:endParaRPr>
+          </a:p>
+          <a:p>
+            <a:pPr marL="742950" lvl="1" indent="-285750" algn="just">
+              <a:lnSpc>
+                <a:spcPct val="150000"/>
+              </a:lnSpc>
+              <a:buFont typeface="Courier New" panose="02070309020205020404" pitchFamily="49" charset="0"/>
+              <a:buChar char="o"/>
+            </a:pPr>
+            <a:r>
+              <a:rPr lang="pl-PL" sz="1600" dirty="0">
+                <a:solidFill>
+                  <a:schemeClr val="bg2"/>
+                </a:solidFill>
+              </a:rPr>
+              <a:t>Aktywność zatrzymana jest całkowicie </a:t>
+            </a:r>
+            <a:r>
+              <a:rPr lang="pl-PL" sz="1600" i="1" dirty="0">
+                <a:solidFill>
+                  <a:schemeClr val="bg2"/>
+                </a:solidFill>
+              </a:rPr>
+              <a:t>przykryta </a:t>
+            </a:r>
+            <a:r>
+              <a:rPr lang="pl-PL" sz="1600" dirty="0">
+                <a:solidFill>
+                  <a:schemeClr val="bg2"/>
+                </a:solidFill>
+              </a:rPr>
+              <a:t>przez inną aktywność</a:t>
+            </a:r>
+          </a:p>
+          <a:p>
+            <a:pPr marL="742950" lvl="1" indent="-285750" algn="just">
+              <a:lnSpc>
+                <a:spcPct val="150000"/>
+              </a:lnSpc>
+              <a:buFont typeface="Courier New" panose="02070309020205020404" pitchFamily="49" charset="0"/>
+              <a:buChar char="o"/>
+            </a:pPr>
+            <a:r>
+              <a:rPr lang="pl-PL" sz="1600" dirty="0">
+                <a:solidFill>
+                  <a:schemeClr val="bg2"/>
+                </a:solidFill>
+              </a:rPr>
+              <a:t>Nie jest widoczna dla użytkownika</a:t>
+            </a:r>
+          </a:p>
+          <a:p>
+            <a:pPr marL="742950" lvl="1" indent="-285750" algn="just">
+              <a:lnSpc>
+                <a:spcPct val="150000"/>
+              </a:lnSpc>
+              <a:buFont typeface="Courier New" panose="02070309020205020404" pitchFamily="49" charset="0"/>
+              <a:buChar char="o"/>
+            </a:pPr>
+            <a:r>
+              <a:rPr lang="pl-PL" sz="1600" i="1" dirty="0">
+                <a:solidFill>
+                  <a:schemeClr val="bg2"/>
+                </a:solidFill>
+              </a:rPr>
+              <a:t>Update</a:t>
+            </a:r>
+            <a:r>
+              <a:rPr lang="pl-PL" sz="1600" dirty="0">
+                <a:solidFill>
+                  <a:schemeClr val="bg2"/>
+                </a:solidFill>
+              </a:rPr>
+              <a:t> UI </a:t>
+            </a:r>
+            <a:r>
+              <a:rPr lang="pl-PL" sz="1600" dirty="0" err="1">
+                <a:solidFill>
+                  <a:schemeClr val="bg2"/>
+                </a:solidFill>
+              </a:rPr>
+              <a:t>itp</a:t>
+            </a:r>
+            <a:r>
+              <a:rPr lang="pl-PL" sz="1600" dirty="0">
+                <a:solidFill>
+                  <a:schemeClr val="bg2"/>
+                </a:solidFill>
+              </a:rPr>
+              <a:t> zostaje zatrzymany</a:t>
+            </a:r>
+            <a:endParaRPr lang="pl-PL" sz="1600" i="1" dirty="0">
+              <a:solidFill>
+                <a:schemeClr val="bg2"/>
+              </a:solidFill>
+            </a:endParaRPr>
+          </a:p>
+        </p:txBody>
+      </p:sp>
+    </p:spTree>
+    <p:extLst>
+      <p:ext uri="{BB962C8B-B14F-4D97-AF65-F5344CB8AC3E}">
+        <p14:creationId xmlns:p14="http://schemas.microsoft.com/office/powerpoint/2010/main" val="1369745550"/>
+      </p:ext>
+    </p:extLst>
+  </p:cSld>
+  <p:clrMapOvr>
+    <a:masterClrMapping/>
+  </p:clrMapOvr>
+</p:sld>
+</file>
+
+<file path=ppt/slides/slide14.xml><?xml version="1.0" encoding="utf-8"?>
+<p:sld xmlns:a="http://schemas.openxmlformats.org/drawingml/2006/main" xmlns:r="http://schemas.openxmlformats.org/officeDocument/2006/relationships" xmlns:p="http://schemas.openxmlformats.org/presentationml/2006/main">
+  <p:cSld>
+    <p:bg>
+      <p:bgPr>
+        <a:blipFill dpi="0" rotWithShape="0">
+          <a:blip r:embed="rId3" cstate="print"/>
+          <a:srcRect/>
+          <a:stretch>
+            <a:fillRect/>
+          </a:stretch>
+        </a:blipFill>
+        <a:effectLst/>
+      </p:bgPr>
+    </p:bg>
+    <p:spTree>
+      <p:nvGrpSpPr>
+        <p:cNvPr id="1" name=""/>
+        <p:cNvGrpSpPr/>
+        <p:nvPr/>
+      </p:nvGrpSpPr>
+      <p:grpSpPr>
+        <a:xfrm>
+          <a:off x="0" y="0"/>
+          <a:ext cx="0" cy="0"/>
+          <a:chOff x="0" y="0"/>
+          <a:chExt cx="0" cy="0"/>
+        </a:xfrm>
+      </p:grpSpPr>
+      <p:sp>
+        <p:nvSpPr>
+          <p:cNvPr id="2" name="Rectangle 1"/>
+          <p:cNvSpPr/>
+          <p:nvPr/>
+        </p:nvSpPr>
+        <p:spPr>
+          <a:xfrm>
+            <a:off x="1979712" y="188640"/>
+            <a:ext cx="7164288" cy="492443"/>
+          </a:xfrm>
+          <a:prstGeom prst="rect">
+            <a:avLst/>
+          </a:prstGeom>
+        </p:spPr>
+        <p:txBody>
+          <a:bodyPr wrap="square">
+            <a:spAutoFit/>
+          </a:bodyPr>
+          <a:lstStyle/>
+          <a:p>
+            <a:pPr algn="ctr"/>
+            <a:r>
+              <a:rPr lang="pl-PL" sz="2600" dirty="0">
+                <a:solidFill>
+                  <a:schemeClr val="bg1"/>
+                </a:solidFill>
+                <a:latin typeface="Verdana" panose="020B0604030504040204" pitchFamily="34" charset="0"/>
+                <a:ea typeface="Verdana" panose="020B0604030504040204" pitchFamily="34" charset="0"/>
+                <a:cs typeface="Verdana" panose="020B0604030504040204" pitchFamily="34" charset="0"/>
+              </a:rPr>
+              <a:t>Cykl Życia – </a:t>
+            </a:r>
+            <a:r>
+              <a:rPr lang="pl-PL" sz="2600" dirty="0" err="1">
+                <a:solidFill>
+                  <a:schemeClr val="bg1"/>
+                </a:solidFill>
+                <a:latin typeface="Verdana" panose="020B0604030504040204" pitchFamily="34" charset="0"/>
+                <a:ea typeface="Verdana" panose="020B0604030504040204" pitchFamily="34" charset="0"/>
+                <a:cs typeface="Verdana" panose="020B0604030504040204" pitchFamily="34" charset="0"/>
+              </a:rPr>
+              <a:t>Foreground</a:t>
+            </a:r>
+            <a:endParaRPr lang="pl-PL" sz="2600" dirty="0">
+              <a:solidFill>
+                <a:schemeClr val="bg1"/>
+              </a:solidFill>
+              <a:latin typeface="Verdana" panose="020B0604030504040204" pitchFamily="34" charset="0"/>
+              <a:ea typeface="Verdana" panose="020B0604030504040204" pitchFamily="34" charset="0"/>
+              <a:cs typeface="Verdana" panose="020B0604030504040204" pitchFamily="34" charset="0"/>
+            </a:endParaRPr>
+          </a:p>
+        </p:txBody>
+      </p:sp>
+      <p:sp>
+        <p:nvSpPr>
+          <p:cNvPr id="6" name="Prostokąt 5">
+            <a:extLst>
+              <a:ext uri="{FF2B5EF4-FFF2-40B4-BE49-F238E27FC236}">
+                <a16:creationId xmlns:a16="http://schemas.microsoft.com/office/drawing/2014/main" id="{CA41B780-B57E-411C-AAD5-3D3D6912F664}"/>
+              </a:ext>
+            </a:extLst>
+          </p:cNvPr>
+          <p:cNvSpPr/>
+          <p:nvPr/>
+        </p:nvSpPr>
+        <p:spPr>
+          <a:xfrm>
+            <a:off x="0" y="810072"/>
+            <a:ext cx="9144000" cy="6021288"/>
+          </a:xfrm>
+          <a:prstGeom prst="rect">
+            <a:avLst/>
+          </a:prstGeom>
+          <a:solidFill>
+            <a:schemeClr val="tx1"/>
+          </a:solidFill>
+        </p:spPr>
+        <p:style>
+          <a:lnRef idx="1">
+            <a:schemeClr val="accent1"/>
+          </a:lnRef>
+          <a:fillRef idx="3">
+            <a:schemeClr val="accent1"/>
+          </a:fillRef>
+          <a:effectRef idx="2">
+            <a:schemeClr val="accent1"/>
+          </a:effectRef>
+          <a:fontRef idx="minor">
+            <a:schemeClr val="lt1"/>
+          </a:fontRef>
+        </p:style>
+        <p:txBody>
+          <a:bodyPr rtlCol="0" anchor="ctr"/>
+          <a:lstStyle/>
+          <a:p>
+            <a:pPr algn="ctr"/>
+            <a:endParaRPr lang="pl-PL"/>
+          </a:p>
+        </p:txBody>
+      </p:sp>
+      <p:sp>
+        <p:nvSpPr>
+          <p:cNvPr id="5" name="pole tekstowe 4">
+            <a:extLst>
+              <a:ext uri="{FF2B5EF4-FFF2-40B4-BE49-F238E27FC236}">
+                <a16:creationId xmlns:a16="http://schemas.microsoft.com/office/drawing/2014/main" id="{0A845266-1F0E-46E2-9D26-7C185BAF40CE}"/>
+              </a:ext>
+            </a:extLst>
+          </p:cNvPr>
+          <p:cNvSpPr txBox="1"/>
+          <p:nvPr/>
+        </p:nvSpPr>
+        <p:spPr>
+          <a:xfrm>
+            <a:off x="0" y="6559169"/>
+            <a:ext cx="4592283" cy="276999"/>
+          </a:xfrm>
+          <a:prstGeom prst="rect">
+            <a:avLst/>
+          </a:prstGeom>
+          <a:noFill/>
+        </p:spPr>
+        <p:txBody>
+          <a:bodyPr wrap="none" rtlCol="0">
+            <a:spAutoFit/>
+          </a:bodyPr>
+          <a:lstStyle/>
+          <a:p>
+            <a:r>
+              <a:rPr lang="pl-PL" dirty="0">
+                <a:solidFill>
+                  <a:schemeClr val="bg2"/>
+                </a:solidFill>
+              </a:rPr>
+              <a:t>https://developer.android.com/reference/android/app/Activity.html</a:t>
+            </a:r>
+          </a:p>
+        </p:txBody>
+      </p:sp>
+      <p:pic>
+        <p:nvPicPr>
+          <p:cNvPr id="4" name="Obraz 3">
+            <a:extLst>
+              <a:ext uri="{FF2B5EF4-FFF2-40B4-BE49-F238E27FC236}">
+                <a16:creationId xmlns:a16="http://schemas.microsoft.com/office/drawing/2014/main" id="{BE98F196-6940-455C-A3AD-F83478BEC8C3}"/>
+              </a:ext>
+            </a:extLst>
+          </p:cNvPr>
+          <p:cNvPicPr>
+            <a:picLocks noChangeAspect="1"/>
+          </p:cNvPicPr>
+          <p:nvPr/>
+        </p:nvPicPr>
+        <p:blipFill>
+          <a:blip r:embed="rId4"/>
+          <a:stretch>
+            <a:fillRect/>
+          </a:stretch>
+        </p:blipFill>
+        <p:spPr>
+          <a:xfrm>
+            <a:off x="20283" y="1934563"/>
+            <a:ext cx="9144000" cy="2988873"/>
+          </a:xfrm>
+          <a:prstGeom prst="rect">
+            <a:avLst/>
+          </a:prstGeom>
+        </p:spPr>
+      </p:pic>
+    </p:spTree>
+    <p:extLst>
+      <p:ext uri="{BB962C8B-B14F-4D97-AF65-F5344CB8AC3E}">
+        <p14:creationId xmlns:p14="http://schemas.microsoft.com/office/powerpoint/2010/main" val="3062481051"/>
+      </p:ext>
+    </p:extLst>
+  </p:cSld>
+  <p:clrMapOvr>
+    <a:masterClrMapping/>
+  </p:clrMapOvr>
+</p:sld>
+</file>
+
+<file path=ppt/slides/slide15.xml><?xml version="1.0" encoding="utf-8"?>
+<p:sld xmlns:a="http://schemas.openxmlformats.org/drawingml/2006/main" xmlns:r="http://schemas.openxmlformats.org/officeDocument/2006/relationships" xmlns:p="http://schemas.openxmlformats.org/presentationml/2006/main">
+  <p:cSld>
+    <p:bg>
+      <p:bgPr>
+        <a:blipFill dpi="0" rotWithShape="0">
+          <a:blip r:embed="rId3" cstate="print"/>
+          <a:srcRect/>
+          <a:stretch>
+            <a:fillRect/>
+          </a:stretch>
+        </a:blipFill>
+        <a:effectLst/>
+      </p:bgPr>
+    </p:bg>
+    <p:spTree>
+      <p:nvGrpSpPr>
+        <p:cNvPr id="1" name=""/>
+        <p:cNvGrpSpPr/>
+        <p:nvPr/>
+      </p:nvGrpSpPr>
+      <p:grpSpPr>
+        <a:xfrm>
+          <a:off x="0" y="0"/>
+          <a:ext cx="0" cy="0"/>
+          <a:chOff x="0" y="0"/>
+          <a:chExt cx="0" cy="0"/>
+        </a:xfrm>
+      </p:grpSpPr>
+      <p:sp>
+        <p:nvSpPr>
+          <p:cNvPr id="2" name="Rectangle 1"/>
+          <p:cNvSpPr/>
+          <p:nvPr/>
+        </p:nvSpPr>
+        <p:spPr>
+          <a:xfrm>
+            <a:off x="1979712" y="188640"/>
+            <a:ext cx="7164288" cy="492443"/>
+          </a:xfrm>
+          <a:prstGeom prst="rect">
+            <a:avLst/>
+          </a:prstGeom>
+        </p:spPr>
+        <p:txBody>
+          <a:bodyPr wrap="square">
+            <a:spAutoFit/>
+          </a:bodyPr>
+          <a:lstStyle/>
+          <a:p>
+            <a:pPr algn="ctr"/>
+            <a:r>
+              <a:rPr lang="pl-PL" sz="2600" dirty="0">
+                <a:solidFill>
+                  <a:schemeClr val="bg1"/>
+                </a:solidFill>
+                <a:latin typeface="Verdana" panose="020B0604030504040204" pitchFamily="34" charset="0"/>
+                <a:ea typeface="Verdana" panose="020B0604030504040204" pitchFamily="34" charset="0"/>
+                <a:cs typeface="Verdana" panose="020B0604030504040204" pitchFamily="34" charset="0"/>
+              </a:rPr>
+              <a:t>Cykl Życia – Zdarzenia</a:t>
+            </a:r>
+          </a:p>
+        </p:txBody>
+      </p:sp>
+      <p:sp>
+        <p:nvSpPr>
+          <p:cNvPr id="6" name="Prostokąt 5">
+            <a:extLst>
+              <a:ext uri="{FF2B5EF4-FFF2-40B4-BE49-F238E27FC236}">
+                <a16:creationId xmlns:a16="http://schemas.microsoft.com/office/drawing/2014/main" id="{CA41B780-B57E-411C-AAD5-3D3D6912F664}"/>
+              </a:ext>
+            </a:extLst>
+          </p:cNvPr>
+          <p:cNvSpPr/>
+          <p:nvPr/>
+        </p:nvSpPr>
+        <p:spPr>
+          <a:xfrm>
+            <a:off x="0" y="810072"/>
+            <a:ext cx="9144000" cy="6021288"/>
+          </a:xfrm>
+          <a:prstGeom prst="rect">
+            <a:avLst/>
+          </a:prstGeom>
+          <a:solidFill>
+            <a:schemeClr val="tx1"/>
+          </a:solidFill>
+        </p:spPr>
+        <p:style>
+          <a:lnRef idx="1">
+            <a:schemeClr val="accent1"/>
+          </a:lnRef>
+          <a:fillRef idx="3">
+            <a:schemeClr val="accent1"/>
+          </a:fillRef>
+          <a:effectRef idx="2">
+            <a:schemeClr val="accent1"/>
+          </a:effectRef>
+          <a:fontRef idx="minor">
+            <a:schemeClr val="lt1"/>
+          </a:fontRef>
+        </p:style>
+        <p:txBody>
+          <a:bodyPr rtlCol="0" anchor="ctr"/>
+          <a:lstStyle/>
+          <a:p>
+            <a:pPr algn="ctr"/>
+            <a:endParaRPr lang="pl-PL"/>
+          </a:p>
+        </p:txBody>
+      </p:sp>
+      <p:sp>
+        <p:nvSpPr>
+          <p:cNvPr id="5" name="pole tekstowe 4">
+            <a:extLst>
+              <a:ext uri="{FF2B5EF4-FFF2-40B4-BE49-F238E27FC236}">
+                <a16:creationId xmlns:a16="http://schemas.microsoft.com/office/drawing/2014/main" id="{0A845266-1F0E-46E2-9D26-7C185BAF40CE}"/>
+              </a:ext>
+            </a:extLst>
+          </p:cNvPr>
+          <p:cNvSpPr txBox="1"/>
+          <p:nvPr/>
+        </p:nvSpPr>
+        <p:spPr>
+          <a:xfrm>
+            <a:off x="0" y="6559169"/>
+            <a:ext cx="4592283" cy="276999"/>
+          </a:xfrm>
+          <a:prstGeom prst="rect">
+            <a:avLst/>
+          </a:prstGeom>
+          <a:noFill/>
+        </p:spPr>
+        <p:txBody>
+          <a:bodyPr wrap="none" rtlCol="0">
+            <a:spAutoFit/>
+          </a:bodyPr>
+          <a:lstStyle/>
+          <a:p>
+            <a:r>
+              <a:rPr lang="pl-PL" dirty="0">
+                <a:solidFill>
+                  <a:schemeClr val="bg2"/>
+                </a:solidFill>
+              </a:rPr>
+              <a:t>https://developer.android.com/reference/android/app/Activity.html</a:t>
+            </a:r>
+          </a:p>
+        </p:txBody>
+      </p:sp>
+      <p:sp>
+        <p:nvSpPr>
+          <p:cNvPr id="3" name="pole tekstowe 2">
+            <a:extLst>
+              <a:ext uri="{FF2B5EF4-FFF2-40B4-BE49-F238E27FC236}">
+                <a16:creationId xmlns:a16="http://schemas.microsoft.com/office/drawing/2014/main" id="{AFA1F682-13E7-42A2-AD8B-FEDCE28CAA44}"/>
+              </a:ext>
+            </a:extLst>
+          </p:cNvPr>
+          <p:cNvSpPr txBox="1"/>
+          <p:nvPr/>
+        </p:nvSpPr>
+        <p:spPr>
+          <a:xfrm>
+            <a:off x="150590" y="1628800"/>
+            <a:ext cx="8964488" cy="4196020"/>
+          </a:xfrm>
+          <a:prstGeom prst="rect">
+            <a:avLst/>
+          </a:prstGeom>
+          <a:noFill/>
+        </p:spPr>
+        <p:txBody>
+          <a:bodyPr wrap="square" rtlCol="0">
+            <a:spAutoFit/>
+          </a:bodyPr>
+          <a:lstStyle/>
+          <a:p>
+            <a:pPr marL="171450" indent="-171450">
+              <a:lnSpc>
+                <a:spcPct val="150000"/>
+              </a:lnSpc>
+              <a:buFont typeface="Courier New" panose="02070309020205020404" pitchFamily="49" charset="0"/>
+              <a:buChar char="o"/>
+            </a:pPr>
+            <a:r>
+              <a:rPr lang="pl-PL" sz="1800" dirty="0">
+                <a:solidFill>
+                  <a:schemeClr val="bg2"/>
+                </a:solidFill>
+              </a:rPr>
+              <a:t>Aplikacja nie musi implementować wszystkich metod przejścia</a:t>
+            </a:r>
+          </a:p>
+          <a:p>
+            <a:pPr marL="171450" indent="-171450">
+              <a:lnSpc>
+                <a:spcPct val="150000"/>
+              </a:lnSpc>
+              <a:buFont typeface="Courier New" panose="02070309020205020404" pitchFamily="49" charset="0"/>
+              <a:buChar char="o"/>
+            </a:pPr>
+            <a:r>
+              <a:rPr lang="pl-PL" sz="1800" dirty="0">
+                <a:solidFill>
+                  <a:schemeClr val="bg2"/>
+                </a:solidFill>
+              </a:rPr>
+              <a:t>Są jednak metody wymagane, oraz wysoko rekomendowane</a:t>
+            </a:r>
+          </a:p>
+          <a:p>
+            <a:pPr marL="171450" indent="-171450">
+              <a:lnSpc>
+                <a:spcPct val="150000"/>
+              </a:lnSpc>
+              <a:buFont typeface="Courier New" panose="02070309020205020404" pitchFamily="49" charset="0"/>
+              <a:buChar char="o"/>
+            </a:pPr>
+            <a:endParaRPr lang="pl-PL" sz="1800" dirty="0">
+              <a:solidFill>
+                <a:schemeClr val="bg2"/>
+              </a:solidFill>
+            </a:endParaRPr>
+          </a:p>
+          <a:p>
+            <a:pPr marL="171450" indent="-171450">
+              <a:lnSpc>
+                <a:spcPct val="150000"/>
+              </a:lnSpc>
+              <a:buFont typeface="Courier New" panose="02070309020205020404" pitchFamily="49" charset="0"/>
+              <a:buChar char="o"/>
+            </a:pPr>
+            <a:r>
+              <a:rPr lang="pl-PL" sz="1800" dirty="0">
+                <a:solidFill>
+                  <a:schemeClr val="bg2"/>
+                </a:solidFill>
+              </a:rPr>
+              <a:t>Wymagane:</a:t>
+            </a:r>
+          </a:p>
+          <a:p>
+            <a:pPr marL="628650" lvl="1" indent="-171450">
+              <a:lnSpc>
+                <a:spcPct val="150000"/>
+              </a:lnSpc>
+              <a:buFont typeface="Courier New" panose="02070309020205020404" pitchFamily="49" charset="0"/>
+              <a:buChar char="o"/>
+            </a:pPr>
+            <a:r>
+              <a:rPr lang="pl-PL" sz="1800" dirty="0" err="1">
+                <a:solidFill>
+                  <a:schemeClr val="bg2"/>
+                </a:solidFill>
+              </a:rPr>
+              <a:t>OnCreate</a:t>
+            </a:r>
+            <a:r>
+              <a:rPr lang="pl-PL" sz="1800" dirty="0">
+                <a:solidFill>
+                  <a:schemeClr val="bg2"/>
+                </a:solidFill>
+              </a:rPr>
+              <a:t>() – musi zostać zaimplementowana przez każdą aktywność – początkowe ustawienia</a:t>
+            </a:r>
+          </a:p>
+          <a:p>
+            <a:pPr marL="628650" lvl="1" indent="-171450">
+              <a:lnSpc>
+                <a:spcPct val="150000"/>
+              </a:lnSpc>
+              <a:buFont typeface="Courier New" panose="02070309020205020404" pitchFamily="49" charset="0"/>
+              <a:buChar char="o"/>
+            </a:pPr>
+            <a:r>
+              <a:rPr lang="pl-PL" sz="1800" dirty="0">
+                <a:solidFill>
+                  <a:schemeClr val="bg2"/>
+                </a:solidFill>
+              </a:rPr>
+              <a:t>Ta metoda jest wywoływana tylko raz podczas jednego cyklu</a:t>
+            </a:r>
+          </a:p>
+          <a:p>
+            <a:pPr marL="171450" indent="-171450">
+              <a:lnSpc>
+                <a:spcPct val="150000"/>
+              </a:lnSpc>
+              <a:buFont typeface="Courier New" panose="02070309020205020404" pitchFamily="49" charset="0"/>
+              <a:buChar char="o"/>
+            </a:pPr>
+            <a:r>
+              <a:rPr lang="pl-PL" sz="1800" dirty="0">
+                <a:solidFill>
+                  <a:schemeClr val="bg2"/>
+                </a:solidFill>
+              </a:rPr>
+              <a:t>Rekomendowane</a:t>
+            </a:r>
+          </a:p>
+          <a:p>
+            <a:pPr marL="628650" lvl="1" indent="-171450">
+              <a:lnSpc>
+                <a:spcPct val="150000"/>
+              </a:lnSpc>
+              <a:buFont typeface="Courier New" panose="02070309020205020404" pitchFamily="49" charset="0"/>
+              <a:buChar char="o"/>
+            </a:pPr>
+            <a:r>
+              <a:rPr lang="pl-PL" sz="1800" dirty="0" err="1">
+                <a:solidFill>
+                  <a:schemeClr val="bg2"/>
+                </a:solidFill>
+              </a:rPr>
+              <a:t>onPause</a:t>
+            </a:r>
+            <a:r>
+              <a:rPr lang="pl-PL" sz="1800" dirty="0">
+                <a:solidFill>
+                  <a:schemeClr val="bg2"/>
+                </a:solidFill>
+              </a:rPr>
+              <a:t>() – powinna zostać zaimplementowana gdy aplikacja posiada dane które chcemy zachować</a:t>
+            </a:r>
+          </a:p>
+        </p:txBody>
+      </p:sp>
+    </p:spTree>
+    <p:extLst>
+      <p:ext uri="{BB962C8B-B14F-4D97-AF65-F5344CB8AC3E}">
+        <p14:creationId xmlns:p14="http://schemas.microsoft.com/office/powerpoint/2010/main" val="3883058755"/>
+      </p:ext>
+    </p:extLst>
+  </p:cSld>
+  <p:clrMapOvr>
+    <a:masterClrMapping/>
+  </p:clrMapOvr>
+</p:sld>
+</file>
+
+<file path=ppt/slides/slide16.xml><?xml version="1.0" encoding="utf-8"?>
+<p:sld xmlns:a="http://schemas.openxmlformats.org/drawingml/2006/main" xmlns:r="http://schemas.openxmlformats.org/officeDocument/2006/relationships" xmlns:p="http://schemas.openxmlformats.org/presentationml/2006/main">
+  <p:cSld>
+    <p:bg>
+      <p:bgPr>
+        <a:blipFill dpi="0" rotWithShape="0">
+          <a:blip r:embed="rId3" cstate="print"/>
+          <a:srcRect/>
+          <a:stretch>
+            <a:fillRect/>
+          </a:stretch>
+        </a:blipFill>
+        <a:effectLst/>
+      </p:bgPr>
+    </p:bg>
+    <p:spTree>
+      <p:nvGrpSpPr>
+        <p:cNvPr id="1" name=""/>
+        <p:cNvGrpSpPr/>
+        <p:nvPr/>
+      </p:nvGrpSpPr>
+      <p:grpSpPr>
+        <a:xfrm>
+          <a:off x="0" y="0"/>
+          <a:ext cx="0" cy="0"/>
+          <a:chOff x="0" y="0"/>
+          <a:chExt cx="0" cy="0"/>
+        </a:xfrm>
+      </p:grpSpPr>
+      <p:sp>
+        <p:nvSpPr>
+          <p:cNvPr id="2" name="Rectangle 1"/>
+          <p:cNvSpPr/>
+          <p:nvPr/>
+        </p:nvSpPr>
+        <p:spPr>
+          <a:xfrm>
+            <a:off x="1979712" y="188640"/>
+            <a:ext cx="7164288" cy="492443"/>
+          </a:xfrm>
+          <a:prstGeom prst="rect">
+            <a:avLst/>
+          </a:prstGeom>
+        </p:spPr>
+        <p:txBody>
+          <a:bodyPr wrap="square">
+            <a:spAutoFit/>
+          </a:bodyPr>
+          <a:lstStyle/>
+          <a:p>
+            <a:pPr algn="ctr"/>
+            <a:r>
+              <a:rPr lang="pl-PL" sz="2600" dirty="0">
+                <a:solidFill>
+                  <a:schemeClr val="bg1"/>
+                </a:solidFill>
+                <a:latin typeface="Verdana" panose="020B0604030504040204" pitchFamily="34" charset="0"/>
+                <a:ea typeface="Verdana" panose="020B0604030504040204" pitchFamily="34" charset="0"/>
+                <a:cs typeface="Verdana" panose="020B0604030504040204" pitchFamily="34" charset="0"/>
+              </a:rPr>
+              <a:t>Cykl Życia – </a:t>
+            </a:r>
+            <a:r>
+              <a:rPr lang="pl-PL" sz="2600" dirty="0" err="1">
+                <a:solidFill>
+                  <a:schemeClr val="bg1"/>
+                </a:solidFill>
+                <a:latin typeface="Verdana" panose="020B0604030504040204" pitchFamily="34" charset="0"/>
+                <a:ea typeface="Verdana" panose="020B0604030504040204" pitchFamily="34" charset="0"/>
+                <a:cs typeface="Verdana" panose="020B0604030504040204" pitchFamily="34" charset="0"/>
+              </a:rPr>
+              <a:t>OnCreate</a:t>
+            </a:r>
+            <a:r>
+              <a:rPr lang="pl-PL" sz="2600" dirty="0">
+                <a:solidFill>
+                  <a:schemeClr val="bg1"/>
+                </a:solidFill>
+                <a:latin typeface="Verdana" panose="020B0604030504040204" pitchFamily="34" charset="0"/>
+                <a:ea typeface="Verdana" panose="020B0604030504040204" pitchFamily="34" charset="0"/>
+                <a:cs typeface="Verdana" panose="020B0604030504040204" pitchFamily="34" charset="0"/>
+              </a:rPr>
+              <a:t>()</a:t>
+            </a:r>
+          </a:p>
+        </p:txBody>
+      </p:sp>
+      <p:sp>
+        <p:nvSpPr>
+          <p:cNvPr id="6" name="Prostokąt 5">
+            <a:extLst>
+              <a:ext uri="{FF2B5EF4-FFF2-40B4-BE49-F238E27FC236}">
+                <a16:creationId xmlns:a16="http://schemas.microsoft.com/office/drawing/2014/main" id="{CA41B780-B57E-411C-AAD5-3D3D6912F664}"/>
+              </a:ext>
+            </a:extLst>
+          </p:cNvPr>
+          <p:cNvSpPr/>
+          <p:nvPr/>
+        </p:nvSpPr>
+        <p:spPr>
+          <a:xfrm>
+            <a:off x="0" y="810072"/>
+            <a:ext cx="9144000" cy="6021288"/>
+          </a:xfrm>
+          <a:prstGeom prst="rect">
+            <a:avLst/>
+          </a:prstGeom>
+          <a:solidFill>
+            <a:schemeClr val="tx1"/>
+          </a:solidFill>
+        </p:spPr>
+        <p:style>
+          <a:lnRef idx="1">
+            <a:schemeClr val="accent1"/>
+          </a:lnRef>
+          <a:fillRef idx="3">
+            <a:schemeClr val="accent1"/>
+          </a:fillRef>
+          <a:effectRef idx="2">
+            <a:schemeClr val="accent1"/>
+          </a:effectRef>
+          <a:fontRef idx="minor">
+            <a:schemeClr val="lt1"/>
+          </a:fontRef>
+        </p:style>
+        <p:txBody>
+          <a:bodyPr rtlCol="0" anchor="ctr"/>
+          <a:lstStyle/>
+          <a:p>
+            <a:pPr algn="ctr"/>
+            <a:endParaRPr lang="pl-PL"/>
+          </a:p>
+        </p:txBody>
+      </p:sp>
+      <p:sp>
+        <p:nvSpPr>
+          <p:cNvPr id="3" name="pole tekstowe 2">
+            <a:extLst>
+              <a:ext uri="{FF2B5EF4-FFF2-40B4-BE49-F238E27FC236}">
+                <a16:creationId xmlns:a16="http://schemas.microsoft.com/office/drawing/2014/main" id="{AFA1F682-13E7-42A2-AD8B-FEDCE28CAA44}"/>
+              </a:ext>
+            </a:extLst>
+          </p:cNvPr>
+          <p:cNvSpPr txBox="1"/>
+          <p:nvPr/>
+        </p:nvSpPr>
+        <p:spPr>
+          <a:xfrm>
+            <a:off x="179512" y="681083"/>
+            <a:ext cx="8964488" cy="3690177"/>
+          </a:xfrm>
+          <a:prstGeom prst="rect">
+            <a:avLst/>
+          </a:prstGeom>
+          <a:noFill/>
+        </p:spPr>
+        <p:txBody>
+          <a:bodyPr wrap="square" rtlCol="0">
+            <a:spAutoFit/>
+          </a:bodyPr>
+          <a:lstStyle/>
+          <a:p>
+            <a:pPr marL="171450" indent="-171450">
+              <a:lnSpc>
+                <a:spcPct val="200000"/>
+              </a:lnSpc>
+              <a:buFont typeface="Courier New" panose="02070309020205020404" pitchFamily="49" charset="0"/>
+              <a:buChar char="o"/>
+            </a:pPr>
+            <a:r>
+              <a:rPr lang="pl-PL" sz="2000" dirty="0">
+                <a:solidFill>
+                  <a:schemeClr val="bg2"/>
+                </a:solidFill>
+              </a:rPr>
+              <a:t>Pierwsza wywoływana metoda gdy aktywność jest uruchamiana</a:t>
+            </a:r>
+          </a:p>
+          <a:p>
+            <a:pPr marL="171450" indent="-171450">
+              <a:lnSpc>
+                <a:spcPct val="200000"/>
+              </a:lnSpc>
+              <a:buFont typeface="Courier New" panose="02070309020205020404" pitchFamily="49" charset="0"/>
+              <a:buChar char="o"/>
+            </a:pPr>
+            <a:r>
+              <a:rPr lang="pl-PL" sz="2000" dirty="0">
+                <a:solidFill>
+                  <a:schemeClr val="bg2"/>
+                </a:solidFill>
+              </a:rPr>
+              <a:t>Większość kodu znajduje się w tej metodzie</a:t>
+            </a:r>
+          </a:p>
+          <a:p>
+            <a:pPr marL="171450" indent="-171450">
+              <a:lnSpc>
+                <a:spcPct val="200000"/>
+              </a:lnSpc>
+              <a:buFont typeface="Courier New" panose="02070309020205020404" pitchFamily="49" charset="0"/>
+              <a:buChar char="o"/>
+            </a:pPr>
+            <a:r>
+              <a:rPr lang="pl-PL" sz="2000" dirty="0">
+                <a:solidFill>
+                  <a:schemeClr val="bg2"/>
+                </a:solidFill>
+              </a:rPr>
+              <a:t>Typowo używana do zainicjowania struktur danych aplikacji, połączenia elementów UI, zdefiniowania zachowania elementów itp.</a:t>
+            </a:r>
+          </a:p>
+          <a:p>
+            <a:pPr marL="171450" indent="-171450">
+              <a:lnSpc>
+                <a:spcPct val="200000"/>
+              </a:lnSpc>
+              <a:buFont typeface="Courier New" panose="02070309020205020404" pitchFamily="49" charset="0"/>
+              <a:buChar char="o"/>
+            </a:pPr>
+            <a:r>
+              <a:rPr lang="pl-PL" sz="2000" dirty="0">
+                <a:solidFill>
+                  <a:schemeClr val="bg2"/>
+                </a:solidFill>
+              </a:rPr>
+              <a:t>Może otrzymać obiekt </a:t>
+            </a:r>
+            <a:r>
+              <a:rPr lang="pl-PL" sz="2000" i="1" dirty="0">
+                <a:solidFill>
+                  <a:schemeClr val="bg2"/>
+                </a:solidFill>
+              </a:rPr>
+              <a:t>Bundle</a:t>
+            </a:r>
+            <a:r>
+              <a:rPr lang="pl-PL" sz="2000" dirty="0">
+                <a:solidFill>
+                  <a:schemeClr val="bg2"/>
+                </a:solidFill>
+              </a:rPr>
+              <a:t> zawierający poprzedni stan aktywności</a:t>
+            </a:r>
+          </a:p>
+          <a:p>
+            <a:pPr marL="171450" indent="-171450">
+              <a:lnSpc>
+                <a:spcPct val="200000"/>
+              </a:lnSpc>
+              <a:buFont typeface="Courier New" panose="02070309020205020404" pitchFamily="49" charset="0"/>
+              <a:buChar char="o"/>
+            </a:pPr>
+            <a:r>
+              <a:rPr lang="pl-PL" sz="2000" dirty="0">
+                <a:solidFill>
+                  <a:schemeClr val="bg2"/>
+                </a:solidFill>
+              </a:rPr>
+              <a:t>Metoda poprzedzająca </a:t>
+            </a:r>
+            <a:r>
+              <a:rPr lang="pl-PL" sz="2000" dirty="0" err="1">
+                <a:solidFill>
+                  <a:schemeClr val="bg2"/>
+                </a:solidFill>
+              </a:rPr>
+              <a:t>OnStart</a:t>
+            </a:r>
+            <a:r>
+              <a:rPr lang="pl-PL" sz="2000" dirty="0">
+                <a:solidFill>
+                  <a:schemeClr val="bg2"/>
+                </a:solidFill>
+              </a:rPr>
+              <a:t>()</a:t>
+            </a:r>
+          </a:p>
+        </p:txBody>
+      </p:sp>
+      <p:pic>
+        <p:nvPicPr>
+          <p:cNvPr id="4" name="Obraz 3">
+            <a:extLst>
+              <a:ext uri="{FF2B5EF4-FFF2-40B4-BE49-F238E27FC236}">
+                <a16:creationId xmlns:a16="http://schemas.microsoft.com/office/drawing/2014/main" id="{E4A3BB81-0B7C-416D-8968-2819A5321F78}"/>
+              </a:ext>
+            </a:extLst>
+          </p:cNvPr>
+          <p:cNvPicPr>
+            <a:picLocks noChangeAspect="1"/>
+          </p:cNvPicPr>
+          <p:nvPr/>
+        </p:nvPicPr>
+        <p:blipFill>
+          <a:blip r:embed="rId4"/>
+          <a:stretch>
+            <a:fillRect/>
+          </a:stretch>
+        </p:blipFill>
+        <p:spPr>
+          <a:xfrm>
+            <a:off x="192113" y="4264918"/>
+            <a:ext cx="8820150" cy="2571750"/>
+          </a:xfrm>
+          <a:prstGeom prst="rect">
+            <a:avLst/>
+          </a:prstGeom>
+        </p:spPr>
+      </p:pic>
+      <p:sp>
+        <p:nvSpPr>
+          <p:cNvPr id="5" name="pole tekstowe 4">
+            <a:extLst>
+              <a:ext uri="{FF2B5EF4-FFF2-40B4-BE49-F238E27FC236}">
+                <a16:creationId xmlns:a16="http://schemas.microsoft.com/office/drawing/2014/main" id="{0A845266-1F0E-46E2-9D26-7C185BAF40CE}"/>
+              </a:ext>
+            </a:extLst>
+          </p:cNvPr>
+          <p:cNvSpPr txBox="1"/>
+          <p:nvPr/>
+        </p:nvSpPr>
+        <p:spPr>
+          <a:xfrm>
+            <a:off x="4551717" y="6526505"/>
+            <a:ext cx="4592283" cy="276999"/>
+          </a:xfrm>
+          <a:prstGeom prst="rect">
+            <a:avLst/>
+          </a:prstGeom>
+          <a:noFill/>
+        </p:spPr>
+        <p:txBody>
+          <a:bodyPr wrap="none" rtlCol="0">
+            <a:spAutoFit/>
+          </a:bodyPr>
+          <a:lstStyle/>
+          <a:p>
+            <a:r>
+              <a:rPr lang="pl-PL" dirty="0">
+                <a:solidFill>
+                  <a:schemeClr val="bg2"/>
+                </a:solidFill>
+              </a:rPr>
+              <a:t>https://developer.android.com/reference/android/app/Activity.html</a:t>
+            </a:r>
+          </a:p>
+        </p:txBody>
+      </p:sp>
+    </p:spTree>
+    <p:extLst>
+      <p:ext uri="{BB962C8B-B14F-4D97-AF65-F5344CB8AC3E}">
+        <p14:creationId xmlns:p14="http://schemas.microsoft.com/office/powerpoint/2010/main" val="16991387"/>
+      </p:ext>
+    </p:extLst>
+  </p:cSld>
+  <p:clrMapOvr>
+    <a:masterClrMapping/>
+  </p:clrMapOvr>
+</p:sld>
+</file>
+
+<file path=ppt/slides/slide17.xml><?xml version="1.0" encoding="utf-8"?>
+<p:sld xmlns:a="http://schemas.openxmlformats.org/drawingml/2006/main" xmlns:r="http://schemas.openxmlformats.org/officeDocument/2006/relationships" xmlns:p="http://schemas.openxmlformats.org/presentationml/2006/main">
+  <p:cSld>
+    <p:bg>
+      <p:bgPr>
+        <a:blipFill dpi="0" rotWithShape="0">
+          <a:blip r:embed="rId3" cstate="print"/>
+          <a:srcRect/>
+          <a:stretch>
+            <a:fillRect/>
+          </a:stretch>
+        </a:blipFill>
+        <a:effectLst/>
+      </p:bgPr>
+    </p:bg>
+    <p:spTree>
+      <p:nvGrpSpPr>
+        <p:cNvPr id="1" name=""/>
+        <p:cNvGrpSpPr/>
+        <p:nvPr/>
+      </p:nvGrpSpPr>
+      <p:grpSpPr>
+        <a:xfrm>
+          <a:off x="0" y="0"/>
+          <a:ext cx="0" cy="0"/>
+          <a:chOff x="0" y="0"/>
+          <a:chExt cx="0" cy="0"/>
+        </a:xfrm>
+      </p:grpSpPr>
+      <p:sp>
+        <p:nvSpPr>
+          <p:cNvPr id="2" name="Rectangle 1"/>
+          <p:cNvSpPr/>
+          <p:nvPr/>
+        </p:nvSpPr>
+        <p:spPr>
+          <a:xfrm>
+            <a:off x="1979712" y="188640"/>
             <a:ext cx="7164288" cy="492443"/>
           </a:xfrm>
           <a:prstGeom prst="rect">
@@ -5469,7 +8163,7 @@
 </p:sld>
 </file>
 
-<file path=ppt/slides/slide11.xml><?xml version="1.0" encoding="utf-8"?>
+<file path=ppt/slides/slide18.xml><?xml version="1.0" encoding="utf-8"?>
 <p:sld xmlns:a="http://schemas.openxmlformats.org/drawingml/2006/main" xmlns:r="http://schemas.openxmlformats.org/officeDocument/2006/relationships" xmlns:p="http://schemas.openxmlformats.org/presentationml/2006/main">
   <p:cSld>
     <p:bg>
@@ -5854,7 +8548,7 @@
 </p:sld>
 </file>
 
-<file path=ppt/slides/slide12.xml><?xml version="1.0" encoding="utf-8"?>
+<file path=ppt/slides/slide19.xml><?xml version="1.0" encoding="utf-8"?>
 <p:sld xmlns:a="http://schemas.openxmlformats.org/drawingml/2006/main" xmlns:r="http://schemas.openxmlformats.org/officeDocument/2006/relationships" xmlns:p="http://schemas.openxmlformats.org/presentationml/2006/main">
   <p:cSld>
     <p:bg>
@@ -6283,7 +8977,7 @@
 </p:sld>
 </file>
 
-<file path=ppt/slides/slide13.xml><?xml version="1.0" encoding="utf-8"?>
+<file path=ppt/slides/slide2.xml><?xml version="1.0" encoding="utf-8"?>
 <p:sld xmlns:a="http://schemas.openxmlformats.org/drawingml/2006/main" xmlns:r="http://schemas.openxmlformats.org/officeDocument/2006/relationships" xmlns:p="http://schemas.openxmlformats.org/presentationml/2006/main">
   <p:cSld>
     <p:bg>
@@ -6314,10 +9008,93 @@
       </p:grpSpPr>
       <p:sp>
         <p:nvSpPr>
-          <p:cNvPr id="7" name="TextBox 1">
+          <p:cNvPr id="2" name="Rectangle 1"/>
+          <p:cNvSpPr/>
+          <p:nvPr/>
+        </p:nvSpPr>
+        <p:spPr>
+          <a:xfrm>
+            <a:off x="1979712" y="188640"/>
+            <a:ext cx="6696744" cy="492443"/>
+          </a:xfrm>
+          <a:prstGeom prst="rect">
+            <a:avLst/>
+          </a:prstGeom>
+        </p:spPr>
+        <p:txBody>
+          <a:bodyPr wrap="square">
+            <a:spAutoFit/>
+          </a:bodyPr>
+          <a:lstStyle/>
+          <a:p>
+            <a:pPr algn="ctr"/>
+            <a:r>
+              <a:rPr lang="pl-PL" sz="2600" dirty="0">
+                <a:solidFill>
+                  <a:schemeClr val="bg1"/>
+                </a:solidFill>
+                <a:latin typeface="Verdana" panose="020B0604030504040204" pitchFamily="34" charset="0"/>
+                <a:ea typeface="Verdana" panose="020B0604030504040204" pitchFamily="34" charset="0"/>
+                <a:cs typeface="Verdana" panose="020B0604030504040204" pitchFamily="34" charset="0"/>
+              </a:rPr>
+              <a:t>Podstawowe elementy aplikacji</a:t>
+            </a:r>
+          </a:p>
+        </p:txBody>
+      </p:sp>
+      <p:sp>
+        <p:nvSpPr>
+          <p:cNvPr id="6" name="Prostokąt 5">
             <a:extLst>
               <a:ext uri="{FF2B5EF4-FFF2-40B4-BE49-F238E27FC236}">
-                <a16:creationId xmlns:a16="http://schemas.microsoft.com/office/drawing/2014/main" id="{18B63D4F-5BA2-440F-9AD4-247950001015}"/>
+                <a16:creationId xmlns:a16="http://schemas.microsoft.com/office/drawing/2014/main" id="{B483F383-749C-4DE4-ACCC-8253AFF3C42A}"/>
+              </a:ext>
+            </a:extLst>
+          </p:cNvPr>
+          <p:cNvSpPr/>
+          <p:nvPr/>
+        </p:nvSpPr>
+        <p:spPr>
+          <a:xfrm>
+            <a:off x="971600" y="836712"/>
+            <a:ext cx="8150696" cy="6021288"/>
+          </a:xfrm>
+          <a:prstGeom prst="rect">
+            <a:avLst/>
+          </a:prstGeom>
+          <a:solidFill>
+            <a:schemeClr val="tx1"/>
+          </a:solidFill>
+        </p:spPr>
+        <p:style>
+          <a:lnRef idx="1">
+            <a:schemeClr val="accent1"/>
+          </a:lnRef>
+          <a:fillRef idx="3">
+            <a:schemeClr val="accent1"/>
+          </a:fillRef>
+          <a:effectRef idx="2">
+            <a:schemeClr val="accent1"/>
+          </a:effectRef>
+          <a:fontRef idx="minor">
+            <a:schemeClr val="lt1"/>
+          </a:fontRef>
+        </p:style>
+        <p:txBody>
+          <a:bodyPr rtlCol="0" anchor="ctr"/>
+          <a:lstStyle/>
+          <a:p>
+            <a:pPr algn="ctr"/>
+            <a:endParaRPr lang="pl-PL" dirty="0"/>
+          </a:p>
+        </p:txBody>
+      </p:sp>
+      <p:sp>
+        <p:nvSpPr>
+          <p:cNvPr id="3" name="pole tekstowe 2">
+            <a:extLst>
+              <a:ext uri="{FF2B5EF4-FFF2-40B4-BE49-F238E27FC236}">
+                <a16:creationId xmlns:a16="http://schemas.microsoft.com/office/drawing/2014/main" id="{DE844D0F-DE98-492A-8B73-1EA3ECEE4E84}"/>
               </a:ext>
             </a:extLst>
           </p:cNvPr>
@@ -6326,8 +9103,8 @@
         </p:nvSpPr>
         <p:spPr>
           <a:xfrm>
-            <a:off x="359532" y="3284984"/>
-            <a:ext cx="8424936" cy="584775"/>
+            <a:off x="1043609" y="853108"/>
+            <a:ext cx="8078688" cy="5027017"/>
           </a:xfrm>
           <a:prstGeom prst="rect">
             <a:avLst/>
@@ -6340,14 +9117,286 @@
           </a:bodyPr>
           <a:lstStyle/>
           <a:p>
-            <a:pPr algn="ctr"/>
-            <a:r>
-              <a:rPr lang="pl-PL" sz="3200" b="1" dirty="0">
+            <a:pPr algn="just">
+              <a:lnSpc>
+                <a:spcPct val="150000"/>
+              </a:lnSpc>
+            </a:pPr>
+            <a:r>
+              <a:rPr lang="pl-PL" sz="1800" dirty="0">
                 <a:solidFill>
                   <a:schemeClr val="bg1"/>
                 </a:solidFill>
               </a:rPr>
-              <a:t>Klasa R</a:t>
+              <a:t>Podstawowe elementy – komponenty, klasy pierwotne z których zbudowana jest aplikacja (VM + Zasoby = APK (Android </a:t>
+            </a:r>
+            <a:r>
+              <a:rPr lang="pl-PL" sz="1800" dirty="0" err="1">
+                <a:solidFill>
+                  <a:schemeClr val="bg1"/>
+                </a:solidFill>
+              </a:rPr>
+              <a:t>Package</a:t>
+            </a:r>
+            <a:r>
+              <a:rPr lang="pl-PL" sz="1800" dirty="0">
+                <a:solidFill>
+                  <a:schemeClr val="bg1"/>
+                </a:solidFill>
+              </a:rPr>
+              <a:t> Kit))</a:t>
+            </a:r>
+          </a:p>
+          <a:p>
+            <a:pPr algn="just">
+              <a:lnSpc>
+                <a:spcPct val="150000"/>
+              </a:lnSpc>
+            </a:pPr>
+            <a:endParaRPr lang="pl-PL" sz="1800" dirty="0">
+              <a:solidFill>
+                <a:schemeClr val="bg1"/>
+              </a:solidFill>
+            </a:endParaRPr>
+          </a:p>
+          <a:p>
+            <a:pPr algn="just">
+              <a:lnSpc>
+                <a:spcPct val="150000"/>
+              </a:lnSpc>
+            </a:pPr>
+            <a:r>
+              <a:rPr lang="pl-PL" sz="1800" dirty="0">
+                <a:solidFill>
+                  <a:schemeClr val="bg1"/>
+                </a:solidFill>
+              </a:rPr>
+              <a:t>Każdy komponent zapewnia konkretną funkcjonalność i posiada wyodrębniony cykl życia. Komponenty działają kooperacyjnie wspólnie zapewniając ukończenie określonego zadania aplikacji</a:t>
+            </a:r>
+          </a:p>
+          <a:p>
+            <a:pPr algn="just">
+              <a:lnSpc>
+                <a:spcPct val="150000"/>
+              </a:lnSpc>
+            </a:pPr>
+            <a:endParaRPr lang="pl-PL" sz="1800" dirty="0">
+              <a:solidFill>
+                <a:schemeClr val="bg1"/>
+              </a:solidFill>
+            </a:endParaRPr>
+          </a:p>
+          <a:p>
+            <a:pPr algn="just">
+              <a:lnSpc>
+                <a:spcPct val="150000"/>
+              </a:lnSpc>
+            </a:pPr>
+            <a:r>
+              <a:rPr lang="pl-PL" sz="1800" dirty="0">
+                <a:solidFill>
+                  <a:schemeClr val="bg1"/>
+                </a:solidFill>
+              </a:rPr>
+              <a:t>Podstawowe elementy:</a:t>
+            </a:r>
+          </a:p>
+          <a:p>
+            <a:pPr marL="342900" indent="-342900" algn="just">
+              <a:lnSpc>
+                <a:spcPct val="150000"/>
+              </a:lnSpc>
+              <a:buFont typeface="+mj-lt"/>
+              <a:buAutoNum type="arabicPeriod"/>
+            </a:pPr>
+            <a:r>
+              <a:rPr lang="pl-PL" sz="1800" dirty="0" err="1">
+                <a:solidFill>
+                  <a:schemeClr val="bg1"/>
+                </a:solidFill>
+              </a:rPr>
+              <a:t>Activities</a:t>
+            </a:r>
+            <a:r>
+              <a:rPr lang="pl-PL" sz="1800" dirty="0">
+                <a:solidFill>
+                  <a:schemeClr val="bg1"/>
+                </a:solidFill>
+              </a:rPr>
+              <a:t> – pojedynczy ekran z UI</a:t>
+            </a:r>
+          </a:p>
+          <a:p>
+            <a:pPr marL="342900" indent="-342900" algn="just">
+              <a:lnSpc>
+                <a:spcPct val="150000"/>
+              </a:lnSpc>
+              <a:buFont typeface="+mj-lt"/>
+              <a:buAutoNum type="arabicPeriod"/>
+            </a:pPr>
+            <a:r>
+              <a:rPr lang="pl-PL" sz="1800" dirty="0">
+                <a:solidFill>
+                  <a:schemeClr val="bg1"/>
+                </a:solidFill>
+              </a:rPr>
+              <a:t>Services – </a:t>
+            </a:r>
+            <a:r>
+              <a:rPr lang="pl-PL" sz="1800" dirty="0" err="1">
+                <a:solidFill>
+                  <a:schemeClr val="bg1"/>
+                </a:solidFill>
+              </a:rPr>
+              <a:t>long</a:t>
+            </a:r>
+            <a:r>
+              <a:rPr lang="pl-PL" sz="1800" dirty="0">
+                <a:solidFill>
+                  <a:schemeClr val="bg1"/>
+                </a:solidFill>
+              </a:rPr>
+              <a:t> </a:t>
+            </a:r>
+            <a:r>
+              <a:rPr lang="pl-PL" sz="1800" dirty="0" err="1">
+                <a:solidFill>
+                  <a:schemeClr val="bg1"/>
+                </a:solidFill>
+              </a:rPr>
+              <a:t>running</a:t>
+            </a:r>
+            <a:r>
+              <a:rPr lang="pl-PL" sz="1800" dirty="0">
+                <a:solidFill>
+                  <a:schemeClr val="bg1"/>
+                </a:solidFill>
+              </a:rPr>
+              <a:t> </a:t>
+            </a:r>
+            <a:r>
+              <a:rPr lang="pl-PL" sz="1800" dirty="0" err="1">
+                <a:solidFill>
+                  <a:schemeClr val="bg1"/>
+                </a:solidFill>
+              </a:rPr>
+              <a:t>tasks</a:t>
+            </a:r>
+            <a:r>
+              <a:rPr lang="pl-PL" sz="1800" dirty="0">
+                <a:solidFill>
+                  <a:schemeClr val="bg1"/>
+                </a:solidFill>
+              </a:rPr>
+              <a:t> in the </a:t>
+            </a:r>
+            <a:r>
+              <a:rPr lang="pl-PL" sz="1800" dirty="0" err="1">
+                <a:solidFill>
+                  <a:schemeClr val="bg1"/>
+                </a:solidFill>
+              </a:rPr>
+              <a:t>background</a:t>
+            </a:r>
+            <a:endParaRPr lang="pl-PL" sz="1800" dirty="0">
+              <a:solidFill>
+                <a:schemeClr val="bg1"/>
+              </a:solidFill>
+            </a:endParaRPr>
+          </a:p>
+          <a:p>
+            <a:pPr marL="342900" indent="-342900" algn="just">
+              <a:lnSpc>
+                <a:spcPct val="150000"/>
+              </a:lnSpc>
+              <a:buFont typeface="+mj-lt"/>
+              <a:buAutoNum type="arabicPeriod"/>
+            </a:pPr>
+            <a:r>
+              <a:rPr lang="pl-PL" sz="1800" dirty="0">
+                <a:solidFill>
+                  <a:schemeClr val="bg1"/>
+                </a:solidFill>
+              </a:rPr>
+              <a:t>Broadcast </a:t>
+            </a:r>
+            <a:r>
+              <a:rPr lang="pl-PL" sz="1800" dirty="0" err="1">
+                <a:solidFill>
+                  <a:schemeClr val="bg1"/>
+                </a:solidFill>
+              </a:rPr>
+              <a:t>Receiver</a:t>
+            </a:r>
+            <a:r>
+              <a:rPr lang="pl-PL" sz="1800" dirty="0">
+                <a:solidFill>
+                  <a:schemeClr val="bg1"/>
+                </a:solidFill>
+              </a:rPr>
+              <a:t> – </a:t>
+            </a:r>
+            <a:r>
+              <a:rPr lang="pl-PL" sz="1800" dirty="0" err="1">
+                <a:solidFill>
+                  <a:schemeClr val="bg1"/>
+                </a:solidFill>
+              </a:rPr>
+              <a:t>responds</a:t>
+            </a:r>
+            <a:r>
+              <a:rPr lang="pl-PL" sz="1800" dirty="0">
+                <a:solidFill>
+                  <a:schemeClr val="bg1"/>
+                </a:solidFill>
+              </a:rPr>
+              <a:t> to system-</a:t>
+            </a:r>
+            <a:r>
+              <a:rPr lang="pl-PL" sz="1800" dirty="0" err="1">
+                <a:solidFill>
+                  <a:schemeClr val="bg1"/>
+                </a:solidFill>
+              </a:rPr>
+              <a:t>wide</a:t>
+            </a:r>
+            <a:r>
+              <a:rPr lang="pl-PL" sz="1800" dirty="0">
+                <a:solidFill>
+                  <a:schemeClr val="bg1"/>
+                </a:solidFill>
+              </a:rPr>
+              <a:t> </a:t>
+            </a:r>
+            <a:r>
+              <a:rPr lang="pl-PL" sz="1800" dirty="0" err="1">
+                <a:solidFill>
+                  <a:schemeClr val="bg1"/>
+                </a:solidFill>
+              </a:rPr>
+              <a:t>announcements</a:t>
+            </a:r>
+            <a:endParaRPr lang="pl-PL" sz="1800" dirty="0">
+              <a:solidFill>
+                <a:schemeClr val="bg1"/>
+              </a:solidFill>
+            </a:endParaRPr>
+          </a:p>
+          <a:p>
+            <a:pPr marL="342900" indent="-342900" algn="just">
+              <a:lnSpc>
+                <a:spcPct val="150000"/>
+              </a:lnSpc>
+              <a:buFont typeface="+mj-lt"/>
+              <a:buAutoNum type="arabicPeriod"/>
+            </a:pPr>
+            <a:r>
+              <a:rPr lang="pl-PL" sz="1800" dirty="0">
+                <a:solidFill>
+                  <a:schemeClr val="bg1"/>
+                </a:solidFill>
+              </a:rPr>
+              <a:t>Content Provider</a:t>
             </a:r>
           </a:p>
         </p:txBody>
@@ -6355,7 +9404,7 @@
     </p:spTree>
     <p:extLst>
       <p:ext uri="{BB962C8B-B14F-4D97-AF65-F5344CB8AC3E}">
-        <p14:creationId xmlns:p14="http://schemas.microsoft.com/office/powerpoint/2010/main" val="1774695252"/>
+        <p14:creationId xmlns:p14="http://schemas.microsoft.com/office/powerpoint/2010/main" val="758655208"/>
       </p:ext>
     </p:extLst>
   </p:cSld>
@@ -6365,7 +9414,2652 @@
 </p:sld>
 </file>
 
-<file path=ppt/slides/slide14.xml><?xml version="1.0" encoding="utf-8"?>
+<file path=ppt/slides/slide20.xml><?xml version="1.0" encoding="utf-8"?>
+<p:sld xmlns:a="http://schemas.openxmlformats.org/drawingml/2006/main" xmlns:r="http://schemas.openxmlformats.org/officeDocument/2006/relationships" xmlns:p="http://schemas.openxmlformats.org/presentationml/2006/main">
+  <p:cSld>
+    <p:bg>
+      <p:bgPr>
+        <a:blipFill dpi="0" rotWithShape="0">
+          <a:blip r:embed="rId3" cstate="print"/>
+          <a:srcRect/>
+          <a:stretch>
+            <a:fillRect/>
+          </a:stretch>
+        </a:blipFill>
+        <a:effectLst/>
+      </p:bgPr>
+    </p:bg>
+    <p:spTree>
+      <p:nvGrpSpPr>
+        <p:cNvPr id="1" name=""/>
+        <p:cNvGrpSpPr/>
+        <p:nvPr/>
+      </p:nvGrpSpPr>
+      <p:grpSpPr>
+        <a:xfrm>
+          <a:off x="0" y="0"/>
+          <a:ext cx="0" cy="0"/>
+          <a:chOff x="0" y="0"/>
+          <a:chExt cx="0" cy="0"/>
+        </a:xfrm>
+      </p:grpSpPr>
+      <p:sp>
+        <p:nvSpPr>
+          <p:cNvPr id="2" name="Rectangle 1"/>
+          <p:cNvSpPr/>
+          <p:nvPr/>
+        </p:nvSpPr>
+        <p:spPr>
+          <a:xfrm>
+            <a:off x="1979712" y="188640"/>
+            <a:ext cx="7164288" cy="492443"/>
+          </a:xfrm>
+          <a:prstGeom prst="rect">
+            <a:avLst/>
+          </a:prstGeom>
+        </p:spPr>
+        <p:txBody>
+          <a:bodyPr wrap="square">
+            <a:spAutoFit/>
+          </a:bodyPr>
+          <a:lstStyle/>
+          <a:p>
+            <a:pPr algn="ctr"/>
+            <a:r>
+              <a:rPr lang="pl-PL" sz="2600" dirty="0" err="1">
+                <a:solidFill>
+                  <a:schemeClr val="bg1"/>
+                </a:solidFill>
+                <a:latin typeface="Verdana" panose="020B0604030504040204" pitchFamily="34" charset="0"/>
+                <a:ea typeface="Verdana" panose="020B0604030504040204" pitchFamily="34" charset="0"/>
+                <a:cs typeface="Verdana" panose="020B0604030504040204" pitchFamily="34" charset="0"/>
+              </a:rPr>
+              <a:t>Context</a:t>
+            </a:r>
+            <a:endParaRPr lang="pl-PL" sz="2600" dirty="0">
+              <a:solidFill>
+                <a:schemeClr val="bg1"/>
+              </a:solidFill>
+              <a:latin typeface="Verdana" panose="020B0604030504040204" pitchFamily="34" charset="0"/>
+              <a:ea typeface="Verdana" panose="020B0604030504040204" pitchFamily="34" charset="0"/>
+              <a:cs typeface="Verdana" panose="020B0604030504040204" pitchFamily="34" charset="0"/>
+            </a:endParaRPr>
+          </a:p>
+        </p:txBody>
+      </p:sp>
+      <p:sp>
+        <p:nvSpPr>
+          <p:cNvPr id="6" name="Prostokąt 5">
+            <a:extLst>
+              <a:ext uri="{FF2B5EF4-FFF2-40B4-BE49-F238E27FC236}">
+                <a16:creationId xmlns:a16="http://schemas.microsoft.com/office/drawing/2014/main" id="{CA41B780-B57E-411C-AAD5-3D3D6912F664}"/>
+              </a:ext>
+            </a:extLst>
+          </p:cNvPr>
+          <p:cNvSpPr/>
+          <p:nvPr/>
+        </p:nvSpPr>
+        <p:spPr>
+          <a:xfrm>
+            <a:off x="0" y="810072"/>
+            <a:ext cx="9144000" cy="6021288"/>
+          </a:xfrm>
+          <a:prstGeom prst="rect">
+            <a:avLst/>
+          </a:prstGeom>
+          <a:solidFill>
+            <a:schemeClr val="tx1"/>
+          </a:solidFill>
+        </p:spPr>
+        <p:style>
+          <a:lnRef idx="1">
+            <a:schemeClr val="accent1"/>
+          </a:lnRef>
+          <a:fillRef idx="3">
+            <a:schemeClr val="accent1"/>
+          </a:fillRef>
+          <a:effectRef idx="2">
+            <a:schemeClr val="accent1"/>
+          </a:effectRef>
+          <a:fontRef idx="minor">
+            <a:schemeClr val="lt1"/>
+          </a:fontRef>
+        </p:style>
+        <p:txBody>
+          <a:bodyPr rtlCol="0" anchor="ctr"/>
+          <a:lstStyle/>
+          <a:p>
+            <a:pPr algn="ctr"/>
+            <a:endParaRPr lang="pl-PL" dirty="0"/>
+          </a:p>
+        </p:txBody>
+      </p:sp>
+      <p:sp>
+        <p:nvSpPr>
+          <p:cNvPr id="5" name="pole tekstowe 4">
+            <a:extLst>
+              <a:ext uri="{FF2B5EF4-FFF2-40B4-BE49-F238E27FC236}">
+                <a16:creationId xmlns:a16="http://schemas.microsoft.com/office/drawing/2014/main" id="{0A845266-1F0E-46E2-9D26-7C185BAF40CE}"/>
+              </a:ext>
+            </a:extLst>
+          </p:cNvPr>
+          <p:cNvSpPr txBox="1"/>
+          <p:nvPr/>
+        </p:nvSpPr>
+        <p:spPr>
+          <a:xfrm>
+            <a:off x="4661756" y="6554361"/>
+            <a:ext cx="4592283" cy="276999"/>
+          </a:xfrm>
+          <a:prstGeom prst="rect">
+            <a:avLst/>
+          </a:prstGeom>
+          <a:noFill/>
+        </p:spPr>
+        <p:txBody>
+          <a:bodyPr wrap="none" rtlCol="0">
+            <a:spAutoFit/>
+          </a:bodyPr>
+          <a:lstStyle/>
+          <a:p>
+            <a:r>
+              <a:rPr lang="pl-PL" dirty="0">
+                <a:solidFill>
+                  <a:schemeClr val="bg2"/>
+                </a:solidFill>
+              </a:rPr>
+              <a:t>https://developer.android.com/reference/android/app/Activity.html</a:t>
+            </a:r>
+          </a:p>
+        </p:txBody>
+      </p:sp>
+      <p:pic>
+        <p:nvPicPr>
+          <p:cNvPr id="4" name="Obraz 3">
+            <a:extLst>
+              <a:ext uri="{FF2B5EF4-FFF2-40B4-BE49-F238E27FC236}">
+                <a16:creationId xmlns:a16="http://schemas.microsoft.com/office/drawing/2014/main" id="{359D61A9-0878-4525-9A2D-1BFEE5701BD4}"/>
+              </a:ext>
+            </a:extLst>
+          </p:cNvPr>
+          <p:cNvPicPr>
+            <a:picLocks noChangeAspect="1"/>
+          </p:cNvPicPr>
+          <p:nvPr/>
+        </p:nvPicPr>
+        <p:blipFill>
+          <a:blip r:embed="rId4"/>
+          <a:stretch>
+            <a:fillRect/>
+          </a:stretch>
+        </p:blipFill>
+        <p:spPr>
+          <a:xfrm>
+            <a:off x="0" y="1143000"/>
+            <a:ext cx="9144000" cy="4572000"/>
+          </a:xfrm>
+          <a:prstGeom prst="rect">
+            <a:avLst/>
+          </a:prstGeom>
+        </p:spPr>
+      </p:pic>
+    </p:spTree>
+    <p:extLst>
+      <p:ext uri="{BB962C8B-B14F-4D97-AF65-F5344CB8AC3E}">
+        <p14:creationId xmlns:p14="http://schemas.microsoft.com/office/powerpoint/2010/main" val="767437988"/>
+      </p:ext>
+    </p:extLst>
+  </p:cSld>
+  <p:clrMapOvr>
+    <a:masterClrMapping/>
+  </p:clrMapOvr>
+</p:sld>
+</file>
+
+<file path=ppt/slides/slide3.xml><?xml version="1.0" encoding="utf-8"?>
+<p:sld xmlns:a="http://schemas.openxmlformats.org/drawingml/2006/main" xmlns:r="http://schemas.openxmlformats.org/officeDocument/2006/relationships" xmlns:p="http://schemas.openxmlformats.org/presentationml/2006/main">
+  <p:cSld>
+    <p:bg>
+      <p:bgPr>
+        <a:blipFill dpi="0" rotWithShape="0">
+          <a:blip r:embed="rId3" cstate="print"/>
+          <a:srcRect/>
+          <a:stretch>
+            <a:fillRect/>
+          </a:stretch>
+        </a:blipFill>
+        <a:effectLst/>
+      </p:bgPr>
+    </p:bg>
+    <p:spTree>
+      <p:nvGrpSpPr>
+        <p:cNvPr id="1" name=""/>
+        <p:cNvGrpSpPr/>
+        <p:nvPr/>
+      </p:nvGrpSpPr>
+      <p:grpSpPr>
+        <a:xfrm>
+          <a:off x="0" y="0"/>
+          <a:ext cx="0" cy="0"/>
+          <a:chOff x="0" y="0"/>
+          <a:chExt cx="0" cy="0"/>
+        </a:xfrm>
+      </p:grpSpPr>
+      <p:sp>
+        <p:nvSpPr>
+          <p:cNvPr id="2" name="Rectangle 1"/>
+          <p:cNvSpPr/>
+          <p:nvPr/>
+        </p:nvSpPr>
+        <p:spPr>
+          <a:xfrm>
+            <a:off x="1979712" y="188640"/>
+            <a:ext cx="6696744" cy="492443"/>
+          </a:xfrm>
+          <a:prstGeom prst="rect">
+            <a:avLst/>
+          </a:prstGeom>
+        </p:spPr>
+        <p:txBody>
+          <a:bodyPr wrap="square">
+            <a:spAutoFit/>
+          </a:bodyPr>
+          <a:lstStyle/>
+          <a:p>
+            <a:pPr algn="ctr"/>
+            <a:r>
+              <a:rPr lang="pl-PL" sz="2600" dirty="0">
+                <a:solidFill>
+                  <a:schemeClr val="bg1"/>
+                </a:solidFill>
+                <a:latin typeface="Verdana" panose="020B0604030504040204" pitchFamily="34" charset="0"/>
+                <a:ea typeface="Verdana" panose="020B0604030504040204" pitchFamily="34" charset="0"/>
+                <a:cs typeface="Verdana" panose="020B0604030504040204" pitchFamily="34" charset="0"/>
+              </a:rPr>
+              <a:t>Podstawowe elementy aplikacji</a:t>
+            </a:r>
+          </a:p>
+        </p:txBody>
+      </p:sp>
+      <p:sp>
+        <p:nvSpPr>
+          <p:cNvPr id="6" name="Prostokąt 5">
+            <a:extLst>
+              <a:ext uri="{FF2B5EF4-FFF2-40B4-BE49-F238E27FC236}">
+                <a16:creationId xmlns:a16="http://schemas.microsoft.com/office/drawing/2014/main" id="{B483F383-749C-4DE4-ACCC-8253AFF3C42A}"/>
+              </a:ext>
+            </a:extLst>
+          </p:cNvPr>
+          <p:cNvSpPr/>
+          <p:nvPr/>
+        </p:nvSpPr>
+        <p:spPr>
+          <a:xfrm>
+            <a:off x="21703" y="836712"/>
+            <a:ext cx="9100593" cy="6021288"/>
+          </a:xfrm>
+          <a:prstGeom prst="rect">
+            <a:avLst/>
+          </a:prstGeom>
+          <a:solidFill>
+            <a:schemeClr val="tx1"/>
+          </a:solidFill>
+        </p:spPr>
+        <p:style>
+          <a:lnRef idx="1">
+            <a:schemeClr val="accent1"/>
+          </a:lnRef>
+          <a:fillRef idx="3">
+            <a:schemeClr val="accent1"/>
+          </a:fillRef>
+          <a:effectRef idx="2">
+            <a:schemeClr val="accent1"/>
+          </a:effectRef>
+          <a:fontRef idx="minor">
+            <a:schemeClr val="lt1"/>
+          </a:fontRef>
+        </p:style>
+        <p:txBody>
+          <a:bodyPr rtlCol="0" anchor="ctr"/>
+          <a:lstStyle/>
+          <a:p>
+            <a:pPr algn="ctr"/>
+            <a:endParaRPr lang="pl-PL" dirty="0"/>
+          </a:p>
+        </p:txBody>
+      </p:sp>
+      <p:sp>
+        <p:nvSpPr>
+          <p:cNvPr id="3" name="pole tekstowe 2">
+            <a:extLst>
+              <a:ext uri="{FF2B5EF4-FFF2-40B4-BE49-F238E27FC236}">
+                <a16:creationId xmlns:a16="http://schemas.microsoft.com/office/drawing/2014/main" id="{DE844D0F-DE98-492A-8B73-1EA3ECEE4E84}"/>
+              </a:ext>
+            </a:extLst>
+          </p:cNvPr>
+          <p:cNvSpPr txBox="1"/>
+          <p:nvPr/>
+        </p:nvSpPr>
+        <p:spPr>
+          <a:xfrm>
+            <a:off x="0" y="853108"/>
+            <a:ext cx="9122297" cy="2949525"/>
+          </a:xfrm>
+          <a:prstGeom prst="rect">
+            <a:avLst/>
+          </a:prstGeom>
+          <a:noFill/>
+        </p:spPr>
+        <p:txBody>
+          <a:bodyPr wrap="square" rtlCol="0">
+            <a:spAutoFit/>
+          </a:bodyPr>
+          <a:lstStyle/>
+          <a:p>
+            <a:pPr marL="285750" indent="-285750" algn="just">
+              <a:lnSpc>
+                <a:spcPct val="150000"/>
+              </a:lnSpc>
+              <a:buFont typeface="Courier New" panose="02070309020205020404" pitchFamily="49" charset="0"/>
+              <a:buChar char="o"/>
+            </a:pPr>
+            <a:r>
+              <a:rPr lang="pl-PL" sz="1800" dirty="0">
+                <a:solidFill>
+                  <a:schemeClr val="bg1"/>
+                </a:solidFill>
+              </a:rPr>
+              <a:t>Activity Class – obiekt, pojedyncze GUI, które poza wyświetlaniem / zbieraniem danych zapewnia pewną funkcjonalność</a:t>
+            </a:r>
+            <a:endParaRPr lang="pl-PL" sz="1800" i="1" dirty="0">
+              <a:solidFill>
+                <a:schemeClr val="bg1"/>
+              </a:solidFill>
+            </a:endParaRPr>
+          </a:p>
+          <a:p>
+            <a:pPr marL="285750" indent="-285750" algn="just">
+              <a:lnSpc>
+                <a:spcPct val="150000"/>
+              </a:lnSpc>
+              <a:buFont typeface="Courier New" panose="02070309020205020404" pitchFamily="49" charset="0"/>
+              <a:buChar char="o"/>
+            </a:pPr>
+            <a:r>
+              <a:rPr lang="pl-PL" sz="1800" dirty="0">
+                <a:solidFill>
+                  <a:schemeClr val="bg1"/>
+                </a:solidFill>
+              </a:rPr>
+              <a:t>Typowo aplikacje zawierają jeden lub więcej obiektów </a:t>
+            </a:r>
+            <a:r>
+              <a:rPr lang="pl-PL" sz="1800" i="1" dirty="0">
+                <a:solidFill>
+                  <a:schemeClr val="bg1"/>
+                </a:solidFill>
+              </a:rPr>
+              <a:t>Activity</a:t>
+            </a:r>
+            <a:endParaRPr lang="pl-PL" sz="1800" dirty="0">
+              <a:solidFill>
+                <a:schemeClr val="bg1"/>
+              </a:solidFill>
+            </a:endParaRPr>
+          </a:p>
+          <a:p>
+            <a:pPr marL="285750" indent="-285750" algn="just">
+              <a:lnSpc>
+                <a:spcPct val="150000"/>
+              </a:lnSpc>
+              <a:buFont typeface="Courier New" panose="02070309020205020404" pitchFamily="49" charset="0"/>
+              <a:buChar char="o"/>
+            </a:pPr>
+            <a:r>
+              <a:rPr lang="pl-PL" sz="1800" dirty="0">
+                <a:solidFill>
+                  <a:schemeClr val="bg1"/>
+                </a:solidFill>
+              </a:rPr>
+              <a:t>Aplikacje muszą wyznaczyć jedną czynność jako </a:t>
+            </a:r>
+            <a:r>
+              <a:rPr lang="pl-PL" sz="1800" i="1" dirty="0" err="1">
+                <a:solidFill>
+                  <a:schemeClr val="bg1"/>
+                </a:solidFill>
+              </a:rPr>
+              <a:t>main</a:t>
+            </a:r>
+            <a:r>
+              <a:rPr lang="pl-PL" sz="1800" i="1" dirty="0">
+                <a:solidFill>
+                  <a:schemeClr val="bg1"/>
+                </a:solidFill>
+              </a:rPr>
+              <a:t> </a:t>
+            </a:r>
+            <a:r>
+              <a:rPr lang="pl-PL" sz="1800" i="1" dirty="0" err="1">
+                <a:solidFill>
+                  <a:schemeClr val="bg1"/>
+                </a:solidFill>
+              </a:rPr>
+              <a:t>task</a:t>
+            </a:r>
+            <a:r>
+              <a:rPr lang="pl-PL" sz="1800" i="1" dirty="0">
+                <a:solidFill>
+                  <a:schemeClr val="bg1"/>
+                </a:solidFill>
+              </a:rPr>
+              <a:t>/</a:t>
+            </a:r>
+            <a:r>
+              <a:rPr lang="pl-PL" sz="1800" i="1" dirty="0" err="1">
+                <a:solidFill>
+                  <a:schemeClr val="bg1"/>
+                </a:solidFill>
+              </a:rPr>
+              <a:t>entry</a:t>
+            </a:r>
+            <a:r>
+              <a:rPr lang="pl-PL" sz="1800" i="1" dirty="0">
+                <a:solidFill>
+                  <a:schemeClr val="bg1"/>
+                </a:solidFill>
+              </a:rPr>
+              <a:t> point. </a:t>
+            </a:r>
+            <a:r>
+              <a:rPr lang="pl-PL" sz="1800" dirty="0">
+                <a:solidFill>
+                  <a:schemeClr val="bg1"/>
+                </a:solidFill>
+              </a:rPr>
+              <a:t>Ta czynność jest uruchamiana jako pierwsza gdy aplikacja jest włączana</a:t>
+            </a:r>
+          </a:p>
+          <a:p>
+            <a:pPr marL="285750" indent="-285750" algn="just">
+              <a:lnSpc>
+                <a:spcPct val="150000"/>
+              </a:lnSpc>
+              <a:buFont typeface="Courier New" panose="02070309020205020404" pitchFamily="49" charset="0"/>
+              <a:buChar char="o"/>
+            </a:pPr>
+            <a:r>
+              <a:rPr lang="pl-PL" sz="1800" dirty="0">
+                <a:solidFill>
+                  <a:schemeClr val="bg1"/>
+                </a:solidFill>
+              </a:rPr>
+              <a:t>Czynność może przekazać kontrolę i dane do innej czynności poprzez protokół komunikacji międzyprocesowej </a:t>
+            </a:r>
+            <a:r>
+              <a:rPr lang="pl-PL" sz="1800" i="1" dirty="0" err="1">
+                <a:solidFill>
+                  <a:schemeClr val="bg1"/>
+                </a:solidFill>
+              </a:rPr>
+              <a:t>intents</a:t>
+            </a:r>
+            <a:r>
+              <a:rPr lang="pl-PL" sz="1800" i="1" dirty="0">
+                <a:solidFill>
+                  <a:schemeClr val="bg1"/>
+                </a:solidFill>
+              </a:rPr>
+              <a:t>  - </a:t>
+            </a:r>
+            <a:r>
+              <a:rPr lang="pl-PL" sz="1800" dirty="0">
+                <a:solidFill>
+                  <a:schemeClr val="bg1"/>
+                </a:solidFill>
+              </a:rPr>
+              <a:t>proces logowania</a:t>
+            </a:r>
+          </a:p>
+        </p:txBody>
+      </p:sp>
+      <p:pic>
+        <p:nvPicPr>
+          <p:cNvPr id="4" name="Obraz 3">
+            <a:extLst>
+              <a:ext uri="{FF2B5EF4-FFF2-40B4-BE49-F238E27FC236}">
+                <a16:creationId xmlns:a16="http://schemas.microsoft.com/office/drawing/2014/main" id="{84070EC6-774D-4741-BC65-E6FBC00310DF}"/>
+              </a:ext>
+            </a:extLst>
+          </p:cNvPr>
+          <p:cNvPicPr>
+            <a:picLocks noChangeAspect="1"/>
+          </p:cNvPicPr>
+          <p:nvPr/>
+        </p:nvPicPr>
+        <p:blipFill>
+          <a:blip r:embed="rId4"/>
+          <a:stretch>
+            <a:fillRect/>
+          </a:stretch>
+        </p:blipFill>
+        <p:spPr>
+          <a:xfrm>
+            <a:off x="1835696" y="3852297"/>
+            <a:ext cx="5185048" cy="3022099"/>
+          </a:xfrm>
+          <a:prstGeom prst="rect">
+            <a:avLst/>
+          </a:prstGeom>
+        </p:spPr>
+      </p:pic>
+      <p:sp>
+        <p:nvSpPr>
+          <p:cNvPr id="5" name="pole tekstowe 4">
+            <a:extLst>
+              <a:ext uri="{FF2B5EF4-FFF2-40B4-BE49-F238E27FC236}">
+                <a16:creationId xmlns:a16="http://schemas.microsoft.com/office/drawing/2014/main" id="{8B1F98A9-AB43-463B-B1AD-A238673D8691}"/>
+              </a:ext>
+            </a:extLst>
+          </p:cNvPr>
+          <p:cNvSpPr txBox="1"/>
+          <p:nvPr/>
+        </p:nvSpPr>
+        <p:spPr>
+          <a:xfrm>
+            <a:off x="7475882" y="6392361"/>
+            <a:ext cx="1075038" cy="276999"/>
+          </a:xfrm>
+          <a:prstGeom prst="rect">
+            <a:avLst/>
+          </a:prstGeom>
+          <a:noFill/>
+        </p:spPr>
+        <p:txBody>
+          <a:bodyPr wrap="none" rtlCol="0">
+            <a:spAutoFit/>
+          </a:bodyPr>
+          <a:lstStyle/>
+          <a:p>
+            <a:r>
+              <a:rPr lang="pl-PL" b="1" dirty="0">
+                <a:solidFill>
+                  <a:schemeClr val="bg1"/>
+                </a:solidFill>
+              </a:rPr>
+              <a:t>BACHA </a:t>
+            </a:r>
+            <a:r>
+              <a:rPr lang="pl-PL" b="1" dirty="0" err="1">
+                <a:solidFill>
+                  <a:schemeClr val="bg1"/>
+                </a:solidFill>
+              </a:rPr>
+              <a:t>Soft</a:t>
+            </a:r>
+            <a:endParaRPr lang="pl-PL" dirty="0">
+              <a:solidFill>
+                <a:schemeClr val="bg1"/>
+              </a:solidFill>
+            </a:endParaRPr>
+          </a:p>
+        </p:txBody>
+      </p:sp>
+    </p:spTree>
+    <p:extLst>
+      <p:ext uri="{BB962C8B-B14F-4D97-AF65-F5344CB8AC3E}">
+        <p14:creationId xmlns:p14="http://schemas.microsoft.com/office/powerpoint/2010/main" val="28629014"/>
+      </p:ext>
+    </p:extLst>
+  </p:cSld>
+  <p:clrMapOvr>
+    <a:masterClrMapping/>
+  </p:clrMapOvr>
+</p:sld>
+</file>
+
+<file path=ppt/slides/slide4.xml><?xml version="1.0" encoding="utf-8"?>
+<p:sld xmlns:a="http://schemas.openxmlformats.org/drawingml/2006/main" xmlns:r="http://schemas.openxmlformats.org/officeDocument/2006/relationships" xmlns:p="http://schemas.openxmlformats.org/presentationml/2006/main">
+  <p:cSld>
+    <p:bg>
+      <p:bgPr>
+        <a:blipFill dpi="0" rotWithShape="0">
+          <a:blip r:embed="rId3" cstate="print"/>
+          <a:srcRect/>
+          <a:stretch>
+            <a:fillRect/>
+          </a:stretch>
+        </a:blipFill>
+        <a:effectLst/>
+      </p:bgPr>
+    </p:bg>
+    <p:spTree>
+      <p:nvGrpSpPr>
+        <p:cNvPr id="1" name=""/>
+        <p:cNvGrpSpPr/>
+        <p:nvPr/>
+      </p:nvGrpSpPr>
+      <p:grpSpPr>
+        <a:xfrm>
+          <a:off x="0" y="0"/>
+          <a:ext cx="0" cy="0"/>
+          <a:chOff x="0" y="0"/>
+          <a:chExt cx="0" cy="0"/>
+        </a:xfrm>
+      </p:grpSpPr>
+      <p:sp>
+        <p:nvSpPr>
+          <p:cNvPr id="2" name="Rectangle 1"/>
+          <p:cNvSpPr/>
+          <p:nvPr/>
+        </p:nvSpPr>
+        <p:spPr>
+          <a:xfrm>
+            <a:off x="1979712" y="188640"/>
+            <a:ext cx="6696744" cy="492443"/>
+          </a:xfrm>
+          <a:prstGeom prst="rect">
+            <a:avLst/>
+          </a:prstGeom>
+        </p:spPr>
+        <p:txBody>
+          <a:bodyPr wrap="square">
+            <a:spAutoFit/>
+          </a:bodyPr>
+          <a:lstStyle/>
+          <a:p>
+            <a:pPr algn="ctr"/>
+            <a:r>
+              <a:rPr lang="pl-PL" sz="2600" dirty="0">
+                <a:solidFill>
+                  <a:schemeClr val="bg1"/>
+                </a:solidFill>
+                <a:latin typeface="Verdana" panose="020B0604030504040204" pitchFamily="34" charset="0"/>
+                <a:ea typeface="Verdana" panose="020B0604030504040204" pitchFamily="34" charset="0"/>
+                <a:cs typeface="Verdana" panose="020B0604030504040204" pitchFamily="34" charset="0"/>
+              </a:rPr>
+              <a:t>Podstawowe elementy aplikacji</a:t>
+            </a:r>
+          </a:p>
+        </p:txBody>
+      </p:sp>
+      <p:sp>
+        <p:nvSpPr>
+          <p:cNvPr id="6" name="Prostokąt 5">
+            <a:extLst>
+              <a:ext uri="{FF2B5EF4-FFF2-40B4-BE49-F238E27FC236}">
+                <a16:creationId xmlns:a16="http://schemas.microsoft.com/office/drawing/2014/main" id="{B483F383-749C-4DE4-ACCC-8253AFF3C42A}"/>
+              </a:ext>
+            </a:extLst>
+          </p:cNvPr>
+          <p:cNvSpPr/>
+          <p:nvPr/>
+        </p:nvSpPr>
+        <p:spPr>
+          <a:xfrm>
+            <a:off x="21703" y="836712"/>
+            <a:ext cx="9100593" cy="6021288"/>
+          </a:xfrm>
+          <a:prstGeom prst="rect">
+            <a:avLst/>
+          </a:prstGeom>
+          <a:solidFill>
+            <a:schemeClr val="tx1"/>
+          </a:solidFill>
+        </p:spPr>
+        <p:style>
+          <a:lnRef idx="1">
+            <a:schemeClr val="accent1"/>
+          </a:lnRef>
+          <a:fillRef idx="3">
+            <a:schemeClr val="accent1"/>
+          </a:fillRef>
+          <a:effectRef idx="2">
+            <a:schemeClr val="accent1"/>
+          </a:effectRef>
+          <a:fontRef idx="minor">
+            <a:schemeClr val="lt1"/>
+          </a:fontRef>
+        </p:style>
+        <p:txBody>
+          <a:bodyPr rtlCol="0" anchor="ctr"/>
+          <a:lstStyle/>
+          <a:p>
+            <a:pPr algn="ctr"/>
+            <a:endParaRPr lang="pl-PL" dirty="0"/>
+          </a:p>
+        </p:txBody>
+      </p:sp>
+      <p:sp>
+        <p:nvSpPr>
+          <p:cNvPr id="3" name="pole tekstowe 2">
+            <a:extLst>
+              <a:ext uri="{FF2B5EF4-FFF2-40B4-BE49-F238E27FC236}">
+                <a16:creationId xmlns:a16="http://schemas.microsoft.com/office/drawing/2014/main" id="{DE844D0F-DE98-492A-8B73-1EA3ECEE4E84}"/>
+              </a:ext>
+            </a:extLst>
+          </p:cNvPr>
+          <p:cNvSpPr txBox="1"/>
+          <p:nvPr/>
+        </p:nvSpPr>
+        <p:spPr>
+          <a:xfrm>
+            <a:off x="21703" y="853108"/>
+            <a:ext cx="9100594" cy="2534027"/>
+          </a:xfrm>
+          <a:prstGeom prst="rect">
+            <a:avLst/>
+          </a:prstGeom>
+          <a:noFill/>
+        </p:spPr>
+        <p:txBody>
+          <a:bodyPr wrap="square" rtlCol="0">
+            <a:spAutoFit/>
+          </a:bodyPr>
+          <a:lstStyle/>
+          <a:p>
+            <a:pPr marL="285750" indent="-285750" algn="just">
+              <a:lnSpc>
+                <a:spcPct val="150000"/>
+              </a:lnSpc>
+              <a:buFont typeface="Courier New" panose="02070309020205020404" pitchFamily="49" charset="0"/>
+              <a:buChar char="o"/>
+            </a:pPr>
+            <a:r>
+              <a:rPr lang="pl-PL" sz="1800" dirty="0">
+                <a:solidFill>
+                  <a:schemeClr val="bg1"/>
+                </a:solidFill>
+              </a:rPr>
+              <a:t>Service Class – specjalny typ aktywności – nie posiada </a:t>
+            </a:r>
+            <a:r>
+              <a:rPr lang="pl-PL" sz="1800" i="1" dirty="0">
+                <a:solidFill>
+                  <a:schemeClr val="bg1"/>
+                </a:solidFill>
+              </a:rPr>
+              <a:t>Visual User Interface</a:t>
+            </a:r>
+            <a:r>
+              <a:rPr lang="pl-PL" sz="1800" dirty="0">
+                <a:solidFill>
+                  <a:schemeClr val="bg1"/>
+                </a:solidFill>
+              </a:rPr>
+              <a:t>. Usługa może być aktywna w tle</a:t>
+            </a:r>
+          </a:p>
+          <a:p>
+            <a:pPr marL="285750" indent="-285750" algn="just">
+              <a:lnSpc>
+                <a:spcPct val="150000"/>
+              </a:lnSpc>
+              <a:buFont typeface="Courier New" panose="02070309020205020404" pitchFamily="49" charset="0"/>
+              <a:buChar char="o"/>
+            </a:pPr>
+            <a:r>
+              <a:rPr lang="pl-PL" sz="1800" dirty="0">
+                <a:solidFill>
+                  <a:schemeClr val="bg1"/>
+                </a:solidFill>
+              </a:rPr>
+              <a:t>Usługi zazwyczaj pracują w tle wykonując „</a:t>
+            </a:r>
+            <a:r>
+              <a:rPr lang="pl-PL" sz="1800" dirty="0" err="1">
+                <a:solidFill>
+                  <a:schemeClr val="bg1"/>
+                </a:solidFill>
+              </a:rPr>
+              <a:t>busy-work</a:t>
+            </a:r>
+            <a:r>
+              <a:rPr lang="pl-PL" sz="1800" dirty="0">
+                <a:solidFill>
+                  <a:schemeClr val="bg1"/>
+                </a:solidFill>
+              </a:rPr>
+              <a:t>” przez nieokreślony /nieskończony czas</a:t>
+            </a:r>
+          </a:p>
+          <a:p>
+            <a:pPr marL="285750" indent="-285750" algn="just">
+              <a:lnSpc>
+                <a:spcPct val="150000"/>
+              </a:lnSpc>
+              <a:buFont typeface="Courier New" panose="02070309020205020404" pitchFamily="49" charset="0"/>
+              <a:buChar char="o"/>
+            </a:pPr>
+            <a:r>
+              <a:rPr lang="pl-PL" sz="1800" dirty="0">
+                <a:solidFill>
+                  <a:schemeClr val="bg1"/>
+                </a:solidFill>
+              </a:rPr>
+              <a:t>Aplikacje rozpoczynają własne usługi lub łączą się z usługami już aktywnymi (GPS, przełączanie między aplikacjami, aktywnościami, brak okienek)</a:t>
+            </a:r>
+          </a:p>
+        </p:txBody>
+      </p:sp>
+      <p:pic>
+        <p:nvPicPr>
+          <p:cNvPr id="4" name="Obraz 3">
+            <a:extLst>
+              <a:ext uri="{FF2B5EF4-FFF2-40B4-BE49-F238E27FC236}">
+                <a16:creationId xmlns:a16="http://schemas.microsoft.com/office/drawing/2014/main" id="{73120DB7-E8B9-4193-AADE-40503F02B852}"/>
+              </a:ext>
+            </a:extLst>
+          </p:cNvPr>
+          <p:cNvPicPr>
+            <a:picLocks noChangeAspect="1"/>
+          </p:cNvPicPr>
+          <p:nvPr/>
+        </p:nvPicPr>
+        <p:blipFill>
+          <a:blip r:embed="rId4"/>
+          <a:stretch>
+            <a:fillRect/>
+          </a:stretch>
+        </p:blipFill>
+        <p:spPr>
+          <a:xfrm>
+            <a:off x="467544" y="3403531"/>
+            <a:ext cx="3671375" cy="3314328"/>
+          </a:xfrm>
+          <a:prstGeom prst="rect">
+            <a:avLst/>
+          </a:prstGeom>
+        </p:spPr>
+      </p:pic>
+      <p:pic>
+        <p:nvPicPr>
+          <p:cNvPr id="5" name="Obraz 4">
+            <a:extLst>
+              <a:ext uri="{FF2B5EF4-FFF2-40B4-BE49-F238E27FC236}">
+                <a16:creationId xmlns:a16="http://schemas.microsoft.com/office/drawing/2014/main" id="{AC728112-AF18-448A-83C8-2F4668048EF8}"/>
+              </a:ext>
+            </a:extLst>
+          </p:cNvPr>
+          <p:cNvPicPr>
+            <a:picLocks noChangeAspect="1"/>
+          </p:cNvPicPr>
+          <p:nvPr/>
+        </p:nvPicPr>
+        <p:blipFill>
+          <a:blip r:embed="rId5"/>
+          <a:stretch>
+            <a:fillRect/>
+          </a:stretch>
+        </p:blipFill>
+        <p:spPr>
+          <a:xfrm>
+            <a:off x="6300192" y="3422129"/>
+            <a:ext cx="1916562" cy="3412415"/>
+          </a:xfrm>
+          <a:prstGeom prst="rect">
+            <a:avLst/>
+          </a:prstGeom>
+        </p:spPr>
+      </p:pic>
+      <p:sp>
+        <p:nvSpPr>
+          <p:cNvPr id="7" name="pole tekstowe 6">
+            <a:extLst>
+              <a:ext uri="{FF2B5EF4-FFF2-40B4-BE49-F238E27FC236}">
+                <a16:creationId xmlns:a16="http://schemas.microsoft.com/office/drawing/2014/main" id="{72096642-C206-49D0-90F1-B33F6092FEC1}"/>
+              </a:ext>
+            </a:extLst>
+          </p:cNvPr>
+          <p:cNvSpPr txBox="1"/>
+          <p:nvPr/>
+        </p:nvSpPr>
+        <p:spPr>
+          <a:xfrm>
+            <a:off x="4418219" y="6485196"/>
+            <a:ext cx="1819729" cy="276999"/>
+          </a:xfrm>
+          <a:prstGeom prst="rect">
+            <a:avLst/>
+          </a:prstGeom>
+          <a:noFill/>
+        </p:spPr>
+        <p:txBody>
+          <a:bodyPr wrap="none" rtlCol="0">
+            <a:spAutoFit/>
+          </a:bodyPr>
+          <a:lstStyle/>
+          <a:p>
+            <a:r>
+              <a:rPr lang="pl-PL" b="1" u="sng" dirty="0" err="1">
+                <a:solidFill>
+                  <a:schemeClr val="bg1"/>
+                </a:solidFill>
+              </a:rPr>
+              <a:t>Maps</a:t>
+            </a:r>
+            <a:r>
+              <a:rPr lang="pl-PL" b="1" u="sng" dirty="0">
+                <a:solidFill>
+                  <a:schemeClr val="bg1"/>
+                </a:solidFill>
+              </a:rPr>
+              <a:t>, GPS </a:t>
+            </a:r>
+            <a:r>
+              <a:rPr lang="pl-PL" b="1" u="sng" dirty="0" err="1">
+                <a:solidFill>
+                  <a:schemeClr val="bg1"/>
+                </a:solidFill>
+              </a:rPr>
+              <a:t>Navigation</a:t>
+            </a:r>
+            <a:endParaRPr lang="pl-PL" dirty="0">
+              <a:solidFill>
+                <a:schemeClr val="bg1"/>
+              </a:solidFill>
+            </a:endParaRPr>
+          </a:p>
+        </p:txBody>
+      </p:sp>
+      <p:sp>
+        <p:nvSpPr>
+          <p:cNvPr id="8" name="pole tekstowe 7">
+            <a:extLst>
+              <a:ext uri="{FF2B5EF4-FFF2-40B4-BE49-F238E27FC236}">
+                <a16:creationId xmlns:a16="http://schemas.microsoft.com/office/drawing/2014/main" id="{5F9D4316-14AC-4596-A899-6919A7636A9A}"/>
+              </a:ext>
+            </a:extLst>
+          </p:cNvPr>
+          <p:cNvSpPr txBox="1"/>
+          <p:nvPr/>
+        </p:nvSpPr>
+        <p:spPr>
+          <a:xfrm>
+            <a:off x="2646240" y="6530860"/>
+            <a:ext cx="1175322" cy="276999"/>
+          </a:xfrm>
+          <a:prstGeom prst="rect">
+            <a:avLst/>
+          </a:prstGeom>
+          <a:noFill/>
+        </p:spPr>
+        <p:txBody>
+          <a:bodyPr wrap="none" rtlCol="0">
+            <a:spAutoFit/>
+          </a:bodyPr>
+          <a:lstStyle/>
+          <a:p>
+            <a:r>
+              <a:rPr lang="pl-PL" b="1" dirty="0">
+                <a:solidFill>
+                  <a:schemeClr val="bg1"/>
+                </a:solidFill>
+              </a:rPr>
+              <a:t>SYBO Games</a:t>
+            </a:r>
+            <a:endParaRPr lang="pl-PL" dirty="0">
+              <a:solidFill>
+                <a:schemeClr val="bg1"/>
+              </a:solidFill>
+            </a:endParaRPr>
+          </a:p>
+        </p:txBody>
+      </p:sp>
+      <p:sp>
+        <p:nvSpPr>
+          <p:cNvPr id="9" name="pole tekstowe 8">
+            <a:extLst>
+              <a:ext uri="{FF2B5EF4-FFF2-40B4-BE49-F238E27FC236}">
+                <a16:creationId xmlns:a16="http://schemas.microsoft.com/office/drawing/2014/main" id="{55731806-4C51-4EFE-AB5F-22620FF0726D}"/>
+              </a:ext>
+            </a:extLst>
+          </p:cNvPr>
+          <p:cNvSpPr txBox="1"/>
+          <p:nvPr/>
+        </p:nvSpPr>
+        <p:spPr>
+          <a:xfrm>
+            <a:off x="259223" y="6579359"/>
+            <a:ext cx="2246384" cy="276999"/>
+          </a:xfrm>
+          <a:prstGeom prst="rect">
+            <a:avLst/>
+          </a:prstGeom>
+          <a:noFill/>
+        </p:spPr>
+        <p:txBody>
+          <a:bodyPr wrap="none" rtlCol="0">
+            <a:spAutoFit/>
+          </a:bodyPr>
+          <a:lstStyle/>
+          <a:p>
+            <a:r>
+              <a:rPr lang="pl-PL" b="1" dirty="0">
+                <a:solidFill>
+                  <a:schemeClr val="bg1"/>
+                </a:solidFill>
+              </a:rPr>
+              <a:t>Wirtualna Polska Media S.A.</a:t>
+            </a:r>
+          </a:p>
+        </p:txBody>
+      </p:sp>
+    </p:spTree>
+    <p:extLst>
+      <p:ext uri="{BB962C8B-B14F-4D97-AF65-F5344CB8AC3E}">
+        <p14:creationId xmlns:p14="http://schemas.microsoft.com/office/powerpoint/2010/main" val="4132728784"/>
+      </p:ext>
+    </p:extLst>
+  </p:cSld>
+  <p:clrMapOvr>
+    <a:masterClrMapping/>
+  </p:clrMapOvr>
+</p:sld>
+</file>
+
+<file path=ppt/slides/slide5.xml><?xml version="1.0" encoding="utf-8"?>
+<p:sld xmlns:a="http://schemas.openxmlformats.org/drawingml/2006/main" xmlns:r="http://schemas.openxmlformats.org/officeDocument/2006/relationships" xmlns:p="http://schemas.openxmlformats.org/presentationml/2006/main">
+  <p:cSld>
+    <p:bg>
+      <p:bgPr>
+        <a:blipFill dpi="0" rotWithShape="0">
+          <a:blip r:embed="rId3" cstate="print"/>
+          <a:srcRect/>
+          <a:stretch>
+            <a:fillRect/>
+          </a:stretch>
+        </a:blipFill>
+        <a:effectLst/>
+      </p:bgPr>
+    </p:bg>
+    <p:spTree>
+      <p:nvGrpSpPr>
+        <p:cNvPr id="1" name=""/>
+        <p:cNvGrpSpPr/>
+        <p:nvPr/>
+      </p:nvGrpSpPr>
+      <p:grpSpPr>
+        <a:xfrm>
+          <a:off x="0" y="0"/>
+          <a:ext cx="0" cy="0"/>
+          <a:chOff x="0" y="0"/>
+          <a:chExt cx="0" cy="0"/>
+        </a:xfrm>
+      </p:grpSpPr>
+      <p:sp>
+        <p:nvSpPr>
+          <p:cNvPr id="2" name="Rectangle 1"/>
+          <p:cNvSpPr/>
+          <p:nvPr/>
+        </p:nvSpPr>
+        <p:spPr>
+          <a:xfrm>
+            <a:off x="1979712" y="188640"/>
+            <a:ext cx="6696744" cy="492443"/>
+          </a:xfrm>
+          <a:prstGeom prst="rect">
+            <a:avLst/>
+          </a:prstGeom>
+        </p:spPr>
+        <p:txBody>
+          <a:bodyPr wrap="square">
+            <a:spAutoFit/>
+          </a:bodyPr>
+          <a:lstStyle/>
+          <a:p>
+            <a:pPr algn="ctr"/>
+            <a:r>
+              <a:rPr lang="pl-PL" sz="2600" dirty="0">
+                <a:solidFill>
+                  <a:schemeClr val="bg1"/>
+                </a:solidFill>
+                <a:latin typeface="Verdana" panose="020B0604030504040204" pitchFamily="34" charset="0"/>
+                <a:ea typeface="Verdana" panose="020B0604030504040204" pitchFamily="34" charset="0"/>
+                <a:cs typeface="Verdana" panose="020B0604030504040204" pitchFamily="34" charset="0"/>
+              </a:rPr>
+              <a:t>Podstawowe elementy aplikacji</a:t>
+            </a:r>
+          </a:p>
+        </p:txBody>
+      </p:sp>
+      <p:sp>
+        <p:nvSpPr>
+          <p:cNvPr id="6" name="Prostokąt 5">
+            <a:extLst>
+              <a:ext uri="{FF2B5EF4-FFF2-40B4-BE49-F238E27FC236}">
+                <a16:creationId xmlns:a16="http://schemas.microsoft.com/office/drawing/2014/main" id="{B483F383-749C-4DE4-ACCC-8253AFF3C42A}"/>
+              </a:ext>
+            </a:extLst>
+          </p:cNvPr>
+          <p:cNvSpPr/>
+          <p:nvPr/>
+        </p:nvSpPr>
+        <p:spPr>
+          <a:xfrm>
+            <a:off x="21703" y="836712"/>
+            <a:ext cx="9100593" cy="6021288"/>
+          </a:xfrm>
+          <a:prstGeom prst="rect">
+            <a:avLst/>
+          </a:prstGeom>
+          <a:solidFill>
+            <a:schemeClr val="tx1"/>
+          </a:solidFill>
+        </p:spPr>
+        <p:style>
+          <a:lnRef idx="1">
+            <a:schemeClr val="accent1"/>
+          </a:lnRef>
+          <a:fillRef idx="3">
+            <a:schemeClr val="accent1"/>
+          </a:fillRef>
+          <a:effectRef idx="2">
+            <a:schemeClr val="accent1"/>
+          </a:effectRef>
+          <a:fontRef idx="minor">
+            <a:schemeClr val="lt1"/>
+          </a:fontRef>
+        </p:style>
+        <p:txBody>
+          <a:bodyPr rtlCol="0" anchor="ctr"/>
+          <a:lstStyle/>
+          <a:p>
+            <a:pPr algn="ctr"/>
+            <a:endParaRPr lang="pl-PL" dirty="0"/>
+          </a:p>
+        </p:txBody>
+      </p:sp>
+      <p:sp>
+        <p:nvSpPr>
+          <p:cNvPr id="3" name="pole tekstowe 2">
+            <a:extLst>
+              <a:ext uri="{FF2B5EF4-FFF2-40B4-BE49-F238E27FC236}">
+                <a16:creationId xmlns:a16="http://schemas.microsoft.com/office/drawing/2014/main" id="{DE844D0F-DE98-492A-8B73-1EA3ECEE4E84}"/>
+              </a:ext>
+            </a:extLst>
+          </p:cNvPr>
+          <p:cNvSpPr txBox="1"/>
+          <p:nvPr/>
+        </p:nvSpPr>
+        <p:spPr>
+          <a:xfrm>
+            <a:off x="21703" y="853108"/>
+            <a:ext cx="9100594" cy="3365024"/>
+          </a:xfrm>
+          <a:prstGeom prst="rect">
+            <a:avLst/>
+          </a:prstGeom>
+          <a:noFill/>
+        </p:spPr>
+        <p:txBody>
+          <a:bodyPr wrap="square" rtlCol="0">
+            <a:spAutoFit/>
+          </a:bodyPr>
+          <a:lstStyle/>
+          <a:p>
+            <a:pPr marL="285750" indent="-285750" algn="just">
+              <a:lnSpc>
+                <a:spcPct val="150000"/>
+              </a:lnSpc>
+              <a:buFont typeface="Courier New" panose="02070309020205020404" pitchFamily="49" charset="0"/>
+              <a:buChar char="o"/>
+            </a:pPr>
+            <a:r>
+              <a:rPr lang="pl-PL" sz="1800" dirty="0" err="1">
+                <a:solidFill>
+                  <a:schemeClr val="bg1"/>
+                </a:solidFill>
+              </a:rPr>
+              <a:t>BroadcasterReceiver</a:t>
+            </a:r>
+            <a:r>
+              <a:rPr lang="pl-PL" sz="1800" dirty="0">
+                <a:solidFill>
+                  <a:schemeClr val="bg1"/>
+                </a:solidFill>
+              </a:rPr>
+              <a:t> Class – dedykowany </a:t>
+            </a:r>
+            <a:r>
+              <a:rPr lang="pl-PL" sz="1800" i="1" dirty="0" err="1">
+                <a:solidFill>
+                  <a:schemeClr val="bg1"/>
+                </a:solidFill>
+              </a:rPr>
+              <a:t>listener</a:t>
+            </a:r>
+            <a:r>
+              <a:rPr lang="pl-PL" sz="1800" dirty="0">
+                <a:solidFill>
+                  <a:schemeClr val="bg1"/>
+                </a:solidFill>
+              </a:rPr>
+              <a:t> oczekujący na wiadomość zwykle typy </a:t>
+            </a:r>
+            <a:r>
+              <a:rPr lang="pl-PL" sz="1800" i="1" dirty="0">
+                <a:solidFill>
+                  <a:schemeClr val="bg1"/>
+                </a:solidFill>
+              </a:rPr>
+              <a:t>system-</a:t>
+            </a:r>
+            <a:r>
+              <a:rPr lang="pl-PL" sz="1800" i="1" dirty="0" err="1">
+                <a:solidFill>
+                  <a:schemeClr val="bg1"/>
+                </a:solidFill>
+              </a:rPr>
+              <a:t>wide</a:t>
+            </a:r>
+            <a:r>
+              <a:rPr lang="pl-PL" sz="1800" dirty="0">
+                <a:solidFill>
+                  <a:schemeClr val="bg1"/>
+                </a:solidFill>
+              </a:rPr>
+              <a:t> w celu wykonania pewnych czynności</a:t>
+            </a:r>
+          </a:p>
+          <a:p>
+            <a:pPr marL="285750" indent="-285750" algn="just">
+              <a:lnSpc>
+                <a:spcPct val="150000"/>
+              </a:lnSpc>
+              <a:buFont typeface="Courier New" panose="02070309020205020404" pitchFamily="49" charset="0"/>
+              <a:buChar char="o"/>
+            </a:pPr>
+            <a:r>
+              <a:rPr lang="pl-PL" sz="1800" dirty="0">
+                <a:solidFill>
+                  <a:schemeClr val="bg1"/>
+                </a:solidFill>
+              </a:rPr>
+              <a:t>Przykładowo: niski poziom baterii, </a:t>
+            </a:r>
+            <a:r>
+              <a:rPr lang="pl-PL" sz="1800" dirty="0" err="1">
+                <a:solidFill>
+                  <a:schemeClr val="bg1"/>
+                </a:solidFill>
+              </a:rPr>
+              <a:t>wi-fi</a:t>
+            </a:r>
+            <a:r>
+              <a:rPr lang="pl-PL" sz="1800" dirty="0">
+                <a:solidFill>
+                  <a:schemeClr val="bg1"/>
+                </a:solidFill>
+              </a:rPr>
+              <a:t> dostępne, ostrzeżenie przed radarami</a:t>
+            </a:r>
+          </a:p>
+          <a:p>
+            <a:pPr marL="285750" indent="-285750" algn="just">
+              <a:lnSpc>
+                <a:spcPct val="150000"/>
+              </a:lnSpc>
+              <a:buFont typeface="Courier New" panose="02070309020205020404" pitchFamily="49" charset="0"/>
+              <a:buChar char="o"/>
+            </a:pPr>
+            <a:r>
+              <a:rPr lang="pl-PL" sz="1800" dirty="0">
+                <a:solidFill>
+                  <a:schemeClr val="bg1"/>
+                </a:solidFill>
+              </a:rPr>
+              <a:t>Nie posiadają interfejsu</a:t>
+            </a:r>
+          </a:p>
+          <a:p>
+            <a:pPr marL="285750" indent="-285750" algn="just">
+              <a:lnSpc>
+                <a:spcPct val="150000"/>
+              </a:lnSpc>
+              <a:buFont typeface="Courier New" panose="02070309020205020404" pitchFamily="49" charset="0"/>
+              <a:buChar char="o"/>
+            </a:pPr>
+            <a:r>
+              <a:rPr lang="pl-PL" sz="1800" dirty="0">
+                <a:solidFill>
+                  <a:schemeClr val="bg1"/>
+                </a:solidFill>
+              </a:rPr>
+              <a:t>Rejestrowanie wiadomości typowo po kluczu – jeśli wiadomość odpowiada kluczowi odbiornik jest aktywowany</a:t>
+            </a:r>
+          </a:p>
+          <a:p>
+            <a:pPr marL="285750" indent="-285750" algn="just">
+              <a:lnSpc>
+                <a:spcPct val="150000"/>
+              </a:lnSpc>
+              <a:buFont typeface="Courier New" panose="02070309020205020404" pitchFamily="49" charset="0"/>
+              <a:buChar char="o"/>
+            </a:pPr>
+            <a:r>
+              <a:rPr lang="pl-PL" sz="1800" dirty="0">
+                <a:solidFill>
+                  <a:schemeClr val="bg1"/>
+                </a:solidFill>
+              </a:rPr>
+              <a:t>Zazwyczaj odpowiada poprzez wykonanie specjalnej czynności lub przekazanie użytkownikowi wiadomości/powiadomienia</a:t>
+            </a:r>
+          </a:p>
+        </p:txBody>
+      </p:sp>
+      <p:pic>
+        <p:nvPicPr>
+          <p:cNvPr id="10" name="Obraz 9">
+            <a:extLst>
+              <a:ext uri="{FF2B5EF4-FFF2-40B4-BE49-F238E27FC236}">
+                <a16:creationId xmlns:a16="http://schemas.microsoft.com/office/drawing/2014/main" id="{83572099-0DCD-42DC-9DF7-F1A1B0F1ACC1}"/>
+              </a:ext>
+            </a:extLst>
+          </p:cNvPr>
+          <p:cNvPicPr>
+            <a:picLocks noChangeAspect="1"/>
+          </p:cNvPicPr>
+          <p:nvPr/>
+        </p:nvPicPr>
+        <p:blipFill>
+          <a:blip r:embed="rId4"/>
+          <a:stretch>
+            <a:fillRect/>
+          </a:stretch>
+        </p:blipFill>
+        <p:spPr>
+          <a:xfrm>
+            <a:off x="4723880" y="3933056"/>
+            <a:ext cx="4398416" cy="2892109"/>
+          </a:xfrm>
+          <a:prstGeom prst="rect">
+            <a:avLst/>
+          </a:prstGeom>
+        </p:spPr>
+      </p:pic>
+      <p:sp>
+        <p:nvSpPr>
+          <p:cNvPr id="11" name="pole tekstowe 10">
+            <a:extLst>
+              <a:ext uri="{FF2B5EF4-FFF2-40B4-BE49-F238E27FC236}">
+                <a16:creationId xmlns:a16="http://schemas.microsoft.com/office/drawing/2014/main" id="{30868C79-0B3E-4922-9408-0C1281D8786A}"/>
+              </a:ext>
+            </a:extLst>
+          </p:cNvPr>
+          <p:cNvSpPr txBox="1"/>
+          <p:nvPr/>
+        </p:nvSpPr>
+        <p:spPr>
+          <a:xfrm>
+            <a:off x="7511822" y="6548166"/>
+            <a:ext cx="1632178" cy="276999"/>
+          </a:xfrm>
+          <a:prstGeom prst="rect">
+            <a:avLst/>
+          </a:prstGeom>
+          <a:noFill/>
+        </p:spPr>
+        <p:txBody>
+          <a:bodyPr wrap="none" rtlCol="0">
+            <a:spAutoFit/>
+          </a:bodyPr>
+          <a:lstStyle/>
+          <a:p>
+            <a:r>
+              <a:rPr lang="pl-PL" dirty="0">
+                <a:solidFill>
+                  <a:schemeClr val="bg1"/>
+                </a:solidFill>
+              </a:rPr>
+              <a:t>grail.cba.csuohio.edu</a:t>
+            </a:r>
+          </a:p>
+        </p:txBody>
+      </p:sp>
+    </p:spTree>
+    <p:extLst>
+      <p:ext uri="{BB962C8B-B14F-4D97-AF65-F5344CB8AC3E}">
+        <p14:creationId xmlns:p14="http://schemas.microsoft.com/office/powerpoint/2010/main" val="301413000"/>
+      </p:ext>
+    </p:extLst>
+  </p:cSld>
+  <p:clrMapOvr>
+    <a:masterClrMapping/>
+  </p:clrMapOvr>
+</p:sld>
+</file>
+
+<file path=ppt/slides/slide6.xml><?xml version="1.0" encoding="utf-8"?>
+<p:sld xmlns:a="http://schemas.openxmlformats.org/drawingml/2006/main" xmlns:r="http://schemas.openxmlformats.org/officeDocument/2006/relationships" xmlns:p="http://schemas.openxmlformats.org/presentationml/2006/main">
+  <p:cSld>
+    <p:bg>
+      <p:bgPr>
+        <a:blipFill dpi="0" rotWithShape="0">
+          <a:blip r:embed="rId3" cstate="print"/>
+          <a:srcRect/>
+          <a:stretch>
+            <a:fillRect/>
+          </a:stretch>
+        </a:blipFill>
+        <a:effectLst/>
+      </p:bgPr>
+    </p:bg>
+    <p:spTree>
+      <p:nvGrpSpPr>
+        <p:cNvPr id="1" name=""/>
+        <p:cNvGrpSpPr/>
+        <p:nvPr/>
+      </p:nvGrpSpPr>
+      <p:grpSpPr>
+        <a:xfrm>
+          <a:off x="0" y="0"/>
+          <a:ext cx="0" cy="0"/>
+          <a:chOff x="0" y="0"/>
+          <a:chExt cx="0" cy="0"/>
+        </a:xfrm>
+      </p:grpSpPr>
+      <p:sp>
+        <p:nvSpPr>
+          <p:cNvPr id="2" name="Rectangle 1"/>
+          <p:cNvSpPr/>
+          <p:nvPr/>
+        </p:nvSpPr>
+        <p:spPr>
+          <a:xfrm>
+            <a:off x="1979712" y="188640"/>
+            <a:ext cx="6696744" cy="492443"/>
+          </a:xfrm>
+          <a:prstGeom prst="rect">
+            <a:avLst/>
+          </a:prstGeom>
+        </p:spPr>
+        <p:txBody>
+          <a:bodyPr wrap="square">
+            <a:spAutoFit/>
+          </a:bodyPr>
+          <a:lstStyle/>
+          <a:p>
+            <a:pPr algn="ctr"/>
+            <a:r>
+              <a:rPr lang="pl-PL" sz="2600" dirty="0">
+                <a:solidFill>
+                  <a:schemeClr val="bg1"/>
+                </a:solidFill>
+                <a:latin typeface="Verdana" panose="020B0604030504040204" pitchFamily="34" charset="0"/>
+                <a:ea typeface="Verdana" panose="020B0604030504040204" pitchFamily="34" charset="0"/>
+                <a:cs typeface="Verdana" panose="020B0604030504040204" pitchFamily="34" charset="0"/>
+              </a:rPr>
+              <a:t>Podstawowe elementy aplikacji</a:t>
+            </a:r>
+          </a:p>
+        </p:txBody>
+      </p:sp>
+      <p:sp>
+        <p:nvSpPr>
+          <p:cNvPr id="6" name="Prostokąt 5">
+            <a:extLst>
+              <a:ext uri="{FF2B5EF4-FFF2-40B4-BE49-F238E27FC236}">
+                <a16:creationId xmlns:a16="http://schemas.microsoft.com/office/drawing/2014/main" id="{B483F383-749C-4DE4-ACCC-8253AFF3C42A}"/>
+              </a:ext>
+            </a:extLst>
+          </p:cNvPr>
+          <p:cNvSpPr/>
+          <p:nvPr/>
+        </p:nvSpPr>
+        <p:spPr>
+          <a:xfrm>
+            <a:off x="21703" y="836712"/>
+            <a:ext cx="9100593" cy="6021288"/>
+          </a:xfrm>
+          <a:prstGeom prst="rect">
+            <a:avLst/>
+          </a:prstGeom>
+          <a:solidFill>
+            <a:schemeClr val="tx1"/>
+          </a:solidFill>
+        </p:spPr>
+        <p:style>
+          <a:lnRef idx="1">
+            <a:schemeClr val="accent1"/>
+          </a:lnRef>
+          <a:fillRef idx="3">
+            <a:schemeClr val="accent1"/>
+          </a:fillRef>
+          <a:effectRef idx="2">
+            <a:schemeClr val="accent1"/>
+          </a:effectRef>
+          <a:fontRef idx="minor">
+            <a:schemeClr val="lt1"/>
+          </a:fontRef>
+        </p:style>
+        <p:txBody>
+          <a:bodyPr rtlCol="0" anchor="ctr"/>
+          <a:lstStyle/>
+          <a:p>
+            <a:pPr algn="ctr"/>
+            <a:endParaRPr lang="pl-PL" dirty="0"/>
+          </a:p>
+        </p:txBody>
+      </p:sp>
+      <p:sp>
+        <p:nvSpPr>
+          <p:cNvPr id="3" name="pole tekstowe 2">
+            <a:extLst>
+              <a:ext uri="{FF2B5EF4-FFF2-40B4-BE49-F238E27FC236}">
+                <a16:creationId xmlns:a16="http://schemas.microsoft.com/office/drawing/2014/main" id="{DE844D0F-DE98-492A-8B73-1EA3ECEE4E84}"/>
+              </a:ext>
+            </a:extLst>
+          </p:cNvPr>
+          <p:cNvSpPr txBox="1"/>
+          <p:nvPr/>
+        </p:nvSpPr>
+        <p:spPr>
+          <a:xfrm>
+            <a:off x="21703" y="853108"/>
+            <a:ext cx="9100594" cy="2118529"/>
+          </a:xfrm>
+          <a:prstGeom prst="rect">
+            <a:avLst/>
+          </a:prstGeom>
+          <a:noFill/>
+        </p:spPr>
+        <p:txBody>
+          <a:bodyPr wrap="square" rtlCol="0">
+            <a:spAutoFit/>
+          </a:bodyPr>
+          <a:lstStyle/>
+          <a:p>
+            <a:pPr marL="285750" indent="-285750" algn="just">
+              <a:lnSpc>
+                <a:spcPct val="150000"/>
+              </a:lnSpc>
+              <a:buFont typeface="Courier New" panose="02070309020205020404" pitchFamily="49" charset="0"/>
+              <a:buChar char="o"/>
+            </a:pPr>
+            <a:r>
+              <a:rPr lang="pl-PL" sz="1800" dirty="0" err="1">
+                <a:solidFill>
+                  <a:schemeClr val="bg1"/>
+                </a:solidFill>
+              </a:rPr>
+              <a:t>ContentProvider</a:t>
+            </a:r>
+            <a:r>
+              <a:rPr lang="pl-PL" sz="1800" dirty="0">
+                <a:solidFill>
+                  <a:schemeClr val="bg1"/>
+                </a:solidFill>
+              </a:rPr>
+              <a:t> Class – zapewnia dostęp do danych wielu aplikacjom</a:t>
+            </a:r>
+          </a:p>
+          <a:p>
+            <a:pPr marL="285750" indent="-285750" algn="just">
+              <a:lnSpc>
+                <a:spcPct val="150000"/>
+              </a:lnSpc>
+              <a:buFont typeface="Courier New" panose="02070309020205020404" pitchFamily="49" charset="0"/>
+              <a:buChar char="o"/>
+            </a:pPr>
+            <a:r>
+              <a:rPr lang="pl-PL" sz="1800" dirty="0">
+                <a:solidFill>
+                  <a:schemeClr val="bg1"/>
+                </a:solidFill>
+              </a:rPr>
+              <a:t>Dane globalne: lista kontaktów, zdjęcia, wiadomości, filmy, email</a:t>
+            </a:r>
+          </a:p>
+          <a:p>
+            <a:pPr marL="285750" indent="-285750" algn="just">
+              <a:lnSpc>
+                <a:spcPct val="150000"/>
+              </a:lnSpc>
+              <a:buFont typeface="Courier New" panose="02070309020205020404" pitchFamily="49" charset="0"/>
+              <a:buChar char="o"/>
+            </a:pPr>
+            <a:r>
+              <a:rPr lang="pl-PL" sz="1800" dirty="0">
+                <a:solidFill>
+                  <a:schemeClr val="bg1"/>
+                </a:solidFill>
+              </a:rPr>
+              <a:t>Dane globalne są zazwyczaj przechowywane w bazie danych (</a:t>
+            </a:r>
+            <a:r>
+              <a:rPr lang="pl-PL" sz="1800" dirty="0" err="1">
+                <a:solidFill>
+                  <a:schemeClr val="bg1"/>
+                </a:solidFill>
+              </a:rPr>
+              <a:t>SQLite</a:t>
+            </a:r>
+            <a:r>
+              <a:rPr lang="pl-PL" sz="1800" dirty="0">
+                <a:solidFill>
+                  <a:schemeClr val="bg1"/>
+                </a:solidFill>
+              </a:rPr>
+              <a:t>)</a:t>
+            </a:r>
+          </a:p>
+          <a:p>
+            <a:pPr marL="285750" indent="-285750" algn="just">
+              <a:lnSpc>
+                <a:spcPct val="150000"/>
+              </a:lnSpc>
+              <a:buFont typeface="Courier New" panose="02070309020205020404" pitchFamily="49" charset="0"/>
+              <a:buChar char="o"/>
+            </a:pPr>
+            <a:r>
+              <a:rPr lang="pl-PL" sz="1800" dirty="0">
+                <a:solidFill>
+                  <a:schemeClr val="bg1"/>
+                </a:solidFill>
+              </a:rPr>
+              <a:t>Klasa oferuje metody innym aplikacjom: </a:t>
+            </a:r>
+            <a:r>
+              <a:rPr lang="pl-PL" sz="1800" dirty="0" err="1">
+                <a:solidFill>
+                  <a:schemeClr val="bg1"/>
+                </a:solidFill>
+              </a:rPr>
+              <a:t>retrieve</a:t>
+            </a:r>
+            <a:r>
+              <a:rPr lang="pl-PL" sz="1800" dirty="0">
+                <a:solidFill>
+                  <a:schemeClr val="bg1"/>
+                </a:solidFill>
+              </a:rPr>
+              <a:t>, </a:t>
+            </a:r>
+            <a:r>
+              <a:rPr lang="pl-PL" sz="1800" dirty="0" err="1">
+                <a:solidFill>
+                  <a:schemeClr val="bg1"/>
+                </a:solidFill>
+              </a:rPr>
+              <a:t>delete</a:t>
+            </a:r>
+            <a:r>
+              <a:rPr lang="pl-PL" sz="1800" dirty="0">
+                <a:solidFill>
+                  <a:schemeClr val="bg1"/>
+                </a:solidFill>
+              </a:rPr>
+              <a:t>, update, insert</a:t>
+            </a:r>
+          </a:p>
+          <a:p>
+            <a:pPr marL="285750" indent="-285750" algn="just">
+              <a:lnSpc>
+                <a:spcPct val="150000"/>
+              </a:lnSpc>
+              <a:buFont typeface="Courier New" panose="02070309020205020404" pitchFamily="49" charset="0"/>
+              <a:buChar char="o"/>
+            </a:pPr>
+            <a:r>
+              <a:rPr lang="pl-PL" sz="1800" dirty="0" err="1">
+                <a:solidFill>
+                  <a:schemeClr val="bg1"/>
+                </a:solidFill>
+              </a:rPr>
+              <a:t>Wrapper</a:t>
+            </a:r>
+            <a:r>
+              <a:rPr lang="pl-PL" sz="1800" dirty="0">
+                <a:solidFill>
+                  <a:schemeClr val="bg1"/>
+                </a:solidFill>
+              </a:rPr>
+              <a:t> ukrywający właściwe dane. Dostępny interfejs. </a:t>
+            </a:r>
+          </a:p>
+        </p:txBody>
+      </p:sp>
+      <p:pic>
+        <p:nvPicPr>
+          <p:cNvPr id="4" name="Obraz 3">
+            <a:extLst>
+              <a:ext uri="{FF2B5EF4-FFF2-40B4-BE49-F238E27FC236}">
+                <a16:creationId xmlns:a16="http://schemas.microsoft.com/office/drawing/2014/main" id="{11E6C90A-F034-4A9C-876C-5C6302649F36}"/>
+              </a:ext>
+            </a:extLst>
+          </p:cNvPr>
+          <p:cNvPicPr>
+            <a:picLocks noChangeAspect="1"/>
+          </p:cNvPicPr>
+          <p:nvPr/>
+        </p:nvPicPr>
+        <p:blipFill>
+          <a:blip r:embed="rId4"/>
+          <a:stretch>
+            <a:fillRect/>
+          </a:stretch>
+        </p:blipFill>
+        <p:spPr>
+          <a:xfrm>
+            <a:off x="1691680" y="2998788"/>
+            <a:ext cx="5436096" cy="3670572"/>
+          </a:xfrm>
+          <a:prstGeom prst="rect">
+            <a:avLst/>
+          </a:prstGeom>
+        </p:spPr>
+      </p:pic>
+      <p:sp>
+        <p:nvSpPr>
+          <p:cNvPr id="7" name="pole tekstowe 6">
+            <a:extLst>
+              <a:ext uri="{FF2B5EF4-FFF2-40B4-BE49-F238E27FC236}">
+                <a16:creationId xmlns:a16="http://schemas.microsoft.com/office/drawing/2014/main" id="{6051B3A0-7FD4-4E37-B19B-A8ABD5BB9753}"/>
+              </a:ext>
+            </a:extLst>
+          </p:cNvPr>
+          <p:cNvSpPr txBox="1"/>
+          <p:nvPr/>
+        </p:nvSpPr>
+        <p:spPr>
+          <a:xfrm>
+            <a:off x="3593639" y="6579066"/>
+            <a:ext cx="1632178" cy="276999"/>
+          </a:xfrm>
+          <a:prstGeom prst="rect">
+            <a:avLst/>
+          </a:prstGeom>
+          <a:noFill/>
+        </p:spPr>
+        <p:txBody>
+          <a:bodyPr wrap="none" rtlCol="0">
+            <a:spAutoFit/>
+          </a:bodyPr>
+          <a:lstStyle/>
+          <a:p>
+            <a:r>
+              <a:rPr lang="pl-PL" dirty="0">
+                <a:solidFill>
+                  <a:schemeClr val="bg1"/>
+                </a:solidFill>
+              </a:rPr>
+              <a:t>grail.cba.csuohio.edu</a:t>
+            </a:r>
+          </a:p>
+        </p:txBody>
+      </p:sp>
+    </p:spTree>
+    <p:extLst>
+      <p:ext uri="{BB962C8B-B14F-4D97-AF65-F5344CB8AC3E}">
+        <p14:creationId xmlns:p14="http://schemas.microsoft.com/office/powerpoint/2010/main" val="2862396164"/>
+      </p:ext>
+    </p:extLst>
+  </p:cSld>
+  <p:clrMapOvr>
+    <a:masterClrMapping/>
+  </p:clrMapOvr>
+</p:sld>
+</file>
+
+<file path=ppt/slides/slide7.xml><?xml version="1.0" encoding="utf-8"?>
+<p:sld xmlns:a="http://schemas.openxmlformats.org/drawingml/2006/main" xmlns:r="http://schemas.openxmlformats.org/officeDocument/2006/relationships" xmlns:p="http://schemas.openxmlformats.org/presentationml/2006/main">
+  <p:cSld>
+    <p:bg>
+      <p:bgPr>
+        <a:blipFill dpi="0" rotWithShape="0">
+          <a:blip r:embed="rId3" cstate="print"/>
+          <a:srcRect/>
+          <a:stretch>
+            <a:fillRect/>
+          </a:stretch>
+        </a:blipFill>
+        <a:effectLst/>
+      </p:bgPr>
+    </p:bg>
+    <p:spTree>
+      <p:nvGrpSpPr>
+        <p:cNvPr id="1" name=""/>
+        <p:cNvGrpSpPr/>
+        <p:nvPr/>
+      </p:nvGrpSpPr>
+      <p:grpSpPr>
+        <a:xfrm>
+          <a:off x="0" y="0"/>
+          <a:ext cx="0" cy="0"/>
+          <a:chOff x="0" y="0"/>
+          <a:chExt cx="0" cy="0"/>
+        </a:xfrm>
+      </p:grpSpPr>
+      <p:sp>
+        <p:nvSpPr>
+          <p:cNvPr id="2" name="Rectangle 1"/>
+          <p:cNvSpPr/>
+          <p:nvPr/>
+        </p:nvSpPr>
+        <p:spPr>
+          <a:xfrm>
+            <a:off x="1979712" y="188640"/>
+            <a:ext cx="6696744" cy="492443"/>
+          </a:xfrm>
+          <a:prstGeom prst="rect">
+            <a:avLst/>
+          </a:prstGeom>
+        </p:spPr>
+        <p:txBody>
+          <a:bodyPr wrap="square">
+            <a:spAutoFit/>
+          </a:bodyPr>
+          <a:lstStyle/>
+          <a:p>
+            <a:pPr algn="ctr"/>
+            <a:r>
+              <a:rPr lang="pl-PL" sz="2600" dirty="0">
+                <a:solidFill>
+                  <a:schemeClr val="bg1"/>
+                </a:solidFill>
+                <a:latin typeface="Verdana" panose="020B0604030504040204" pitchFamily="34" charset="0"/>
+                <a:ea typeface="Verdana" panose="020B0604030504040204" pitchFamily="34" charset="0"/>
+                <a:cs typeface="Verdana" panose="020B0604030504040204" pitchFamily="34" charset="0"/>
+              </a:rPr>
+              <a:t>Model-Widok-Kontroler</a:t>
+            </a:r>
+          </a:p>
+        </p:txBody>
+      </p:sp>
+      <p:sp>
+        <p:nvSpPr>
+          <p:cNvPr id="6" name="Prostokąt 5">
+            <a:extLst>
+              <a:ext uri="{FF2B5EF4-FFF2-40B4-BE49-F238E27FC236}">
+                <a16:creationId xmlns:a16="http://schemas.microsoft.com/office/drawing/2014/main" id="{CA41B780-B57E-411C-AAD5-3D3D6912F664}"/>
+              </a:ext>
+            </a:extLst>
+          </p:cNvPr>
+          <p:cNvSpPr/>
+          <p:nvPr/>
+        </p:nvSpPr>
+        <p:spPr>
+          <a:xfrm>
+            <a:off x="0" y="810072"/>
+            <a:ext cx="9144000" cy="6021288"/>
+          </a:xfrm>
+          <a:prstGeom prst="rect">
+            <a:avLst/>
+          </a:prstGeom>
+          <a:solidFill>
+            <a:schemeClr val="tx1"/>
+          </a:solidFill>
+        </p:spPr>
+        <p:style>
+          <a:lnRef idx="1">
+            <a:schemeClr val="accent1"/>
+          </a:lnRef>
+          <a:fillRef idx="3">
+            <a:schemeClr val="accent1"/>
+          </a:fillRef>
+          <a:effectRef idx="2">
+            <a:schemeClr val="accent1"/>
+          </a:effectRef>
+          <a:fontRef idx="minor">
+            <a:schemeClr val="lt1"/>
+          </a:fontRef>
+        </p:style>
+        <p:txBody>
+          <a:bodyPr rtlCol="0" anchor="ctr"/>
+          <a:lstStyle/>
+          <a:p>
+            <a:pPr algn="ctr"/>
+            <a:endParaRPr lang="pl-PL"/>
+          </a:p>
+        </p:txBody>
+      </p:sp>
+      <p:pic>
+        <p:nvPicPr>
+          <p:cNvPr id="4" name="Obraz 3">
+            <a:extLst>
+              <a:ext uri="{FF2B5EF4-FFF2-40B4-BE49-F238E27FC236}">
+                <a16:creationId xmlns:a16="http://schemas.microsoft.com/office/drawing/2014/main" id="{97752831-89CE-4DE4-A164-D2E3472A8CE4}"/>
+              </a:ext>
+            </a:extLst>
+          </p:cNvPr>
+          <p:cNvPicPr>
+            <a:picLocks noChangeAspect="1"/>
+          </p:cNvPicPr>
+          <p:nvPr/>
+        </p:nvPicPr>
+        <p:blipFill>
+          <a:blip r:embed="rId4"/>
+          <a:stretch>
+            <a:fillRect/>
+          </a:stretch>
+        </p:blipFill>
+        <p:spPr>
+          <a:xfrm>
+            <a:off x="4736529" y="4821510"/>
+            <a:ext cx="4371975" cy="1847850"/>
+          </a:xfrm>
+          <a:prstGeom prst="rect">
+            <a:avLst/>
+          </a:prstGeom>
+        </p:spPr>
+      </p:pic>
+      <p:pic>
+        <p:nvPicPr>
+          <p:cNvPr id="7" name="Obraz 6">
+            <a:extLst>
+              <a:ext uri="{FF2B5EF4-FFF2-40B4-BE49-F238E27FC236}">
+                <a16:creationId xmlns:a16="http://schemas.microsoft.com/office/drawing/2014/main" id="{A343AC19-EF7D-47E4-B4F4-CAA7D0D031B0}"/>
+              </a:ext>
+            </a:extLst>
+          </p:cNvPr>
+          <p:cNvPicPr>
+            <a:picLocks noChangeAspect="1"/>
+          </p:cNvPicPr>
+          <p:nvPr/>
+        </p:nvPicPr>
+        <p:blipFill>
+          <a:blip r:embed="rId5"/>
+          <a:stretch>
+            <a:fillRect/>
+          </a:stretch>
+        </p:blipFill>
+        <p:spPr>
+          <a:xfrm>
+            <a:off x="5724128" y="1759785"/>
+            <a:ext cx="3282106" cy="3061725"/>
+          </a:xfrm>
+          <a:prstGeom prst="rect">
+            <a:avLst/>
+          </a:prstGeom>
+        </p:spPr>
+      </p:pic>
+      <p:sp>
+        <p:nvSpPr>
+          <p:cNvPr id="3" name="pole tekstowe 2">
+            <a:extLst>
+              <a:ext uri="{FF2B5EF4-FFF2-40B4-BE49-F238E27FC236}">
+                <a16:creationId xmlns:a16="http://schemas.microsoft.com/office/drawing/2014/main" id="{00776F55-FCA0-4543-8855-DB6E68BE895A}"/>
+              </a:ext>
+            </a:extLst>
+          </p:cNvPr>
+          <p:cNvSpPr txBox="1"/>
+          <p:nvPr/>
+        </p:nvSpPr>
+        <p:spPr>
+          <a:xfrm>
+            <a:off x="0" y="908720"/>
+            <a:ext cx="9108504" cy="6124754"/>
+          </a:xfrm>
+          <a:prstGeom prst="rect">
+            <a:avLst/>
+          </a:prstGeom>
+          <a:noFill/>
+        </p:spPr>
+        <p:txBody>
+          <a:bodyPr wrap="square" rtlCol="0">
+            <a:spAutoFit/>
+          </a:bodyPr>
+          <a:lstStyle/>
+          <a:p>
+            <a:pPr marL="285750" indent="-285750" algn="just">
+              <a:lnSpc>
+                <a:spcPct val="150000"/>
+              </a:lnSpc>
+              <a:buFont typeface="Courier New" panose="02070309020205020404" pitchFamily="49" charset="0"/>
+              <a:buChar char="o"/>
+            </a:pPr>
+            <a:r>
+              <a:rPr lang="pl-PL" sz="1600" dirty="0">
+                <a:solidFill>
+                  <a:schemeClr val="bg2"/>
+                </a:solidFill>
+              </a:rPr>
+              <a:t>Wzorzec </a:t>
+            </a:r>
+            <a:r>
+              <a:rPr lang="pl-PL" sz="1600" b="1" dirty="0">
+                <a:solidFill>
+                  <a:schemeClr val="bg2"/>
+                </a:solidFill>
+              </a:rPr>
+              <a:t>Model-Widok-Kontroler</a:t>
+            </a:r>
+            <a:r>
+              <a:rPr lang="pl-PL" sz="1600" dirty="0">
+                <a:solidFill>
+                  <a:schemeClr val="bg2"/>
+                </a:solidFill>
+              </a:rPr>
+              <a:t> (</a:t>
+            </a:r>
+            <a:r>
+              <a:rPr lang="pl-PL" sz="1600" b="1" dirty="0">
+                <a:solidFill>
+                  <a:schemeClr val="bg2"/>
+                </a:solidFill>
+              </a:rPr>
+              <a:t>MCV</a:t>
+            </a:r>
+            <a:r>
+              <a:rPr lang="pl-PL" sz="1600" dirty="0">
+                <a:solidFill>
+                  <a:schemeClr val="bg2"/>
+                </a:solidFill>
+              </a:rPr>
+              <a:t>)</a:t>
+            </a:r>
+          </a:p>
+          <a:p>
+            <a:pPr marL="285750" indent="-285750" algn="just">
+              <a:lnSpc>
+                <a:spcPct val="150000"/>
+              </a:lnSpc>
+              <a:buFont typeface="Courier New" panose="02070309020205020404" pitchFamily="49" charset="0"/>
+              <a:buChar char="o"/>
+            </a:pPr>
+            <a:r>
+              <a:rPr lang="pl-PL" sz="1600" dirty="0">
+                <a:solidFill>
+                  <a:schemeClr val="bg2"/>
+                </a:solidFill>
+              </a:rPr>
+              <a:t>Jego głównym zadaniem jest odseparowanie interfejsu użytkownika oraz logiki aplikacji</a:t>
+            </a:r>
+          </a:p>
+          <a:p>
+            <a:pPr marL="285750" indent="-285750" algn="just">
+              <a:lnSpc>
+                <a:spcPct val="150000"/>
+              </a:lnSpc>
+              <a:buFont typeface="Courier New" panose="02070309020205020404" pitchFamily="49" charset="0"/>
+              <a:buChar char="o"/>
+            </a:pPr>
+            <a:endParaRPr lang="pl-PL" sz="1600" dirty="0">
+              <a:solidFill>
+                <a:schemeClr val="bg2"/>
+              </a:solidFill>
+            </a:endParaRPr>
+          </a:p>
+          <a:p>
+            <a:pPr marL="285750" indent="-285750" algn="just">
+              <a:lnSpc>
+                <a:spcPct val="150000"/>
+              </a:lnSpc>
+              <a:buFont typeface="Courier New" panose="02070309020205020404" pitchFamily="49" charset="0"/>
+              <a:buChar char="o"/>
+            </a:pPr>
+            <a:r>
+              <a:rPr lang="pl-PL" sz="1600" b="1" dirty="0">
+                <a:solidFill>
+                  <a:schemeClr val="bg2"/>
+                </a:solidFill>
+              </a:rPr>
+              <a:t>Model</a:t>
+            </a:r>
+            <a:endParaRPr lang="pl-PL" sz="1600" dirty="0">
+              <a:solidFill>
+                <a:schemeClr val="bg2"/>
+              </a:solidFill>
+            </a:endParaRPr>
+          </a:p>
+          <a:p>
+            <a:pPr marL="742950" lvl="1" indent="-285750" algn="just">
+              <a:lnSpc>
+                <a:spcPct val="150000"/>
+              </a:lnSpc>
+              <a:buFont typeface="Courier New" panose="02070309020205020404" pitchFamily="49" charset="0"/>
+              <a:buChar char="o"/>
+            </a:pPr>
+            <a:r>
+              <a:rPr lang="pl-PL" sz="1600" dirty="0">
+                <a:solidFill>
+                  <a:schemeClr val="bg2"/>
+                </a:solidFill>
+              </a:rPr>
+              <a:t>Kod w języku JAVA + odwołania do API zarządzające</a:t>
+            </a:r>
+          </a:p>
+          <a:p>
+            <a:pPr lvl="1" algn="just">
+              <a:lnSpc>
+                <a:spcPct val="150000"/>
+              </a:lnSpc>
+            </a:pPr>
+            <a:r>
+              <a:rPr lang="pl-PL" sz="1600" dirty="0">
+                <a:solidFill>
+                  <a:schemeClr val="bg2"/>
+                </a:solidFill>
+              </a:rPr>
+              <a:t> zachowaniem danych aplikacji</a:t>
+            </a:r>
+          </a:p>
+          <a:p>
+            <a:pPr marL="742950" lvl="1" indent="-285750" algn="just">
+              <a:lnSpc>
+                <a:spcPct val="150000"/>
+              </a:lnSpc>
+              <a:buFont typeface="Courier New" panose="02070309020205020404" pitchFamily="49" charset="0"/>
+              <a:buChar char="o"/>
+            </a:pPr>
+            <a:endParaRPr lang="pl-PL" sz="1600" dirty="0">
+              <a:solidFill>
+                <a:schemeClr val="bg2"/>
+              </a:solidFill>
+            </a:endParaRPr>
+          </a:p>
+          <a:p>
+            <a:pPr marL="285750" indent="-285750" algn="just">
+              <a:lnSpc>
+                <a:spcPct val="150000"/>
+              </a:lnSpc>
+              <a:buFont typeface="Courier New" panose="02070309020205020404" pitchFamily="49" charset="0"/>
+              <a:buChar char="o"/>
+            </a:pPr>
+            <a:r>
+              <a:rPr lang="pl-PL" sz="1600" b="1" dirty="0">
+                <a:solidFill>
+                  <a:schemeClr val="bg2"/>
+                </a:solidFill>
+              </a:rPr>
+              <a:t>Widok</a:t>
+            </a:r>
+          </a:p>
+          <a:p>
+            <a:pPr marL="742950" lvl="1" indent="-285750" algn="just">
+              <a:lnSpc>
+                <a:spcPct val="150000"/>
+              </a:lnSpc>
+              <a:buFont typeface="Courier New" panose="02070309020205020404" pitchFamily="49" charset="0"/>
+              <a:buChar char="o"/>
+            </a:pPr>
+            <a:r>
+              <a:rPr lang="pl-PL" sz="1600" dirty="0">
+                <a:solidFill>
+                  <a:schemeClr val="bg2"/>
+                </a:solidFill>
+              </a:rPr>
+              <a:t>Zestaw widoków (ekranów) z którymi użytkownik </a:t>
+            </a:r>
+          </a:p>
+          <a:p>
+            <a:pPr lvl="1" algn="just">
+              <a:lnSpc>
+                <a:spcPct val="150000"/>
+              </a:lnSpc>
+            </a:pPr>
+            <a:r>
+              <a:rPr lang="pl-PL" sz="1600" dirty="0">
+                <a:solidFill>
+                  <a:schemeClr val="bg2"/>
+                </a:solidFill>
+              </a:rPr>
+              <a:t>aplikacji wchodzi w interakcję</a:t>
+            </a:r>
+          </a:p>
+          <a:p>
+            <a:pPr marL="285750" indent="-285750" algn="just">
+              <a:lnSpc>
+                <a:spcPct val="150000"/>
+              </a:lnSpc>
+              <a:buFont typeface="Courier New" panose="02070309020205020404" pitchFamily="49" charset="0"/>
+              <a:buChar char="o"/>
+            </a:pPr>
+            <a:endParaRPr lang="pl-PL" sz="1600" dirty="0">
+              <a:solidFill>
+                <a:schemeClr val="bg2"/>
+              </a:solidFill>
+            </a:endParaRPr>
+          </a:p>
+          <a:p>
+            <a:pPr marL="285750" indent="-285750" algn="just">
+              <a:lnSpc>
+                <a:spcPct val="150000"/>
+              </a:lnSpc>
+              <a:buFont typeface="Courier New" panose="02070309020205020404" pitchFamily="49" charset="0"/>
+              <a:buChar char="o"/>
+            </a:pPr>
+            <a:r>
+              <a:rPr lang="pl-PL" sz="1600" b="1" dirty="0">
+                <a:solidFill>
+                  <a:schemeClr val="bg2"/>
+                </a:solidFill>
+              </a:rPr>
+              <a:t>Kontroler</a:t>
+            </a:r>
+          </a:p>
+          <a:p>
+            <a:pPr marL="742950" lvl="1" indent="-285750" algn="just">
+              <a:lnSpc>
+                <a:spcPct val="150000"/>
+              </a:lnSpc>
+              <a:buFont typeface="Courier New" panose="02070309020205020404" pitchFamily="49" charset="0"/>
+              <a:buChar char="o"/>
+            </a:pPr>
+            <a:r>
+              <a:rPr lang="pl-PL" sz="1600" dirty="0">
+                <a:solidFill>
+                  <a:schemeClr val="bg2"/>
+                </a:solidFill>
+              </a:rPr>
+              <a:t>Interpretacja zdarzeń</a:t>
+            </a:r>
+          </a:p>
+          <a:p>
+            <a:pPr marL="742950" lvl="1" indent="-285750" algn="just">
+              <a:lnSpc>
+                <a:spcPct val="150000"/>
+              </a:lnSpc>
+              <a:buFont typeface="Courier New" panose="02070309020205020404" pitchFamily="49" charset="0"/>
+              <a:buChar char="o"/>
+            </a:pPr>
+            <a:r>
+              <a:rPr lang="pl-PL" sz="1600" dirty="0">
+                <a:solidFill>
+                  <a:schemeClr val="bg2"/>
+                </a:solidFill>
+              </a:rPr>
+              <a:t>Źródła zdarzeń: klawiatura, </a:t>
+            </a:r>
+          </a:p>
+          <a:p>
+            <a:pPr lvl="1" algn="just">
+              <a:lnSpc>
+                <a:spcPct val="150000"/>
+              </a:lnSpc>
+            </a:pPr>
+            <a:r>
+              <a:rPr lang="pl-PL" sz="1600" dirty="0">
+                <a:solidFill>
+                  <a:schemeClr val="bg2"/>
+                </a:solidFill>
+              </a:rPr>
+              <a:t>ekran dotykowy, GPS </a:t>
+            </a:r>
+            <a:r>
+              <a:rPr lang="pl-PL" sz="1600" dirty="0" err="1">
+                <a:solidFill>
+                  <a:schemeClr val="bg2"/>
+                </a:solidFill>
+              </a:rPr>
+              <a:t>itp</a:t>
+            </a:r>
+            <a:endParaRPr lang="pl-PL" sz="1600" dirty="0">
+              <a:solidFill>
+                <a:schemeClr val="bg2"/>
+              </a:solidFill>
+            </a:endParaRPr>
+          </a:p>
+          <a:p>
+            <a:pPr marL="342900" indent="-342900" algn="just">
+              <a:buFont typeface="+mj-lt"/>
+              <a:buAutoNum type="arabicPeriod"/>
+            </a:pPr>
+            <a:endParaRPr lang="pl-PL" sz="1600" dirty="0">
+              <a:solidFill>
+                <a:schemeClr val="bg2"/>
+              </a:solidFill>
+            </a:endParaRPr>
+          </a:p>
+          <a:p>
+            <a:pPr algn="just"/>
+            <a:endParaRPr lang="pl-PL" sz="1600" dirty="0">
+              <a:solidFill>
+                <a:schemeClr val="bg2"/>
+              </a:solidFill>
+            </a:endParaRPr>
+          </a:p>
+        </p:txBody>
+      </p:sp>
+    </p:spTree>
+    <p:extLst>
+      <p:ext uri="{BB962C8B-B14F-4D97-AF65-F5344CB8AC3E}">
+        <p14:creationId xmlns:p14="http://schemas.microsoft.com/office/powerpoint/2010/main" val="3120815575"/>
+      </p:ext>
+    </p:extLst>
+  </p:cSld>
+  <p:clrMapOvr>
+    <a:masterClrMapping/>
+  </p:clrMapOvr>
+</p:sld>
+</file>
+
+<file path=ppt/slides/slide8.xml><?xml version="1.0" encoding="utf-8"?>
+<p:sld xmlns:a="http://schemas.openxmlformats.org/drawingml/2006/main" xmlns:r="http://schemas.openxmlformats.org/officeDocument/2006/relationships" xmlns:p="http://schemas.openxmlformats.org/presentationml/2006/main">
+  <p:cSld>
+    <p:bg>
+      <p:bgPr>
+        <a:blipFill dpi="0" rotWithShape="0">
+          <a:blip r:embed="rId3" cstate="print"/>
+          <a:srcRect/>
+          <a:stretch>
+            <a:fillRect/>
+          </a:stretch>
+        </a:blipFill>
+        <a:effectLst/>
+      </p:bgPr>
+    </p:bg>
+    <p:spTree>
+      <p:nvGrpSpPr>
+        <p:cNvPr id="1" name=""/>
+        <p:cNvGrpSpPr/>
+        <p:nvPr/>
+      </p:nvGrpSpPr>
+      <p:grpSpPr>
+        <a:xfrm>
+          <a:off x="0" y="0"/>
+          <a:ext cx="0" cy="0"/>
+          <a:chOff x="0" y="0"/>
+          <a:chExt cx="0" cy="0"/>
+        </a:xfrm>
+      </p:grpSpPr>
+      <p:sp>
+        <p:nvSpPr>
+          <p:cNvPr id="2" name="Rectangle 1"/>
+          <p:cNvSpPr/>
+          <p:nvPr/>
+        </p:nvSpPr>
+        <p:spPr>
+          <a:xfrm>
+            <a:off x="1979712" y="188640"/>
+            <a:ext cx="6696744" cy="492443"/>
+          </a:xfrm>
+          <a:prstGeom prst="rect">
+            <a:avLst/>
+          </a:prstGeom>
+        </p:spPr>
+        <p:txBody>
+          <a:bodyPr wrap="square">
+            <a:spAutoFit/>
+          </a:bodyPr>
+          <a:lstStyle/>
+          <a:p>
+            <a:pPr algn="ctr"/>
+            <a:r>
+              <a:rPr lang="pl-PL" sz="2600" dirty="0">
+                <a:solidFill>
+                  <a:schemeClr val="bg1"/>
+                </a:solidFill>
+                <a:latin typeface="Verdana" panose="020B0604030504040204" pitchFamily="34" charset="0"/>
+                <a:ea typeface="Verdana" panose="020B0604030504040204" pitchFamily="34" charset="0"/>
+                <a:cs typeface="Verdana" panose="020B0604030504040204" pitchFamily="34" charset="0"/>
+              </a:rPr>
+              <a:t>Klasa R</a:t>
+            </a:r>
+          </a:p>
+        </p:txBody>
+      </p:sp>
+      <p:sp>
+        <p:nvSpPr>
+          <p:cNvPr id="6" name="Prostokąt 5">
+            <a:extLst>
+              <a:ext uri="{FF2B5EF4-FFF2-40B4-BE49-F238E27FC236}">
+                <a16:creationId xmlns:a16="http://schemas.microsoft.com/office/drawing/2014/main" id="{CA41B780-B57E-411C-AAD5-3D3D6912F664}"/>
+              </a:ext>
+            </a:extLst>
+          </p:cNvPr>
+          <p:cNvSpPr/>
+          <p:nvPr/>
+        </p:nvSpPr>
+        <p:spPr>
+          <a:xfrm>
+            <a:off x="0" y="810072"/>
+            <a:ext cx="9144000" cy="6021288"/>
+          </a:xfrm>
+          <a:prstGeom prst="rect">
+            <a:avLst/>
+          </a:prstGeom>
+          <a:solidFill>
+            <a:schemeClr val="tx1"/>
+          </a:solidFill>
+        </p:spPr>
+        <p:style>
+          <a:lnRef idx="1">
+            <a:schemeClr val="accent1"/>
+          </a:lnRef>
+          <a:fillRef idx="3">
+            <a:schemeClr val="accent1"/>
+          </a:fillRef>
+          <a:effectRef idx="2">
+            <a:schemeClr val="accent1"/>
+          </a:effectRef>
+          <a:fontRef idx="minor">
+            <a:schemeClr val="lt1"/>
+          </a:fontRef>
+        </p:style>
+        <p:txBody>
+          <a:bodyPr rtlCol="0" anchor="ctr"/>
+          <a:lstStyle/>
+          <a:p>
+            <a:pPr algn="ctr"/>
+            <a:endParaRPr lang="pl-PL"/>
+          </a:p>
+        </p:txBody>
+      </p:sp>
+      <p:sp>
+        <p:nvSpPr>
+          <p:cNvPr id="3" name="pole tekstowe 2">
+            <a:extLst>
+              <a:ext uri="{FF2B5EF4-FFF2-40B4-BE49-F238E27FC236}">
+                <a16:creationId xmlns:a16="http://schemas.microsoft.com/office/drawing/2014/main" id="{00776F55-FCA0-4543-8855-DB6E68BE895A}"/>
+              </a:ext>
+            </a:extLst>
+          </p:cNvPr>
+          <p:cNvSpPr txBox="1"/>
+          <p:nvPr/>
+        </p:nvSpPr>
+        <p:spPr>
+          <a:xfrm>
+            <a:off x="0" y="908720"/>
+            <a:ext cx="9108504" cy="1530804"/>
+          </a:xfrm>
+          <a:prstGeom prst="rect">
+            <a:avLst/>
+          </a:prstGeom>
+          <a:noFill/>
+        </p:spPr>
+        <p:txBody>
+          <a:bodyPr wrap="square" rtlCol="0">
+            <a:spAutoFit/>
+          </a:bodyPr>
+          <a:lstStyle/>
+          <a:p>
+            <a:pPr marL="285750" indent="-285750" algn="just">
+              <a:lnSpc>
+                <a:spcPct val="150000"/>
+              </a:lnSpc>
+              <a:buFont typeface="Courier New" panose="02070309020205020404" pitchFamily="49" charset="0"/>
+              <a:buChar char="o"/>
+            </a:pPr>
+            <a:r>
+              <a:rPr lang="pl-PL" sz="1600" dirty="0">
+                <a:solidFill>
+                  <a:schemeClr val="bg2"/>
+                </a:solidFill>
+              </a:rPr>
+              <a:t>Jeżeli UI zostało stworzone w plik </a:t>
+            </a:r>
+            <a:r>
+              <a:rPr lang="pl-PL" sz="1600" dirty="0">
+                <a:solidFill>
+                  <a:schemeClr val="bg2"/>
+                </a:solidFill>
+                <a:latin typeface="Source Code Pro" panose="020B0509030403020204" pitchFamily="49" charset="0"/>
+                <a:ea typeface="Source Code Pro" panose="020B0509030403020204" pitchFamily="49" charset="0"/>
+              </a:rPr>
+              <a:t>activity_main.xml </a:t>
+            </a:r>
+            <a:r>
+              <a:rPr lang="pl-PL" sz="1600" dirty="0">
+                <a:solidFill>
+                  <a:schemeClr val="bg2"/>
+                </a:solidFill>
+                <a:latin typeface="Arial" panose="020B0604020202020204" pitchFamily="34" charset="0"/>
+                <a:ea typeface="Source Code Pro" panose="020B0509030403020204" pitchFamily="49" charset="0"/>
+                <a:cs typeface="Arial" panose="020B0604020202020204" pitchFamily="34" charset="0"/>
+              </a:rPr>
+              <a:t>możemy powiązać układ z zadaną aktywnością wywołując metodę </a:t>
+            </a:r>
+            <a:r>
+              <a:rPr lang="pl-PL" sz="1600" dirty="0" err="1">
+                <a:solidFill>
+                  <a:schemeClr val="bg2"/>
+                </a:solidFill>
+                <a:latin typeface="Source Code Pro" panose="020B0509030403020204" pitchFamily="49" charset="0"/>
+                <a:ea typeface="Source Code Pro" panose="020B0509030403020204" pitchFamily="49" charset="0"/>
+                <a:cs typeface="Arial" panose="020B0604020202020204" pitchFamily="34" charset="0"/>
+              </a:rPr>
+              <a:t>setContentView</a:t>
+            </a:r>
+            <a:r>
+              <a:rPr lang="pl-PL" sz="1600" dirty="0">
+                <a:solidFill>
+                  <a:schemeClr val="bg2"/>
+                </a:solidFill>
+                <a:latin typeface="Source Code Pro" panose="020B0509030403020204" pitchFamily="49" charset="0"/>
+                <a:ea typeface="Source Code Pro" panose="020B0509030403020204" pitchFamily="49" charset="0"/>
+                <a:cs typeface="Arial" panose="020B0604020202020204" pitchFamily="34" charset="0"/>
+              </a:rPr>
+              <a:t>(R.layout.activity_main.xml)</a:t>
+            </a:r>
+            <a:endParaRPr lang="pl-PL" sz="1600" dirty="0">
+              <a:solidFill>
+                <a:schemeClr val="bg2"/>
+              </a:solidFill>
+              <a:latin typeface="Arial" panose="020B0604020202020204" pitchFamily="34" charset="0"/>
+              <a:ea typeface="Source Code Pro" panose="020B0509030403020204" pitchFamily="49" charset="0"/>
+              <a:cs typeface="Arial" panose="020B0604020202020204" pitchFamily="34" charset="0"/>
+            </a:endParaRPr>
+          </a:p>
+          <a:p>
+            <a:pPr marL="285750" indent="-285750" algn="just">
+              <a:lnSpc>
+                <a:spcPct val="150000"/>
+              </a:lnSpc>
+              <a:buFont typeface="Courier New" panose="02070309020205020404" pitchFamily="49" charset="0"/>
+              <a:buChar char="o"/>
+            </a:pPr>
+            <a:r>
+              <a:rPr lang="pl-PL" sz="1600" dirty="0">
+                <a:solidFill>
+                  <a:schemeClr val="bg2"/>
+                </a:solidFill>
+                <a:latin typeface="Arial" panose="020B0604020202020204" pitchFamily="34" charset="0"/>
+                <a:ea typeface="Source Code Pro" panose="020B0509030403020204" pitchFamily="49" charset="0"/>
+                <a:cs typeface="Arial" panose="020B0604020202020204" pitchFamily="34" charset="0"/>
+              </a:rPr>
+              <a:t>Poszczególne widżety adresujemy wywołując metodę </a:t>
+            </a:r>
+          </a:p>
+          <a:p>
+            <a:pPr algn="just">
+              <a:lnSpc>
+                <a:spcPct val="150000"/>
+              </a:lnSpc>
+            </a:pPr>
+            <a:r>
+              <a:rPr lang="pl-PL" sz="1600" dirty="0">
+                <a:solidFill>
+                  <a:schemeClr val="bg2"/>
+                </a:solidFill>
+                <a:latin typeface="Source Code Pro" panose="020B0509030403020204" pitchFamily="49" charset="0"/>
+                <a:ea typeface="Source Code Pro" panose="020B0509030403020204" pitchFamily="49" charset="0"/>
+                <a:cs typeface="Arial" panose="020B0604020202020204" pitchFamily="34" charset="0"/>
+              </a:rPr>
+              <a:t>Button buton = </a:t>
+            </a:r>
+            <a:r>
+              <a:rPr lang="pl-PL" sz="1600" dirty="0" err="1">
+                <a:solidFill>
+                  <a:schemeClr val="bg2"/>
+                </a:solidFill>
+                <a:latin typeface="Source Code Pro" panose="020B0509030403020204" pitchFamily="49" charset="0"/>
+                <a:ea typeface="Source Code Pro" panose="020B0509030403020204" pitchFamily="49" charset="0"/>
+                <a:cs typeface="Arial" panose="020B0604020202020204" pitchFamily="34" charset="0"/>
+              </a:rPr>
+              <a:t>findViewById</a:t>
+            </a:r>
+            <a:r>
+              <a:rPr lang="pl-PL" sz="1600" dirty="0">
+                <a:solidFill>
+                  <a:schemeClr val="bg2"/>
+                </a:solidFill>
+                <a:latin typeface="Source Code Pro" panose="020B0509030403020204" pitchFamily="49" charset="0"/>
+                <a:ea typeface="Source Code Pro" panose="020B0509030403020204" pitchFamily="49" charset="0"/>
+                <a:cs typeface="Arial" panose="020B0604020202020204" pitchFamily="34" charset="0"/>
+              </a:rPr>
+              <a:t>(</a:t>
+            </a:r>
+            <a:r>
+              <a:rPr lang="pl-PL" sz="1600" dirty="0" err="1">
+                <a:solidFill>
+                  <a:schemeClr val="bg2"/>
+                </a:solidFill>
+                <a:latin typeface="Source Code Pro" panose="020B0509030403020204" pitchFamily="49" charset="0"/>
+                <a:ea typeface="Source Code Pro" panose="020B0509030403020204" pitchFamily="49" charset="0"/>
+                <a:cs typeface="Arial" panose="020B0604020202020204" pitchFamily="34" charset="0"/>
+              </a:rPr>
+              <a:t>R.id.myButton</a:t>
+            </a:r>
+            <a:r>
+              <a:rPr lang="pl-PL" sz="1600" dirty="0">
+                <a:solidFill>
+                  <a:schemeClr val="bg2"/>
+                </a:solidFill>
+                <a:latin typeface="Source Code Pro" panose="020B0509030403020204" pitchFamily="49" charset="0"/>
+                <a:ea typeface="Source Code Pro" panose="020B0509030403020204" pitchFamily="49" charset="0"/>
+                <a:cs typeface="Arial" panose="020B0604020202020204" pitchFamily="34" charset="0"/>
+              </a:rPr>
+              <a:t>)</a:t>
+            </a:r>
+          </a:p>
+        </p:txBody>
+      </p:sp>
+      <p:pic>
+        <p:nvPicPr>
+          <p:cNvPr id="4" name="Obraz 3">
+            <a:extLst>
+              <a:ext uri="{FF2B5EF4-FFF2-40B4-BE49-F238E27FC236}">
+                <a16:creationId xmlns:a16="http://schemas.microsoft.com/office/drawing/2014/main" id="{561E3693-789B-4CCC-85D7-47876406263E}"/>
+              </a:ext>
+            </a:extLst>
+          </p:cNvPr>
+          <p:cNvPicPr>
+            <a:picLocks noChangeAspect="1"/>
+          </p:cNvPicPr>
+          <p:nvPr/>
+        </p:nvPicPr>
+        <p:blipFill>
+          <a:blip r:embed="rId4"/>
+          <a:stretch>
+            <a:fillRect/>
+          </a:stretch>
+        </p:blipFill>
+        <p:spPr>
+          <a:xfrm>
+            <a:off x="1043608" y="2404157"/>
+            <a:ext cx="7272808" cy="4415414"/>
+          </a:xfrm>
+          <a:prstGeom prst="rect">
+            <a:avLst/>
+          </a:prstGeom>
+        </p:spPr>
+      </p:pic>
+    </p:spTree>
+    <p:extLst>
+      <p:ext uri="{BB962C8B-B14F-4D97-AF65-F5344CB8AC3E}">
+        <p14:creationId xmlns:p14="http://schemas.microsoft.com/office/powerpoint/2010/main" val="4008139326"/>
+      </p:ext>
+    </p:extLst>
+  </p:cSld>
+  <p:clrMapOvr>
+    <a:masterClrMapping/>
+  </p:clrMapOvr>
+</p:sld>
+</file>
+
+<file path=ppt/slides/slide9.xml><?xml version="1.0" encoding="utf-8"?>
 <p:sld xmlns:a="http://schemas.openxmlformats.org/drawingml/2006/main" xmlns:r="http://schemas.openxmlformats.org/officeDocument/2006/relationships" xmlns:p="http://schemas.openxmlformats.org/presentationml/2006/main">
   <p:cSld>
     <p:bg>
@@ -6597,2363 +12291,6 @@
     <p:extLst>
       <p:ext uri="{BB962C8B-B14F-4D97-AF65-F5344CB8AC3E}">
         <p14:creationId xmlns:p14="http://schemas.microsoft.com/office/powerpoint/2010/main" val="3658209380"/>
-      </p:ext>
-    </p:extLst>
-  </p:cSld>
-  <p:clrMapOvr>
-    <a:masterClrMapping/>
-  </p:clrMapOvr>
-</p:sld>
-</file>
-
-<file path=ppt/slides/slide2.xml><?xml version="1.0" encoding="utf-8"?>
-<p:sld xmlns:a="http://schemas.openxmlformats.org/drawingml/2006/main" xmlns:r="http://schemas.openxmlformats.org/officeDocument/2006/relationships" xmlns:p="http://schemas.openxmlformats.org/presentationml/2006/main">
-  <p:cSld>
-    <p:bg>
-      <p:bgPr>
-        <a:blipFill dpi="0" rotWithShape="0">
-          <a:blip r:embed="rId3" cstate="print"/>
-          <a:srcRect/>
-          <a:stretch>
-            <a:fillRect/>
-          </a:stretch>
-        </a:blipFill>
-        <a:effectLst/>
-      </p:bgPr>
-    </p:bg>
-    <p:spTree>
-      <p:nvGrpSpPr>
-        <p:cNvPr id="1" name=""/>
-        <p:cNvGrpSpPr/>
-        <p:nvPr/>
-      </p:nvGrpSpPr>
-      <p:grpSpPr>
-        <a:xfrm>
-          <a:off x="0" y="0"/>
-          <a:ext cx="0" cy="0"/>
-          <a:chOff x="0" y="0"/>
-          <a:chExt cx="0" cy="0"/>
-        </a:xfrm>
-      </p:grpSpPr>
-      <p:sp>
-        <p:nvSpPr>
-          <p:cNvPr id="2" name="Rectangle 1"/>
-          <p:cNvSpPr/>
-          <p:nvPr/>
-        </p:nvSpPr>
-        <p:spPr>
-          <a:xfrm>
-            <a:off x="1979712" y="188640"/>
-            <a:ext cx="6696744" cy="492443"/>
-          </a:xfrm>
-          <a:prstGeom prst="rect">
-            <a:avLst/>
-          </a:prstGeom>
-        </p:spPr>
-        <p:txBody>
-          <a:bodyPr wrap="square">
-            <a:spAutoFit/>
-          </a:bodyPr>
-          <a:lstStyle/>
-          <a:p>
-            <a:pPr algn="ctr"/>
-            <a:r>
-              <a:rPr lang="pl-PL" sz="2600" dirty="0">
-                <a:solidFill>
-                  <a:schemeClr val="bg1"/>
-                </a:solidFill>
-                <a:latin typeface="Verdana" panose="020B0604030504040204" pitchFamily="34" charset="0"/>
-                <a:ea typeface="Verdana" panose="020B0604030504040204" pitchFamily="34" charset="0"/>
-                <a:cs typeface="Verdana" panose="020B0604030504040204" pitchFamily="34" charset="0"/>
-              </a:rPr>
-              <a:t>Cykl Życia</a:t>
-            </a:r>
-          </a:p>
-        </p:txBody>
-      </p:sp>
-      <p:sp>
-        <p:nvSpPr>
-          <p:cNvPr id="6" name="Prostokąt 5">
-            <a:extLst>
-              <a:ext uri="{FF2B5EF4-FFF2-40B4-BE49-F238E27FC236}">
-                <a16:creationId xmlns:a16="http://schemas.microsoft.com/office/drawing/2014/main" id="{CA41B780-B57E-411C-AAD5-3D3D6912F664}"/>
-              </a:ext>
-            </a:extLst>
-          </p:cNvPr>
-          <p:cNvSpPr/>
-          <p:nvPr/>
-        </p:nvSpPr>
-        <p:spPr>
-          <a:xfrm>
-            <a:off x="0" y="810072"/>
-            <a:ext cx="9144000" cy="6021288"/>
-          </a:xfrm>
-          <a:prstGeom prst="rect">
-            <a:avLst/>
-          </a:prstGeom>
-          <a:solidFill>
-            <a:schemeClr val="tx1"/>
-          </a:solidFill>
-        </p:spPr>
-        <p:style>
-          <a:lnRef idx="1">
-            <a:schemeClr val="accent1"/>
-          </a:lnRef>
-          <a:fillRef idx="3">
-            <a:schemeClr val="accent1"/>
-          </a:fillRef>
-          <a:effectRef idx="2">
-            <a:schemeClr val="accent1"/>
-          </a:effectRef>
-          <a:fontRef idx="minor">
-            <a:schemeClr val="lt1"/>
-          </a:fontRef>
-        </p:style>
-        <p:txBody>
-          <a:bodyPr rtlCol="0" anchor="ctr"/>
-          <a:lstStyle/>
-          <a:p>
-            <a:pPr algn="ctr"/>
-            <a:endParaRPr lang="pl-PL"/>
-          </a:p>
-        </p:txBody>
-      </p:sp>
-      <p:pic>
-        <p:nvPicPr>
-          <p:cNvPr id="5" name="Obraz 4">
-            <a:extLst>
-              <a:ext uri="{FF2B5EF4-FFF2-40B4-BE49-F238E27FC236}">
-                <a16:creationId xmlns:a16="http://schemas.microsoft.com/office/drawing/2014/main" id="{067E4941-91B2-4E07-BBE7-42AD77927F19}"/>
-              </a:ext>
-            </a:extLst>
-          </p:cNvPr>
-          <p:cNvPicPr>
-            <a:picLocks noChangeAspect="1"/>
-          </p:cNvPicPr>
-          <p:nvPr/>
-        </p:nvPicPr>
-        <p:blipFill>
-          <a:blip r:embed="rId4"/>
-          <a:stretch>
-            <a:fillRect/>
-          </a:stretch>
-        </p:blipFill>
-        <p:spPr>
-          <a:xfrm>
-            <a:off x="1580475" y="4294262"/>
-            <a:ext cx="7495218" cy="2537098"/>
-          </a:xfrm>
-          <a:prstGeom prst="rect">
-            <a:avLst/>
-          </a:prstGeom>
-        </p:spPr>
-      </p:pic>
-      <p:sp>
-        <p:nvSpPr>
-          <p:cNvPr id="3" name="pole tekstowe 2">
-            <a:extLst>
-              <a:ext uri="{FF2B5EF4-FFF2-40B4-BE49-F238E27FC236}">
-                <a16:creationId xmlns:a16="http://schemas.microsoft.com/office/drawing/2014/main" id="{00776F55-FCA0-4543-8855-DB6E68BE895A}"/>
-              </a:ext>
-            </a:extLst>
-          </p:cNvPr>
-          <p:cNvSpPr txBox="1"/>
-          <p:nvPr/>
-        </p:nvSpPr>
-        <p:spPr>
-          <a:xfrm>
-            <a:off x="0" y="908720"/>
-            <a:ext cx="9108504" cy="4693593"/>
-          </a:xfrm>
-          <a:prstGeom prst="rect">
-            <a:avLst/>
-          </a:prstGeom>
-          <a:noFill/>
-        </p:spPr>
-        <p:txBody>
-          <a:bodyPr wrap="square" rtlCol="0">
-            <a:spAutoFit/>
-          </a:bodyPr>
-          <a:lstStyle/>
-          <a:p>
-            <a:pPr marL="285750" indent="-285750" algn="just">
-              <a:lnSpc>
-                <a:spcPct val="150000"/>
-              </a:lnSpc>
-              <a:buFont typeface="Courier New" panose="02070309020205020404" pitchFamily="49" charset="0"/>
-              <a:buChar char="o"/>
-            </a:pPr>
-            <a:r>
-              <a:rPr lang="pl-PL" sz="1800" dirty="0">
-                <a:solidFill>
-                  <a:schemeClr val="bg2"/>
-                </a:solidFill>
-              </a:rPr>
-              <a:t>Każda aplikacja Androida działa w swojej własnej instancji maszyny wirtualnej</a:t>
-            </a:r>
-          </a:p>
-          <a:p>
-            <a:pPr marL="285750" indent="-285750" algn="just">
-              <a:lnSpc>
-                <a:spcPct val="150000"/>
-              </a:lnSpc>
-              <a:buFont typeface="Courier New" panose="02070309020205020404" pitchFamily="49" charset="0"/>
-              <a:buChar char="o"/>
-            </a:pPr>
-            <a:r>
-              <a:rPr lang="pl-PL" sz="1800" dirty="0">
-                <a:solidFill>
-                  <a:schemeClr val="bg2"/>
-                </a:solidFill>
-              </a:rPr>
-              <a:t>W każdym momencie kilka instancji maszyny wirtualnej może być aktywna (rzeczywista równoległość – nie </a:t>
-            </a:r>
-            <a:r>
-              <a:rPr lang="pl-PL" sz="1800" i="1" dirty="0" err="1">
-                <a:solidFill>
-                  <a:schemeClr val="bg2"/>
-                </a:solidFill>
-              </a:rPr>
-              <a:t>task</a:t>
-            </a:r>
-            <a:r>
-              <a:rPr lang="pl-PL" sz="1800" i="1" dirty="0">
-                <a:solidFill>
-                  <a:schemeClr val="bg2"/>
-                </a:solidFill>
-              </a:rPr>
-              <a:t> </a:t>
-            </a:r>
-            <a:r>
-              <a:rPr lang="pl-PL" sz="1800" i="1" dirty="0" err="1">
-                <a:solidFill>
-                  <a:schemeClr val="bg2"/>
-                </a:solidFill>
-              </a:rPr>
-              <a:t>switching</a:t>
-            </a:r>
-            <a:r>
-              <a:rPr lang="pl-PL" sz="1800" dirty="0">
-                <a:solidFill>
-                  <a:schemeClr val="bg2"/>
-                </a:solidFill>
-              </a:rPr>
-              <a:t>)</a:t>
-            </a:r>
-          </a:p>
-          <a:p>
-            <a:pPr marL="285750" indent="-285750" algn="just">
-              <a:lnSpc>
-                <a:spcPct val="150000"/>
-              </a:lnSpc>
-              <a:buFont typeface="Courier New" panose="02070309020205020404" pitchFamily="49" charset="0"/>
-              <a:buChar char="o"/>
-            </a:pPr>
-            <a:r>
-              <a:rPr lang="pl-PL" sz="1800" dirty="0">
-                <a:solidFill>
-                  <a:schemeClr val="bg2"/>
-                </a:solidFill>
-              </a:rPr>
-              <a:t>Aplikacja Androida nie kontroluje całkowicie realizacji swojego cyklu życia</a:t>
-            </a:r>
-          </a:p>
-          <a:p>
-            <a:pPr marL="285750" indent="-285750" algn="just">
-              <a:lnSpc>
-                <a:spcPct val="150000"/>
-              </a:lnSpc>
-              <a:buFont typeface="Courier New" panose="02070309020205020404" pitchFamily="49" charset="0"/>
-              <a:buChar char="o"/>
-            </a:pPr>
-            <a:endParaRPr lang="pl-PL" sz="1800" dirty="0">
-              <a:solidFill>
-                <a:schemeClr val="bg2"/>
-              </a:solidFill>
-            </a:endParaRPr>
-          </a:p>
-          <a:p>
-            <a:pPr marL="285750" indent="-285750" algn="just">
-              <a:lnSpc>
-                <a:spcPct val="150000"/>
-              </a:lnSpc>
-              <a:buFont typeface="Courier New" panose="02070309020205020404" pitchFamily="49" charset="0"/>
-              <a:buChar char="o"/>
-            </a:pPr>
-            <a:r>
-              <a:rPr lang="pl-PL" sz="1800" dirty="0">
-                <a:solidFill>
-                  <a:schemeClr val="bg2"/>
-                </a:solidFill>
-              </a:rPr>
-              <a:t>OS może zakończyć każdy proces</a:t>
-            </a:r>
-          </a:p>
-          <a:p>
-            <a:pPr marL="742950" lvl="1" indent="-285750" algn="just">
-              <a:lnSpc>
-                <a:spcPct val="150000"/>
-              </a:lnSpc>
-              <a:buFont typeface="Courier New" panose="02070309020205020404" pitchFamily="49" charset="0"/>
-              <a:buChar char="o"/>
-            </a:pPr>
-            <a:r>
-              <a:rPr lang="pl-PL" sz="1800" dirty="0">
-                <a:solidFill>
-                  <a:schemeClr val="bg2"/>
-                </a:solidFill>
-              </a:rPr>
-              <a:t>Zasoby są krytycznie niskie</a:t>
-            </a:r>
-          </a:p>
-          <a:p>
-            <a:pPr marL="742950" lvl="1" indent="-285750" algn="just">
-              <a:lnSpc>
-                <a:spcPct val="150000"/>
-              </a:lnSpc>
-              <a:buFont typeface="Courier New" panose="02070309020205020404" pitchFamily="49" charset="0"/>
-              <a:buChar char="o"/>
-            </a:pPr>
-            <a:r>
-              <a:rPr lang="pl-PL" sz="1800" dirty="0">
-                <a:solidFill>
-                  <a:schemeClr val="bg2"/>
-                </a:solidFill>
-              </a:rPr>
-              <a:t>Duża liczba działających aplikacji</a:t>
-            </a:r>
-          </a:p>
-          <a:p>
-            <a:pPr marL="742950" lvl="1" indent="-285750" algn="just">
-              <a:lnSpc>
-                <a:spcPct val="150000"/>
-              </a:lnSpc>
-              <a:buFont typeface="Courier New" panose="02070309020205020404" pitchFamily="49" charset="0"/>
-              <a:buChar char="o"/>
-            </a:pPr>
-            <a:r>
-              <a:rPr lang="pl-PL" sz="1800" dirty="0">
-                <a:solidFill>
-                  <a:schemeClr val="bg2"/>
-                </a:solidFill>
-              </a:rPr>
-              <a:t>Aplikacja wymagająca bardzo dużych zasobów (energia, pamięć)</a:t>
-            </a:r>
-          </a:p>
-          <a:p>
-            <a:pPr marL="742950" lvl="1" indent="-285750" algn="just">
-              <a:lnSpc>
-                <a:spcPct val="150000"/>
-              </a:lnSpc>
-              <a:buFont typeface="Courier New" panose="02070309020205020404" pitchFamily="49" charset="0"/>
-              <a:buChar char="o"/>
-            </a:pPr>
-            <a:endParaRPr lang="pl-PL" sz="1600" dirty="0">
-              <a:solidFill>
-                <a:schemeClr val="bg2"/>
-              </a:solidFill>
-            </a:endParaRPr>
-          </a:p>
-          <a:p>
-            <a:pPr marL="342900" indent="-342900" algn="just">
-              <a:buFont typeface="+mj-lt"/>
-              <a:buAutoNum type="arabicPeriod"/>
-            </a:pPr>
-            <a:endParaRPr lang="pl-PL" sz="1600" dirty="0">
-              <a:solidFill>
-                <a:schemeClr val="bg2"/>
-              </a:solidFill>
-            </a:endParaRPr>
-          </a:p>
-          <a:p>
-            <a:pPr algn="just"/>
-            <a:endParaRPr lang="pl-PL" sz="1600" dirty="0">
-              <a:solidFill>
-                <a:schemeClr val="bg2"/>
-              </a:solidFill>
-            </a:endParaRPr>
-          </a:p>
-        </p:txBody>
-      </p:sp>
-    </p:spTree>
-    <p:extLst>
-      <p:ext uri="{BB962C8B-B14F-4D97-AF65-F5344CB8AC3E}">
-        <p14:creationId xmlns:p14="http://schemas.microsoft.com/office/powerpoint/2010/main" val="583584318"/>
-      </p:ext>
-    </p:extLst>
-  </p:cSld>
-  <p:clrMapOvr>
-    <a:masterClrMapping/>
-  </p:clrMapOvr>
-</p:sld>
-</file>
-
-<file path=ppt/slides/slide3.xml><?xml version="1.0" encoding="utf-8"?>
-<p:sld xmlns:a="http://schemas.openxmlformats.org/drawingml/2006/main" xmlns:r="http://schemas.openxmlformats.org/officeDocument/2006/relationships" xmlns:p="http://schemas.openxmlformats.org/presentationml/2006/main">
-  <p:cSld>
-    <p:bg>
-      <p:bgPr>
-        <a:blipFill dpi="0" rotWithShape="0">
-          <a:blip r:embed="rId3" cstate="print"/>
-          <a:srcRect/>
-          <a:stretch>
-            <a:fillRect/>
-          </a:stretch>
-        </a:blipFill>
-        <a:effectLst/>
-      </p:bgPr>
-    </p:bg>
-    <p:spTree>
-      <p:nvGrpSpPr>
-        <p:cNvPr id="1" name=""/>
-        <p:cNvGrpSpPr/>
-        <p:nvPr/>
-      </p:nvGrpSpPr>
-      <p:grpSpPr>
-        <a:xfrm>
-          <a:off x="0" y="0"/>
-          <a:ext cx="0" cy="0"/>
-          <a:chOff x="0" y="0"/>
-          <a:chExt cx="0" cy="0"/>
-        </a:xfrm>
-      </p:grpSpPr>
-      <p:sp>
-        <p:nvSpPr>
-          <p:cNvPr id="2" name="Rectangle 1"/>
-          <p:cNvSpPr/>
-          <p:nvPr/>
-        </p:nvSpPr>
-        <p:spPr>
-          <a:xfrm>
-            <a:off x="1979712" y="188640"/>
-            <a:ext cx="6696744" cy="492443"/>
-          </a:xfrm>
-          <a:prstGeom prst="rect">
-            <a:avLst/>
-          </a:prstGeom>
-        </p:spPr>
-        <p:txBody>
-          <a:bodyPr wrap="square">
-            <a:spAutoFit/>
-          </a:bodyPr>
-          <a:lstStyle/>
-          <a:p>
-            <a:pPr algn="ctr"/>
-            <a:r>
-              <a:rPr lang="pl-PL" sz="2600" dirty="0">
-                <a:solidFill>
-                  <a:schemeClr val="bg1"/>
-                </a:solidFill>
-                <a:latin typeface="Verdana" panose="020B0604030504040204" pitchFamily="34" charset="0"/>
-                <a:ea typeface="Verdana" panose="020B0604030504040204" pitchFamily="34" charset="0"/>
-                <a:cs typeface="Verdana" panose="020B0604030504040204" pitchFamily="34" charset="0"/>
-              </a:rPr>
-              <a:t>Cykl Życia</a:t>
-            </a:r>
-          </a:p>
-        </p:txBody>
-      </p:sp>
-      <p:sp>
-        <p:nvSpPr>
-          <p:cNvPr id="6" name="Prostokąt 5">
-            <a:extLst>
-              <a:ext uri="{FF2B5EF4-FFF2-40B4-BE49-F238E27FC236}">
-                <a16:creationId xmlns:a16="http://schemas.microsoft.com/office/drawing/2014/main" id="{CA41B780-B57E-411C-AAD5-3D3D6912F664}"/>
-              </a:ext>
-            </a:extLst>
-          </p:cNvPr>
-          <p:cNvSpPr/>
-          <p:nvPr/>
-        </p:nvSpPr>
-        <p:spPr>
-          <a:xfrm>
-            <a:off x="0" y="810072"/>
-            <a:ext cx="9144000" cy="6021288"/>
-          </a:xfrm>
-          <a:prstGeom prst="rect">
-            <a:avLst/>
-          </a:prstGeom>
-          <a:solidFill>
-            <a:schemeClr val="tx1"/>
-          </a:solidFill>
-        </p:spPr>
-        <p:style>
-          <a:lnRef idx="1">
-            <a:schemeClr val="accent1"/>
-          </a:lnRef>
-          <a:fillRef idx="3">
-            <a:schemeClr val="accent1"/>
-          </a:fillRef>
-          <a:effectRef idx="2">
-            <a:schemeClr val="accent1"/>
-          </a:effectRef>
-          <a:fontRef idx="minor">
-            <a:schemeClr val="lt1"/>
-          </a:fontRef>
-        </p:style>
-        <p:txBody>
-          <a:bodyPr rtlCol="0" anchor="ctr"/>
-          <a:lstStyle/>
-          <a:p>
-            <a:pPr algn="ctr"/>
-            <a:endParaRPr lang="pl-PL"/>
-          </a:p>
-        </p:txBody>
-      </p:sp>
-      <p:pic>
-        <p:nvPicPr>
-          <p:cNvPr id="4" name="Obraz 3">
-            <a:extLst>
-              <a:ext uri="{FF2B5EF4-FFF2-40B4-BE49-F238E27FC236}">
-                <a16:creationId xmlns:a16="http://schemas.microsoft.com/office/drawing/2014/main" id="{4CCF2A39-2F0F-46B0-A8BA-F7BF2A79D3FC}"/>
-              </a:ext>
-            </a:extLst>
-          </p:cNvPr>
-          <p:cNvPicPr>
-            <a:picLocks noChangeAspect="1"/>
-          </p:cNvPicPr>
-          <p:nvPr/>
-        </p:nvPicPr>
-        <p:blipFill>
-          <a:blip r:embed="rId4"/>
-          <a:stretch>
-            <a:fillRect/>
-          </a:stretch>
-        </p:blipFill>
-        <p:spPr>
-          <a:xfrm>
-            <a:off x="611560" y="1887823"/>
-            <a:ext cx="8193663" cy="3865786"/>
-          </a:xfrm>
-          <a:prstGeom prst="rect">
-            <a:avLst/>
-          </a:prstGeom>
-        </p:spPr>
-      </p:pic>
-    </p:spTree>
-    <p:extLst>
-      <p:ext uri="{BB962C8B-B14F-4D97-AF65-F5344CB8AC3E}">
-        <p14:creationId xmlns:p14="http://schemas.microsoft.com/office/powerpoint/2010/main" val="684120504"/>
-      </p:ext>
-    </p:extLst>
-  </p:cSld>
-  <p:clrMapOvr>
-    <a:masterClrMapping/>
-  </p:clrMapOvr>
-</p:sld>
-</file>
-
-<file path=ppt/slides/slide4.xml><?xml version="1.0" encoding="utf-8"?>
-<p:sld xmlns:a="http://schemas.openxmlformats.org/drawingml/2006/main" xmlns:r="http://schemas.openxmlformats.org/officeDocument/2006/relationships" xmlns:p="http://schemas.openxmlformats.org/presentationml/2006/main">
-  <p:cSld>
-    <p:bg>
-      <p:bgPr>
-        <a:blipFill dpi="0" rotWithShape="0">
-          <a:blip r:embed="rId3" cstate="print"/>
-          <a:srcRect/>
-          <a:stretch>
-            <a:fillRect/>
-          </a:stretch>
-        </a:blipFill>
-        <a:effectLst/>
-      </p:bgPr>
-    </p:bg>
-    <p:spTree>
-      <p:nvGrpSpPr>
-        <p:cNvPr id="1" name=""/>
-        <p:cNvGrpSpPr/>
-        <p:nvPr/>
-      </p:nvGrpSpPr>
-      <p:grpSpPr>
-        <a:xfrm>
-          <a:off x="0" y="0"/>
-          <a:ext cx="0" cy="0"/>
-          <a:chOff x="0" y="0"/>
-          <a:chExt cx="0" cy="0"/>
-        </a:xfrm>
-      </p:grpSpPr>
-      <p:sp>
-        <p:nvSpPr>
-          <p:cNvPr id="2" name="Rectangle 1"/>
-          <p:cNvSpPr/>
-          <p:nvPr/>
-        </p:nvSpPr>
-        <p:spPr>
-          <a:xfrm>
-            <a:off x="1979712" y="188640"/>
-            <a:ext cx="6696744" cy="492443"/>
-          </a:xfrm>
-          <a:prstGeom prst="rect">
-            <a:avLst/>
-          </a:prstGeom>
-        </p:spPr>
-        <p:txBody>
-          <a:bodyPr wrap="square">
-            <a:spAutoFit/>
-          </a:bodyPr>
-          <a:lstStyle/>
-          <a:p>
-            <a:pPr algn="ctr"/>
-            <a:r>
-              <a:rPr lang="pl-PL" sz="2600" dirty="0">
-                <a:solidFill>
-                  <a:schemeClr val="bg1"/>
-                </a:solidFill>
-                <a:latin typeface="Verdana" panose="020B0604030504040204" pitchFamily="34" charset="0"/>
-                <a:ea typeface="Verdana" panose="020B0604030504040204" pitchFamily="34" charset="0"/>
-                <a:cs typeface="Verdana" panose="020B0604030504040204" pitchFamily="34" charset="0"/>
-              </a:rPr>
-              <a:t>Cykl Życia</a:t>
-            </a:r>
-          </a:p>
-        </p:txBody>
-      </p:sp>
-      <p:sp>
-        <p:nvSpPr>
-          <p:cNvPr id="6" name="Prostokąt 5">
-            <a:extLst>
-              <a:ext uri="{FF2B5EF4-FFF2-40B4-BE49-F238E27FC236}">
-                <a16:creationId xmlns:a16="http://schemas.microsoft.com/office/drawing/2014/main" id="{CA41B780-B57E-411C-AAD5-3D3D6912F664}"/>
-              </a:ext>
-            </a:extLst>
-          </p:cNvPr>
-          <p:cNvSpPr/>
-          <p:nvPr/>
-        </p:nvSpPr>
-        <p:spPr>
-          <a:xfrm>
-            <a:off x="0" y="810072"/>
-            <a:ext cx="9144000" cy="6021288"/>
-          </a:xfrm>
-          <a:prstGeom prst="rect">
-            <a:avLst/>
-          </a:prstGeom>
-          <a:solidFill>
-            <a:schemeClr val="tx1"/>
-          </a:solidFill>
-        </p:spPr>
-        <p:style>
-          <a:lnRef idx="1">
-            <a:schemeClr val="accent1"/>
-          </a:lnRef>
-          <a:fillRef idx="3">
-            <a:schemeClr val="accent1"/>
-          </a:fillRef>
-          <a:effectRef idx="2">
-            <a:schemeClr val="accent1"/>
-          </a:effectRef>
-          <a:fontRef idx="minor">
-            <a:schemeClr val="lt1"/>
-          </a:fontRef>
-        </p:style>
-        <p:txBody>
-          <a:bodyPr rtlCol="0" anchor="ctr"/>
-          <a:lstStyle/>
-          <a:p>
-            <a:pPr algn="ctr"/>
-            <a:endParaRPr lang="pl-PL"/>
-          </a:p>
-        </p:txBody>
-      </p:sp>
-      <p:pic>
-        <p:nvPicPr>
-          <p:cNvPr id="5" name="Obraz 4">
-            <a:extLst>
-              <a:ext uri="{FF2B5EF4-FFF2-40B4-BE49-F238E27FC236}">
-                <a16:creationId xmlns:a16="http://schemas.microsoft.com/office/drawing/2014/main" id="{A52137E8-9CB3-4E6E-96B7-BA7B7F3748BD}"/>
-              </a:ext>
-            </a:extLst>
-          </p:cNvPr>
-          <p:cNvPicPr>
-            <a:picLocks noChangeAspect="1"/>
-          </p:cNvPicPr>
-          <p:nvPr/>
-        </p:nvPicPr>
-        <p:blipFill>
-          <a:blip r:embed="rId4"/>
-          <a:stretch>
-            <a:fillRect/>
-          </a:stretch>
-        </p:blipFill>
-        <p:spPr>
-          <a:xfrm>
-            <a:off x="2050734" y="836712"/>
-            <a:ext cx="5564503" cy="5721250"/>
-          </a:xfrm>
-          <a:prstGeom prst="rect">
-            <a:avLst/>
-          </a:prstGeom>
-        </p:spPr>
-      </p:pic>
-    </p:spTree>
-    <p:extLst>
-      <p:ext uri="{BB962C8B-B14F-4D97-AF65-F5344CB8AC3E}">
-        <p14:creationId xmlns:p14="http://schemas.microsoft.com/office/powerpoint/2010/main" val="1963388816"/>
-      </p:ext>
-    </p:extLst>
-  </p:cSld>
-  <p:clrMapOvr>
-    <a:masterClrMapping/>
-  </p:clrMapOvr>
-</p:sld>
-</file>
-
-<file path=ppt/slides/slide5.xml><?xml version="1.0" encoding="utf-8"?>
-<p:sld xmlns:a="http://schemas.openxmlformats.org/drawingml/2006/main" xmlns:r="http://schemas.openxmlformats.org/officeDocument/2006/relationships" xmlns:p="http://schemas.openxmlformats.org/presentationml/2006/main">
-  <p:cSld>
-    <p:bg>
-      <p:bgPr>
-        <a:blipFill dpi="0" rotWithShape="0">
-          <a:blip r:embed="rId3" cstate="print"/>
-          <a:srcRect/>
-          <a:stretch>
-            <a:fillRect/>
-          </a:stretch>
-        </a:blipFill>
-        <a:effectLst/>
-      </p:bgPr>
-    </p:bg>
-    <p:spTree>
-      <p:nvGrpSpPr>
-        <p:cNvPr id="1" name=""/>
-        <p:cNvGrpSpPr/>
-        <p:nvPr/>
-      </p:nvGrpSpPr>
-      <p:grpSpPr>
-        <a:xfrm>
-          <a:off x="0" y="0"/>
-          <a:ext cx="0" cy="0"/>
-          <a:chOff x="0" y="0"/>
-          <a:chExt cx="0" cy="0"/>
-        </a:xfrm>
-      </p:grpSpPr>
-      <p:sp>
-        <p:nvSpPr>
-          <p:cNvPr id="2" name="Rectangle 1"/>
-          <p:cNvSpPr/>
-          <p:nvPr/>
-        </p:nvSpPr>
-        <p:spPr>
-          <a:xfrm>
-            <a:off x="1979712" y="188640"/>
-            <a:ext cx="7164288" cy="492443"/>
-          </a:xfrm>
-          <a:prstGeom prst="rect">
-            <a:avLst/>
-          </a:prstGeom>
-        </p:spPr>
-        <p:txBody>
-          <a:bodyPr wrap="square">
-            <a:spAutoFit/>
-          </a:bodyPr>
-          <a:lstStyle/>
-          <a:p>
-            <a:pPr algn="ctr"/>
-            <a:r>
-              <a:rPr lang="pl-PL" sz="2600" dirty="0">
-                <a:solidFill>
-                  <a:schemeClr val="bg1"/>
-                </a:solidFill>
-                <a:latin typeface="Verdana" panose="020B0604030504040204" pitchFamily="34" charset="0"/>
-                <a:ea typeface="Verdana" panose="020B0604030504040204" pitchFamily="34" charset="0"/>
-                <a:cs typeface="Verdana" panose="020B0604030504040204" pitchFamily="34" charset="0"/>
-              </a:rPr>
-              <a:t>Cykl Życia – Stany Aktywności</a:t>
-            </a:r>
-          </a:p>
-        </p:txBody>
-      </p:sp>
-      <p:sp>
-        <p:nvSpPr>
-          <p:cNvPr id="6" name="Prostokąt 5">
-            <a:extLst>
-              <a:ext uri="{FF2B5EF4-FFF2-40B4-BE49-F238E27FC236}">
-                <a16:creationId xmlns:a16="http://schemas.microsoft.com/office/drawing/2014/main" id="{CA41B780-B57E-411C-AAD5-3D3D6912F664}"/>
-              </a:ext>
-            </a:extLst>
-          </p:cNvPr>
-          <p:cNvSpPr/>
-          <p:nvPr/>
-        </p:nvSpPr>
-        <p:spPr>
-          <a:xfrm>
-            <a:off x="0" y="810072"/>
-            <a:ext cx="9144000" cy="6021288"/>
-          </a:xfrm>
-          <a:prstGeom prst="rect">
-            <a:avLst/>
-          </a:prstGeom>
-          <a:solidFill>
-            <a:schemeClr val="tx1"/>
-          </a:solidFill>
-        </p:spPr>
-        <p:style>
-          <a:lnRef idx="1">
-            <a:schemeClr val="accent1"/>
-          </a:lnRef>
-          <a:fillRef idx="3">
-            <a:schemeClr val="accent1"/>
-          </a:fillRef>
-          <a:effectRef idx="2">
-            <a:schemeClr val="accent1"/>
-          </a:effectRef>
-          <a:fontRef idx="minor">
-            <a:schemeClr val="lt1"/>
-          </a:fontRef>
-        </p:style>
-        <p:txBody>
-          <a:bodyPr rtlCol="0" anchor="ctr"/>
-          <a:lstStyle/>
-          <a:p>
-            <a:pPr algn="ctr"/>
-            <a:endParaRPr lang="pl-PL"/>
-          </a:p>
-        </p:txBody>
-      </p:sp>
-      <p:sp>
-        <p:nvSpPr>
-          <p:cNvPr id="5" name="pole tekstowe 4">
-            <a:extLst>
-              <a:ext uri="{FF2B5EF4-FFF2-40B4-BE49-F238E27FC236}">
-                <a16:creationId xmlns:a16="http://schemas.microsoft.com/office/drawing/2014/main" id="{0A845266-1F0E-46E2-9D26-7C185BAF40CE}"/>
-              </a:ext>
-            </a:extLst>
-          </p:cNvPr>
-          <p:cNvSpPr txBox="1"/>
-          <p:nvPr/>
-        </p:nvSpPr>
-        <p:spPr>
-          <a:xfrm>
-            <a:off x="4636843" y="6581001"/>
-            <a:ext cx="4592283" cy="276999"/>
-          </a:xfrm>
-          <a:prstGeom prst="rect">
-            <a:avLst/>
-          </a:prstGeom>
-          <a:noFill/>
-        </p:spPr>
-        <p:txBody>
-          <a:bodyPr wrap="none" rtlCol="0">
-            <a:spAutoFit/>
-          </a:bodyPr>
-          <a:lstStyle/>
-          <a:p>
-            <a:r>
-              <a:rPr lang="pl-PL" dirty="0">
-                <a:solidFill>
-                  <a:schemeClr val="bg2"/>
-                </a:solidFill>
-              </a:rPr>
-              <a:t>https://developer.android.com/reference/android/app/Activity.html</a:t>
-            </a:r>
-          </a:p>
-        </p:txBody>
-      </p:sp>
-      <p:pic>
-        <p:nvPicPr>
-          <p:cNvPr id="7" name="Obraz 6">
-            <a:extLst>
-              <a:ext uri="{FF2B5EF4-FFF2-40B4-BE49-F238E27FC236}">
-                <a16:creationId xmlns:a16="http://schemas.microsoft.com/office/drawing/2014/main" id="{341584F7-6974-4E8D-8C5C-C206E79C4329}"/>
-              </a:ext>
-            </a:extLst>
-          </p:cNvPr>
-          <p:cNvPicPr>
-            <a:picLocks noChangeAspect="1"/>
-          </p:cNvPicPr>
-          <p:nvPr/>
-        </p:nvPicPr>
-        <p:blipFill>
-          <a:blip r:embed="rId4"/>
-          <a:stretch>
-            <a:fillRect/>
-          </a:stretch>
-        </p:blipFill>
-        <p:spPr>
-          <a:xfrm>
-            <a:off x="5148064" y="994420"/>
-            <a:ext cx="3569843" cy="4869160"/>
-          </a:xfrm>
-          <a:prstGeom prst="rect">
-            <a:avLst/>
-          </a:prstGeom>
-        </p:spPr>
-      </p:pic>
-      <p:sp>
-        <p:nvSpPr>
-          <p:cNvPr id="4" name="pole tekstowe 3">
-            <a:extLst>
-              <a:ext uri="{FF2B5EF4-FFF2-40B4-BE49-F238E27FC236}">
-                <a16:creationId xmlns:a16="http://schemas.microsoft.com/office/drawing/2014/main" id="{FEA582F3-28E7-420D-8186-52E5CBBCBE27}"/>
-              </a:ext>
-            </a:extLst>
-          </p:cNvPr>
-          <p:cNvSpPr txBox="1"/>
-          <p:nvPr/>
-        </p:nvSpPr>
-        <p:spPr>
-          <a:xfrm>
-            <a:off x="112809" y="805264"/>
-            <a:ext cx="6331399" cy="5586658"/>
-          </a:xfrm>
-          <a:prstGeom prst="rect">
-            <a:avLst/>
-          </a:prstGeom>
-          <a:noFill/>
-        </p:spPr>
-        <p:txBody>
-          <a:bodyPr wrap="square" rtlCol="0">
-            <a:spAutoFit/>
-          </a:bodyPr>
-          <a:lstStyle/>
-          <a:p>
-            <a:pPr marL="228600" indent="-228600" algn="just">
-              <a:lnSpc>
-                <a:spcPct val="150000"/>
-              </a:lnSpc>
-              <a:buFont typeface="+mj-lt"/>
-              <a:buAutoNum type="arabicPeriod"/>
-            </a:pPr>
-            <a:r>
-              <a:rPr lang="pl-PL" sz="1600" i="1" dirty="0">
-                <a:solidFill>
-                  <a:schemeClr val="bg2"/>
-                </a:solidFill>
-              </a:rPr>
-              <a:t>Active/</a:t>
-            </a:r>
-            <a:r>
-              <a:rPr lang="pl-PL" sz="1600" i="1" dirty="0" err="1">
-                <a:solidFill>
-                  <a:schemeClr val="bg2"/>
-                </a:solidFill>
-              </a:rPr>
-              <a:t>Running</a:t>
-            </a:r>
-            <a:endParaRPr lang="pl-PL" sz="1600" i="1" dirty="0">
-              <a:solidFill>
-                <a:schemeClr val="bg2"/>
-              </a:solidFill>
-            </a:endParaRPr>
-          </a:p>
-          <a:p>
-            <a:pPr marL="742950" lvl="1" indent="-285750" algn="just">
-              <a:lnSpc>
-                <a:spcPct val="150000"/>
-              </a:lnSpc>
-              <a:buFont typeface="Courier New" panose="02070309020205020404" pitchFamily="49" charset="0"/>
-              <a:buChar char="o"/>
-            </a:pPr>
-            <a:r>
-              <a:rPr lang="pl-PL" sz="1600" dirty="0">
-                <a:solidFill>
-                  <a:schemeClr val="bg2"/>
-                </a:solidFill>
-              </a:rPr>
-              <a:t>Aplikacja jest na pierwszym planie</a:t>
-            </a:r>
-          </a:p>
-          <a:p>
-            <a:pPr marL="742950" lvl="1" indent="-285750" algn="just">
-              <a:lnSpc>
-                <a:spcPct val="150000"/>
-              </a:lnSpc>
-              <a:buFont typeface="Courier New" panose="02070309020205020404" pitchFamily="49" charset="0"/>
-              <a:buChar char="o"/>
-            </a:pPr>
-            <a:r>
-              <a:rPr lang="pl-PL" sz="1600" dirty="0">
-                <a:solidFill>
-                  <a:schemeClr val="bg2"/>
-                </a:solidFill>
-              </a:rPr>
-              <a:t>Znajduje się na szczycie stosu </a:t>
-            </a:r>
-          </a:p>
-          <a:p>
-            <a:pPr marL="228600" indent="-228600" algn="just">
-              <a:lnSpc>
-                <a:spcPct val="150000"/>
-              </a:lnSpc>
-              <a:buFont typeface="+mj-lt"/>
-              <a:buAutoNum type="arabicPeriod"/>
-            </a:pPr>
-            <a:r>
-              <a:rPr lang="pl-PL" sz="1600" i="1" dirty="0" err="1">
-                <a:solidFill>
-                  <a:schemeClr val="bg2"/>
-                </a:solidFill>
-              </a:rPr>
-              <a:t>Paused</a:t>
-            </a:r>
-            <a:endParaRPr lang="pl-PL" sz="1600" i="1" dirty="0">
-              <a:solidFill>
-                <a:schemeClr val="bg2"/>
-              </a:solidFill>
-            </a:endParaRPr>
-          </a:p>
-          <a:p>
-            <a:pPr marL="742950" lvl="1" indent="-285750">
-              <a:lnSpc>
-                <a:spcPct val="150000"/>
-              </a:lnSpc>
-              <a:buFont typeface="Courier New" panose="02070309020205020404" pitchFamily="49" charset="0"/>
-              <a:buChar char="o"/>
-            </a:pPr>
-            <a:r>
-              <a:rPr lang="pl-PL" sz="1600" dirty="0">
-                <a:solidFill>
-                  <a:schemeClr val="bg2"/>
-                </a:solidFill>
-              </a:rPr>
-              <a:t>Ta aktywność dalej pozostaje widoczna dla</a:t>
-            </a:r>
-          </a:p>
-          <a:p>
-            <a:pPr lvl="1">
-              <a:lnSpc>
-                <a:spcPct val="150000"/>
-              </a:lnSpc>
-            </a:pPr>
-            <a:r>
-              <a:rPr lang="pl-PL" sz="1600" dirty="0">
-                <a:solidFill>
-                  <a:schemeClr val="bg2"/>
-                </a:solidFill>
-              </a:rPr>
-              <a:t>     użytkownika</a:t>
-            </a:r>
-          </a:p>
-          <a:p>
-            <a:pPr marL="742950" lvl="1" indent="-285750">
-              <a:lnSpc>
-                <a:spcPct val="150000"/>
-              </a:lnSpc>
-              <a:buFont typeface="Courier New" panose="02070309020205020404" pitchFamily="49" charset="0"/>
-              <a:buChar char="o"/>
-            </a:pPr>
-            <a:r>
-              <a:rPr lang="pl-PL" sz="1600" dirty="0">
-                <a:solidFill>
-                  <a:schemeClr val="bg2"/>
-                </a:solidFill>
-              </a:rPr>
-              <a:t>Aktywność pozostająca w tym tanie zachowuje</a:t>
-            </a:r>
-          </a:p>
-          <a:p>
-            <a:pPr lvl="1">
-              <a:lnSpc>
-                <a:spcPct val="150000"/>
-              </a:lnSpc>
-            </a:pPr>
-            <a:r>
-              <a:rPr lang="pl-PL" sz="1600" dirty="0">
-                <a:solidFill>
-                  <a:schemeClr val="bg2"/>
-                </a:solidFill>
-              </a:rPr>
-              <a:t>     swój stan informacji</a:t>
-            </a:r>
-          </a:p>
-          <a:p>
-            <a:pPr marL="742950" lvl="1" indent="-285750">
-              <a:lnSpc>
-                <a:spcPct val="150000"/>
-              </a:lnSpc>
-              <a:buFont typeface="Courier New" panose="02070309020205020404" pitchFamily="49" charset="0"/>
-              <a:buChar char="o"/>
-            </a:pPr>
-            <a:r>
-              <a:rPr lang="pl-PL" sz="1600" dirty="0">
-                <a:solidFill>
-                  <a:schemeClr val="bg2"/>
-                </a:solidFill>
-              </a:rPr>
-              <a:t>Może zostać zabita przez OS</a:t>
-            </a:r>
-          </a:p>
-          <a:p>
-            <a:pPr marL="742950" lvl="1" indent="-285750">
-              <a:lnSpc>
-                <a:spcPct val="150000"/>
-              </a:lnSpc>
-              <a:buFont typeface="Courier New" panose="02070309020205020404" pitchFamily="49" charset="0"/>
-              <a:buChar char="o"/>
-            </a:pPr>
-            <a:r>
-              <a:rPr lang="pl-PL" sz="1600" dirty="0">
-                <a:solidFill>
-                  <a:schemeClr val="bg2"/>
-                </a:solidFill>
-              </a:rPr>
-              <a:t>Kontynuuje </a:t>
-            </a:r>
-            <a:r>
-              <a:rPr lang="pl-PL" sz="1600" i="1" dirty="0">
-                <a:solidFill>
-                  <a:schemeClr val="bg2"/>
-                </a:solidFill>
-              </a:rPr>
-              <a:t>update</a:t>
-            </a:r>
-            <a:r>
-              <a:rPr lang="pl-PL" sz="1600" dirty="0">
-                <a:solidFill>
-                  <a:schemeClr val="bg2"/>
-                </a:solidFill>
-              </a:rPr>
-              <a:t> UI </a:t>
-            </a:r>
-            <a:r>
-              <a:rPr lang="pl-PL" sz="1600" dirty="0" err="1">
-                <a:solidFill>
-                  <a:schemeClr val="bg2"/>
-                </a:solidFill>
-              </a:rPr>
-              <a:t>itp</a:t>
-            </a:r>
-            <a:endParaRPr lang="pl-PL" sz="1600" dirty="0">
-              <a:solidFill>
-                <a:schemeClr val="bg2"/>
-              </a:solidFill>
-            </a:endParaRPr>
-          </a:p>
-          <a:p>
-            <a:pPr marL="228600" indent="-228600" algn="just">
-              <a:lnSpc>
-                <a:spcPct val="150000"/>
-              </a:lnSpc>
-              <a:buFont typeface="+mj-lt"/>
-              <a:buAutoNum type="arabicPeriod"/>
-            </a:pPr>
-            <a:r>
-              <a:rPr lang="pl-PL" sz="1600" i="1" dirty="0" err="1">
-                <a:solidFill>
-                  <a:schemeClr val="bg2"/>
-                </a:solidFill>
-              </a:rPr>
-              <a:t>Stopped</a:t>
-            </a:r>
-            <a:endParaRPr lang="pl-PL" sz="1600" i="1" dirty="0">
-              <a:solidFill>
-                <a:schemeClr val="bg2"/>
-              </a:solidFill>
-            </a:endParaRPr>
-          </a:p>
-          <a:p>
-            <a:pPr marL="742950" lvl="1" indent="-285750" algn="just">
-              <a:lnSpc>
-                <a:spcPct val="150000"/>
-              </a:lnSpc>
-              <a:buFont typeface="Courier New" panose="02070309020205020404" pitchFamily="49" charset="0"/>
-              <a:buChar char="o"/>
-            </a:pPr>
-            <a:r>
-              <a:rPr lang="pl-PL" sz="1600" dirty="0">
-                <a:solidFill>
-                  <a:schemeClr val="bg2"/>
-                </a:solidFill>
-              </a:rPr>
-              <a:t>Aktywność zatrzymana jest całkowicie </a:t>
-            </a:r>
-            <a:r>
-              <a:rPr lang="pl-PL" sz="1600" i="1" dirty="0">
-                <a:solidFill>
-                  <a:schemeClr val="bg2"/>
-                </a:solidFill>
-              </a:rPr>
-              <a:t>przykryta </a:t>
-            </a:r>
-            <a:r>
-              <a:rPr lang="pl-PL" sz="1600" dirty="0">
-                <a:solidFill>
-                  <a:schemeClr val="bg2"/>
-                </a:solidFill>
-              </a:rPr>
-              <a:t>przez inną aktywność</a:t>
-            </a:r>
-          </a:p>
-          <a:p>
-            <a:pPr marL="742950" lvl="1" indent="-285750" algn="just">
-              <a:lnSpc>
-                <a:spcPct val="150000"/>
-              </a:lnSpc>
-              <a:buFont typeface="Courier New" panose="02070309020205020404" pitchFamily="49" charset="0"/>
-              <a:buChar char="o"/>
-            </a:pPr>
-            <a:r>
-              <a:rPr lang="pl-PL" sz="1600" dirty="0">
-                <a:solidFill>
-                  <a:schemeClr val="bg2"/>
-                </a:solidFill>
-              </a:rPr>
-              <a:t>Nie jest widoczna dla użytkownika</a:t>
-            </a:r>
-          </a:p>
-          <a:p>
-            <a:pPr marL="742950" lvl="1" indent="-285750" algn="just">
-              <a:lnSpc>
-                <a:spcPct val="150000"/>
-              </a:lnSpc>
-              <a:buFont typeface="Courier New" panose="02070309020205020404" pitchFamily="49" charset="0"/>
-              <a:buChar char="o"/>
-            </a:pPr>
-            <a:r>
-              <a:rPr lang="pl-PL" sz="1600" i="1" dirty="0">
-                <a:solidFill>
-                  <a:schemeClr val="bg2"/>
-                </a:solidFill>
-              </a:rPr>
-              <a:t>Update</a:t>
-            </a:r>
-            <a:r>
-              <a:rPr lang="pl-PL" sz="1600" dirty="0">
-                <a:solidFill>
-                  <a:schemeClr val="bg2"/>
-                </a:solidFill>
-              </a:rPr>
-              <a:t> UI </a:t>
-            </a:r>
-            <a:r>
-              <a:rPr lang="pl-PL" sz="1600" dirty="0" err="1">
-                <a:solidFill>
-                  <a:schemeClr val="bg2"/>
-                </a:solidFill>
-              </a:rPr>
-              <a:t>itp</a:t>
-            </a:r>
-            <a:r>
-              <a:rPr lang="pl-PL" sz="1600" dirty="0">
-                <a:solidFill>
-                  <a:schemeClr val="bg2"/>
-                </a:solidFill>
-              </a:rPr>
-              <a:t> zostaje zatrzymany</a:t>
-            </a:r>
-            <a:endParaRPr lang="pl-PL" sz="1600" i="1" dirty="0">
-              <a:solidFill>
-                <a:schemeClr val="bg2"/>
-              </a:solidFill>
-            </a:endParaRPr>
-          </a:p>
-        </p:txBody>
-      </p:sp>
-    </p:spTree>
-    <p:extLst>
-      <p:ext uri="{BB962C8B-B14F-4D97-AF65-F5344CB8AC3E}">
-        <p14:creationId xmlns:p14="http://schemas.microsoft.com/office/powerpoint/2010/main" val="1369745550"/>
-      </p:ext>
-    </p:extLst>
-  </p:cSld>
-  <p:clrMapOvr>
-    <a:masterClrMapping/>
-  </p:clrMapOvr>
-</p:sld>
-</file>
-
-<file path=ppt/slides/slide6.xml><?xml version="1.0" encoding="utf-8"?>
-<p:sld xmlns:a="http://schemas.openxmlformats.org/drawingml/2006/main" xmlns:r="http://schemas.openxmlformats.org/officeDocument/2006/relationships" xmlns:p="http://schemas.openxmlformats.org/presentationml/2006/main">
-  <p:cSld>
-    <p:bg>
-      <p:bgPr>
-        <a:blipFill dpi="0" rotWithShape="0">
-          <a:blip r:embed="rId3" cstate="print"/>
-          <a:srcRect/>
-          <a:stretch>
-            <a:fillRect/>
-          </a:stretch>
-        </a:blipFill>
-        <a:effectLst/>
-      </p:bgPr>
-    </p:bg>
-    <p:spTree>
-      <p:nvGrpSpPr>
-        <p:cNvPr id="1" name=""/>
-        <p:cNvGrpSpPr/>
-        <p:nvPr/>
-      </p:nvGrpSpPr>
-      <p:grpSpPr>
-        <a:xfrm>
-          <a:off x="0" y="0"/>
-          <a:ext cx="0" cy="0"/>
-          <a:chOff x="0" y="0"/>
-          <a:chExt cx="0" cy="0"/>
-        </a:xfrm>
-      </p:grpSpPr>
-      <p:sp>
-        <p:nvSpPr>
-          <p:cNvPr id="2" name="Rectangle 1"/>
-          <p:cNvSpPr/>
-          <p:nvPr/>
-        </p:nvSpPr>
-        <p:spPr>
-          <a:xfrm>
-            <a:off x="1979712" y="188640"/>
-            <a:ext cx="7164288" cy="492443"/>
-          </a:xfrm>
-          <a:prstGeom prst="rect">
-            <a:avLst/>
-          </a:prstGeom>
-        </p:spPr>
-        <p:txBody>
-          <a:bodyPr wrap="square">
-            <a:spAutoFit/>
-          </a:bodyPr>
-          <a:lstStyle/>
-          <a:p>
-            <a:pPr algn="ctr"/>
-            <a:r>
-              <a:rPr lang="pl-PL" sz="2600" dirty="0">
-                <a:solidFill>
-                  <a:schemeClr val="bg1"/>
-                </a:solidFill>
-                <a:latin typeface="Verdana" panose="020B0604030504040204" pitchFamily="34" charset="0"/>
-                <a:ea typeface="Verdana" panose="020B0604030504040204" pitchFamily="34" charset="0"/>
-                <a:cs typeface="Verdana" panose="020B0604030504040204" pitchFamily="34" charset="0"/>
-              </a:rPr>
-              <a:t>Cykl Życia – Przejścia Pomiędzy Stanami</a:t>
-            </a:r>
-          </a:p>
-        </p:txBody>
-      </p:sp>
-      <p:sp>
-        <p:nvSpPr>
-          <p:cNvPr id="6" name="Prostokąt 5">
-            <a:extLst>
-              <a:ext uri="{FF2B5EF4-FFF2-40B4-BE49-F238E27FC236}">
-                <a16:creationId xmlns:a16="http://schemas.microsoft.com/office/drawing/2014/main" id="{CA41B780-B57E-411C-AAD5-3D3D6912F664}"/>
-              </a:ext>
-            </a:extLst>
-          </p:cNvPr>
-          <p:cNvSpPr/>
-          <p:nvPr/>
-        </p:nvSpPr>
-        <p:spPr>
-          <a:xfrm>
-            <a:off x="0" y="810072"/>
-            <a:ext cx="9144000" cy="6021288"/>
-          </a:xfrm>
-          <a:prstGeom prst="rect">
-            <a:avLst/>
-          </a:prstGeom>
-          <a:solidFill>
-            <a:schemeClr val="tx1"/>
-          </a:solidFill>
-        </p:spPr>
-        <p:style>
-          <a:lnRef idx="1">
-            <a:schemeClr val="accent1"/>
-          </a:lnRef>
-          <a:fillRef idx="3">
-            <a:schemeClr val="accent1"/>
-          </a:fillRef>
-          <a:effectRef idx="2">
-            <a:schemeClr val="accent1"/>
-          </a:effectRef>
-          <a:fontRef idx="minor">
-            <a:schemeClr val="lt1"/>
-          </a:fontRef>
-        </p:style>
-        <p:txBody>
-          <a:bodyPr rtlCol="0" anchor="ctr"/>
-          <a:lstStyle/>
-          <a:p>
-            <a:pPr algn="ctr"/>
-            <a:endParaRPr lang="pl-PL"/>
-          </a:p>
-        </p:txBody>
-      </p:sp>
-      <p:sp>
-        <p:nvSpPr>
-          <p:cNvPr id="5" name="pole tekstowe 4">
-            <a:extLst>
-              <a:ext uri="{FF2B5EF4-FFF2-40B4-BE49-F238E27FC236}">
-                <a16:creationId xmlns:a16="http://schemas.microsoft.com/office/drawing/2014/main" id="{0A845266-1F0E-46E2-9D26-7C185BAF40CE}"/>
-              </a:ext>
-            </a:extLst>
-          </p:cNvPr>
-          <p:cNvSpPr txBox="1"/>
-          <p:nvPr/>
-        </p:nvSpPr>
-        <p:spPr>
-          <a:xfrm>
-            <a:off x="0" y="6559169"/>
-            <a:ext cx="4592283" cy="276999"/>
-          </a:xfrm>
-          <a:prstGeom prst="rect">
-            <a:avLst/>
-          </a:prstGeom>
-          <a:noFill/>
-        </p:spPr>
-        <p:txBody>
-          <a:bodyPr wrap="none" rtlCol="0">
-            <a:spAutoFit/>
-          </a:bodyPr>
-          <a:lstStyle/>
-          <a:p>
-            <a:r>
-              <a:rPr lang="pl-PL" dirty="0">
-                <a:solidFill>
-                  <a:schemeClr val="bg2"/>
-                </a:solidFill>
-              </a:rPr>
-              <a:t>https://developer.android.com/reference/android/app/Activity.html</a:t>
-            </a:r>
-          </a:p>
-        </p:txBody>
-      </p:sp>
-      <p:pic>
-        <p:nvPicPr>
-          <p:cNvPr id="3" name="Obraz 2">
-            <a:extLst>
-              <a:ext uri="{FF2B5EF4-FFF2-40B4-BE49-F238E27FC236}">
-                <a16:creationId xmlns:a16="http://schemas.microsoft.com/office/drawing/2014/main" id="{09D2FDBB-9E75-4513-9D5F-B4374FADEB2C}"/>
-              </a:ext>
-            </a:extLst>
-          </p:cNvPr>
-          <p:cNvPicPr>
-            <a:picLocks noChangeAspect="1"/>
-          </p:cNvPicPr>
-          <p:nvPr/>
-        </p:nvPicPr>
-        <p:blipFill>
-          <a:blip r:embed="rId4"/>
-          <a:stretch>
-            <a:fillRect/>
-          </a:stretch>
-        </p:blipFill>
-        <p:spPr>
-          <a:xfrm>
-            <a:off x="2483768" y="864096"/>
-            <a:ext cx="4545631" cy="5805264"/>
-          </a:xfrm>
-          <a:prstGeom prst="rect">
-            <a:avLst/>
-          </a:prstGeom>
-        </p:spPr>
-      </p:pic>
-    </p:spTree>
-    <p:extLst>
-      <p:ext uri="{BB962C8B-B14F-4D97-AF65-F5344CB8AC3E}">
-        <p14:creationId xmlns:p14="http://schemas.microsoft.com/office/powerpoint/2010/main" val="1241743489"/>
-      </p:ext>
-    </p:extLst>
-  </p:cSld>
-  <p:clrMapOvr>
-    <a:masterClrMapping/>
-  </p:clrMapOvr>
-</p:sld>
-</file>
-
-<file path=ppt/slides/slide7.xml><?xml version="1.0" encoding="utf-8"?>
-<p:sld xmlns:a="http://schemas.openxmlformats.org/drawingml/2006/main" xmlns:r="http://schemas.openxmlformats.org/officeDocument/2006/relationships" xmlns:p="http://schemas.openxmlformats.org/presentationml/2006/main">
-  <p:cSld>
-    <p:bg>
-      <p:bgPr>
-        <a:blipFill dpi="0" rotWithShape="0">
-          <a:blip r:embed="rId3" cstate="print"/>
-          <a:srcRect/>
-          <a:stretch>
-            <a:fillRect/>
-          </a:stretch>
-        </a:blipFill>
-        <a:effectLst/>
-      </p:bgPr>
-    </p:bg>
-    <p:spTree>
-      <p:nvGrpSpPr>
-        <p:cNvPr id="1" name=""/>
-        <p:cNvGrpSpPr/>
-        <p:nvPr/>
-      </p:nvGrpSpPr>
-      <p:grpSpPr>
-        <a:xfrm>
-          <a:off x="0" y="0"/>
-          <a:ext cx="0" cy="0"/>
-          <a:chOff x="0" y="0"/>
-          <a:chExt cx="0" cy="0"/>
-        </a:xfrm>
-      </p:grpSpPr>
-      <p:sp>
-        <p:nvSpPr>
-          <p:cNvPr id="2" name="Rectangle 1"/>
-          <p:cNvSpPr/>
-          <p:nvPr/>
-        </p:nvSpPr>
-        <p:spPr>
-          <a:xfrm>
-            <a:off x="1979712" y="188640"/>
-            <a:ext cx="7164288" cy="492443"/>
-          </a:xfrm>
-          <a:prstGeom prst="rect">
-            <a:avLst/>
-          </a:prstGeom>
-        </p:spPr>
-        <p:txBody>
-          <a:bodyPr wrap="square">
-            <a:spAutoFit/>
-          </a:bodyPr>
-          <a:lstStyle/>
-          <a:p>
-            <a:pPr algn="ctr"/>
-            <a:r>
-              <a:rPr lang="pl-PL" sz="2600" dirty="0">
-                <a:solidFill>
-                  <a:schemeClr val="bg1"/>
-                </a:solidFill>
-                <a:latin typeface="Verdana" panose="020B0604030504040204" pitchFamily="34" charset="0"/>
-                <a:ea typeface="Verdana" panose="020B0604030504040204" pitchFamily="34" charset="0"/>
-                <a:cs typeface="Verdana" panose="020B0604030504040204" pitchFamily="34" charset="0"/>
-              </a:rPr>
-              <a:t>Cykl Życia – </a:t>
-            </a:r>
-            <a:r>
-              <a:rPr lang="pl-PL" sz="2600" dirty="0" err="1">
-                <a:solidFill>
-                  <a:schemeClr val="bg1"/>
-                </a:solidFill>
-                <a:latin typeface="Verdana" panose="020B0604030504040204" pitchFamily="34" charset="0"/>
-                <a:ea typeface="Verdana" panose="020B0604030504040204" pitchFamily="34" charset="0"/>
-                <a:cs typeface="Verdana" panose="020B0604030504040204" pitchFamily="34" charset="0"/>
-              </a:rPr>
-              <a:t>Foreground</a:t>
-            </a:r>
-            <a:endParaRPr lang="pl-PL" sz="2600" dirty="0">
-              <a:solidFill>
-                <a:schemeClr val="bg1"/>
-              </a:solidFill>
-              <a:latin typeface="Verdana" panose="020B0604030504040204" pitchFamily="34" charset="0"/>
-              <a:ea typeface="Verdana" panose="020B0604030504040204" pitchFamily="34" charset="0"/>
-              <a:cs typeface="Verdana" panose="020B0604030504040204" pitchFamily="34" charset="0"/>
-            </a:endParaRPr>
-          </a:p>
-        </p:txBody>
-      </p:sp>
-      <p:sp>
-        <p:nvSpPr>
-          <p:cNvPr id="6" name="Prostokąt 5">
-            <a:extLst>
-              <a:ext uri="{FF2B5EF4-FFF2-40B4-BE49-F238E27FC236}">
-                <a16:creationId xmlns:a16="http://schemas.microsoft.com/office/drawing/2014/main" id="{CA41B780-B57E-411C-AAD5-3D3D6912F664}"/>
-              </a:ext>
-            </a:extLst>
-          </p:cNvPr>
-          <p:cNvSpPr/>
-          <p:nvPr/>
-        </p:nvSpPr>
-        <p:spPr>
-          <a:xfrm>
-            <a:off x="0" y="810072"/>
-            <a:ext cx="9144000" cy="6021288"/>
-          </a:xfrm>
-          <a:prstGeom prst="rect">
-            <a:avLst/>
-          </a:prstGeom>
-          <a:solidFill>
-            <a:schemeClr val="tx1"/>
-          </a:solidFill>
-        </p:spPr>
-        <p:style>
-          <a:lnRef idx="1">
-            <a:schemeClr val="accent1"/>
-          </a:lnRef>
-          <a:fillRef idx="3">
-            <a:schemeClr val="accent1"/>
-          </a:fillRef>
-          <a:effectRef idx="2">
-            <a:schemeClr val="accent1"/>
-          </a:effectRef>
-          <a:fontRef idx="minor">
-            <a:schemeClr val="lt1"/>
-          </a:fontRef>
-        </p:style>
-        <p:txBody>
-          <a:bodyPr rtlCol="0" anchor="ctr"/>
-          <a:lstStyle/>
-          <a:p>
-            <a:pPr algn="ctr"/>
-            <a:endParaRPr lang="pl-PL"/>
-          </a:p>
-        </p:txBody>
-      </p:sp>
-      <p:sp>
-        <p:nvSpPr>
-          <p:cNvPr id="5" name="pole tekstowe 4">
-            <a:extLst>
-              <a:ext uri="{FF2B5EF4-FFF2-40B4-BE49-F238E27FC236}">
-                <a16:creationId xmlns:a16="http://schemas.microsoft.com/office/drawing/2014/main" id="{0A845266-1F0E-46E2-9D26-7C185BAF40CE}"/>
-              </a:ext>
-            </a:extLst>
-          </p:cNvPr>
-          <p:cNvSpPr txBox="1"/>
-          <p:nvPr/>
-        </p:nvSpPr>
-        <p:spPr>
-          <a:xfrm>
-            <a:off x="0" y="6559169"/>
-            <a:ext cx="4592283" cy="276999"/>
-          </a:xfrm>
-          <a:prstGeom prst="rect">
-            <a:avLst/>
-          </a:prstGeom>
-          <a:noFill/>
-        </p:spPr>
-        <p:txBody>
-          <a:bodyPr wrap="none" rtlCol="0">
-            <a:spAutoFit/>
-          </a:bodyPr>
-          <a:lstStyle/>
-          <a:p>
-            <a:r>
-              <a:rPr lang="pl-PL" dirty="0">
-                <a:solidFill>
-                  <a:schemeClr val="bg2"/>
-                </a:solidFill>
-              </a:rPr>
-              <a:t>https://developer.android.com/reference/android/app/Activity.html</a:t>
-            </a:r>
-          </a:p>
-        </p:txBody>
-      </p:sp>
-      <p:pic>
-        <p:nvPicPr>
-          <p:cNvPr id="4" name="Obraz 3">
-            <a:extLst>
-              <a:ext uri="{FF2B5EF4-FFF2-40B4-BE49-F238E27FC236}">
-                <a16:creationId xmlns:a16="http://schemas.microsoft.com/office/drawing/2014/main" id="{BE98F196-6940-455C-A3AD-F83478BEC8C3}"/>
-              </a:ext>
-            </a:extLst>
-          </p:cNvPr>
-          <p:cNvPicPr>
-            <a:picLocks noChangeAspect="1"/>
-          </p:cNvPicPr>
-          <p:nvPr/>
-        </p:nvPicPr>
-        <p:blipFill>
-          <a:blip r:embed="rId4"/>
-          <a:stretch>
-            <a:fillRect/>
-          </a:stretch>
-        </p:blipFill>
-        <p:spPr>
-          <a:xfrm>
-            <a:off x="20283" y="1934563"/>
-            <a:ext cx="9144000" cy="2988873"/>
-          </a:xfrm>
-          <a:prstGeom prst="rect">
-            <a:avLst/>
-          </a:prstGeom>
-        </p:spPr>
-      </p:pic>
-    </p:spTree>
-    <p:extLst>
-      <p:ext uri="{BB962C8B-B14F-4D97-AF65-F5344CB8AC3E}">
-        <p14:creationId xmlns:p14="http://schemas.microsoft.com/office/powerpoint/2010/main" val="3062481051"/>
-      </p:ext>
-    </p:extLst>
-  </p:cSld>
-  <p:clrMapOvr>
-    <a:masterClrMapping/>
-  </p:clrMapOvr>
-</p:sld>
-</file>
-
-<file path=ppt/slides/slide8.xml><?xml version="1.0" encoding="utf-8"?>
-<p:sld xmlns:a="http://schemas.openxmlformats.org/drawingml/2006/main" xmlns:r="http://schemas.openxmlformats.org/officeDocument/2006/relationships" xmlns:p="http://schemas.openxmlformats.org/presentationml/2006/main">
-  <p:cSld>
-    <p:bg>
-      <p:bgPr>
-        <a:blipFill dpi="0" rotWithShape="0">
-          <a:blip r:embed="rId3" cstate="print"/>
-          <a:srcRect/>
-          <a:stretch>
-            <a:fillRect/>
-          </a:stretch>
-        </a:blipFill>
-        <a:effectLst/>
-      </p:bgPr>
-    </p:bg>
-    <p:spTree>
-      <p:nvGrpSpPr>
-        <p:cNvPr id="1" name=""/>
-        <p:cNvGrpSpPr/>
-        <p:nvPr/>
-      </p:nvGrpSpPr>
-      <p:grpSpPr>
-        <a:xfrm>
-          <a:off x="0" y="0"/>
-          <a:ext cx="0" cy="0"/>
-          <a:chOff x="0" y="0"/>
-          <a:chExt cx="0" cy="0"/>
-        </a:xfrm>
-      </p:grpSpPr>
-      <p:sp>
-        <p:nvSpPr>
-          <p:cNvPr id="2" name="Rectangle 1"/>
-          <p:cNvSpPr/>
-          <p:nvPr/>
-        </p:nvSpPr>
-        <p:spPr>
-          <a:xfrm>
-            <a:off x="1979712" y="188640"/>
-            <a:ext cx="7164288" cy="492443"/>
-          </a:xfrm>
-          <a:prstGeom prst="rect">
-            <a:avLst/>
-          </a:prstGeom>
-        </p:spPr>
-        <p:txBody>
-          <a:bodyPr wrap="square">
-            <a:spAutoFit/>
-          </a:bodyPr>
-          <a:lstStyle/>
-          <a:p>
-            <a:pPr algn="ctr"/>
-            <a:r>
-              <a:rPr lang="pl-PL" sz="2600" dirty="0">
-                <a:solidFill>
-                  <a:schemeClr val="bg1"/>
-                </a:solidFill>
-                <a:latin typeface="Verdana" panose="020B0604030504040204" pitchFamily="34" charset="0"/>
-                <a:ea typeface="Verdana" panose="020B0604030504040204" pitchFamily="34" charset="0"/>
-                <a:cs typeface="Verdana" panose="020B0604030504040204" pitchFamily="34" charset="0"/>
-              </a:rPr>
-              <a:t>Cykl Życia – Zdarzenia</a:t>
-            </a:r>
-          </a:p>
-        </p:txBody>
-      </p:sp>
-      <p:sp>
-        <p:nvSpPr>
-          <p:cNvPr id="6" name="Prostokąt 5">
-            <a:extLst>
-              <a:ext uri="{FF2B5EF4-FFF2-40B4-BE49-F238E27FC236}">
-                <a16:creationId xmlns:a16="http://schemas.microsoft.com/office/drawing/2014/main" id="{CA41B780-B57E-411C-AAD5-3D3D6912F664}"/>
-              </a:ext>
-            </a:extLst>
-          </p:cNvPr>
-          <p:cNvSpPr/>
-          <p:nvPr/>
-        </p:nvSpPr>
-        <p:spPr>
-          <a:xfrm>
-            <a:off x="0" y="810072"/>
-            <a:ext cx="9144000" cy="6021288"/>
-          </a:xfrm>
-          <a:prstGeom prst="rect">
-            <a:avLst/>
-          </a:prstGeom>
-          <a:solidFill>
-            <a:schemeClr val="tx1"/>
-          </a:solidFill>
-        </p:spPr>
-        <p:style>
-          <a:lnRef idx="1">
-            <a:schemeClr val="accent1"/>
-          </a:lnRef>
-          <a:fillRef idx="3">
-            <a:schemeClr val="accent1"/>
-          </a:fillRef>
-          <a:effectRef idx="2">
-            <a:schemeClr val="accent1"/>
-          </a:effectRef>
-          <a:fontRef idx="minor">
-            <a:schemeClr val="lt1"/>
-          </a:fontRef>
-        </p:style>
-        <p:txBody>
-          <a:bodyPr rtlCol="0" anchor="ctr"/>
-          <a:lstStyle/>
-          <a:p>
-            <a:pPr algn="ctr"/>
-            <a:endParaRPr lang="pl-PL"/>
-          </a:p>
-        </p:txBody>
-      </p:sp>
-      <p:sp>
-        <p:nvSpPr>
-          <p:cNvPr id="5" name="pole tekstowe 4">
-            <a:extLst>
-              <a:ext uri="{FF2B5EF4-FFF2-40B4-BE49-F238E27FC236}">
-                <a16:creationId xmlns:a16="http://schemas.microsoft.com/office/drawing/2014/main" id="{0A845266-1F0E-46E2-9D26-7C185BAF40CE}"/>
-              </a:ext>
-            </a:extLst>
-          </p:cNvPr>
-          <p:cNvSpPr txBox="1"/>
-          <p:nvPr/>
-        </p:nvSpPr>
-        <p:spPr>
-          <a:xfrm>
-            <a:off x="0" y="6559169"/>
-            <a:ext cx="4592283" cy="276999"/>
-          </a:xfrm>
-          <a:prstGeom prst="rect">
-            <a:avLst/>
-          </a:prstGeom>
-          <a:noFill/>
-        </p:spPr>
-        <p:txBody>
-          <a:bodyPr wrap="none" rtlCol="0">
-            <a:spAutoFit/>
-          </a:bodyPr>
-          <a:lstStyle/>
-          <a:p>
-            <a:r>
-              <a:rPr lang="pl-PL" dirty="0">
-                <a:solidFill>
-                  <a:schemeClr val="bg2"/>
-                </a:solidFill>
-              </a:rPr>
-              <a:t>https://developer.android.com/reference/android/app/Activity.html</a:t>
-            </a:r>
-          </a:p>
-        </p:txBody>
-      </p:sp>
-      <p:sp>
-        <p:nvSpPr>
-          <p:cNvPr id="3" name="pole tekstowe 2">
-            <a:extLst>
-              <a:ext uri="{FF2B5EF4-FFF2-40B4-BE49-F238E27FC236}">
-                <a16:creationId xmlns:a16="http://schemas.microsoft.com/office/drawing/2014/main" id="{AFA1F682-13E7-42A2-AD8B-FEDCE28CAA44}"/>
-              </a:ext>
-            </a:extLst>
-          </p:cNvPr>
-          <p:cNvSpPr txBox="1"/>
-          <p:nvPr/>
-        </p:nvSpPr>
-        <p:spPr>
-          <a:xfrm>
-            <a:off x="150590" y="1628800"/>
-            <a:ext cx="8964488" cy="4196020"/>
-          </a:xfrm>
-          <a:prstGeom prst="rect">
-            <a:avLst/>
-          </a:prstGeom>
-          <a:noFill/>
-        </p:spPr>
-        <p:txBody>
-          <a:bodyPr wrap="square" rtlCol="0">
-            <a:spAutoFit/>
-          </a:bodyPr>
-          <a:lstStyle/>
-          <a:p>
-            <a:pPr marL="171450" indent="-171450">
-              <a:lnSpc>
-                <a:spcPct val="150000"/>
-              </a:lnSpc>
-              <a:buFont typeface="Courier New" panose="02070309020205020404" pitchFamily="49" charset="0"/>
-              <a:buChar char="o"/>
-            </a:pPr>
-            <a:r>
-              <a:rPr lang="pl-PL" sz="1800" dirty="0">
-                <a:solidFill>
-                  <a:schemeClr val="bg2"/>
-                </a:solidFill>
-              </a:rPr>
-              <a:t>Aplikacja nie musi implementować wszystkich metod przejścia</a:t>
-            </a:r>
-          </a:p>
-          <a:p>
-            <a:pPr marL="171450" indent="-171450">
-              <a:lnSpc>
-                <a:spcPct val="150000"/>
-              </a:lnSpc>
-              <a:buFont typeface="Courier New" panose="02070309020205020404" pitchFamily="49" charset="0"/>
-              <a:buChar char="o"/>
-            </a:pPr>
-            <a:r>
-              <a:rPr lang="pl-PL" sz="1800" dirty="0">
-                <a:solidFill>
-                  <a:schemeClr val="bg2"/>
-                </a:solidFill>
-              </a:rPr>
-              <a:t>Są jednak metody wymagane, oraz wysoko rekomendowane</a:t>
-            </a:r>
-          </a:p>
-          <a:p>
-            <a:pPr marL="171450" indent="-171450">
-              <a:lnSpc>
-                <a:spcPct val="150000"/>
-              </a:lnSpc>
-              <a:buFont typeface="Courier New" panose="02070309020205020404" pitchFamily="49" charset="0"/>
-              <a:buChar char="o"/>
-            </a:pPr>
-            <a:endParaRPr lang="pl-PL" sz="1800" dirty="0">
-              <a:solidFill>
-                <a:schemeClr val="bg2"/>
-              </a:solidFill>
-            </a:endParaRPr>
-          </a:p>
-          <a:p>
-            <a:pPr marL="171450" indent="-171450">
-              <a:lnSpc>
-                <a:spcPct val="150000"/>
-              </a:lnSpc>
-              <a:buFont typeface="Courier New" panose="02070309020205020404" pitchFamily="49" charset="0"/>
-              <a:buChar char="o"/>
-            </a:pPr>
-            <a:r>
-              <a:rPr lang="pl-PL" sz="1800" dirty="0">
-                <a:solidFill>
-                  <a:schemeClr val="bg2"/>
-                </a:solidFill>
-              </a:rPr>
-              <a:t>Wymagane:</a:t>
-            </a:r>
-          </a:p>
-          <a:p>
-            <a:pPr marL="628650" lvl="1" indent="-171450">
-              <a:lnSpc>
-                <a:spcPct val="150000"/>
-              </a:lnSpc>
-              <a:buFont typeface="Courier New" panose="02070309020205020404" pitchFamily="49" charset="0"/>
-              <a:buChar char="o"/>
-            </a:pPr>
-            <a:r>
-              <a:rPr lang="pl-PL" sz="1800" dirty="0" err="1">
-                <a:solidFill>
-                  <a:schemeClr val="bg2"/>
-                </a:solidFill>
-              </a:rPr>
-              <a:t>OnCreate</a:t>
-            </a:r>
-            <a:r>
-              <a:rPr lang="pl-PL" sz="1800" dirty="0">
-                <a:solidFill>
-                  <a:schemeClr val="bg2"/>
-                </a:solidFill>
-              </a:rPr>
-              <a:t>() – musi zostać zaimplementowana przez każdą aktywność – początkowe ustawienia</a:t>
-            </a:r>
-          </a:p>
-          <a:p>
-            <a:pPr marL="628650" lvl="1" indent="-171450">
-              <a:lnSpc>
-                <a:spcPct val="150000"/>
-              </a:lnSpc>
-              <a:buFont typeface="Courier New" panose="02070309020205020404" pitchFamily="49" charset="0"/>
-              <a:buChar char="o"/>
-            </a:pPr>
-            <a:r>
-              <a:rPr lang="pl-PL" sz="1800" dirty="0">
-                <a:solidFill>
-                  <a:schemeClr val="bg2"/>
-                </a:solidFill>
-              </a:rPr>
-              <a:t>Ta metoda jest wywoływana tylko raz podczas jednego cyklu</a:t>
-            </a:r>
-          </a:p>
-          <a:p>
-            <a:pPr marL="171450" indent="-171450">
-              <a:lnSpc>
-                <a:spcPct val="150000"/>
-              </a:lnSpc>
-              <a:buFont typeface="Courier New" panose="02070309020205020404" pitchFamily="49" charset="0"/>
-              <a:buChar char="o"/>
-            </a:pPr>
-            <a:r>
-              <a:rPr lang="pl-PL" sz="1800" dirty="0">
-                <a:solidFill>
-                  <a:schemeClr val="bg2"/>
-                </a:solidFill>
-              </a:rPr>
-              <a:t>Rekomendowane</a:t>
-            </a:r>
-          </a:p>
-          <a:p>
-            <a:pPr marL="628650" lvl="1" indent="-171450">
-              <a:lnSpc>
-                <a:spcPct val="150000"/>
-              </a:lnSpc>
-              <a:buFont typeface="Courier New" panose="02070309020205020404" pitchFamily="49" charset="0"/>
-              <a:buChar char="o"/>
-            </a:pPr>
-            <a:r>
-              <a:rPr lang="pl-PL" sz="1800" dirty="0" err="1">
-                <a:solidFill>
-                  <a:schemeClr val="bg2"/>
-                </a:solidFill>
-              </a:rPr>
-              <a:t>onPause</a:t>
-            </a:r>
-            <a:r>
-              <a:rPr lang="pl-PL" sz="1800" dirty="0">
-                <a:solidFill>
-                  <a:schemeClr val="bg2"/>
-                </a:solidFill>
-              </a:rPr>
-              <a:t>() – powinna zostać zaimplementowana gdy aplikacja posiada dane które chcemy zachować</a:t>
-            </a:r>
-          </a:p>
-        </p:txBody>
-      </p:sp>
-    </p:spTree>
-    <p:extLst>
-      <p:ext uri="{BB962C8B-B14F-4D97-AF65-F5344CB8AC3E}">
-        <p14:creationId xmlns:p14="http://schemas.microsoft.com/office/powerpoint/2010/main" val="3883058755"/>
-      </p:ext>
-    </p:extLst>
-  </p:cSld>
-  <p:clrMapOvr>
-    <a:masterClrMapping/>
-  </p:clrMapOvr>
-</p:sld>
-</file>
-
-<file path=ppt/slides/slide9.xml><?xml version="1.0" encoding="utf-8"?>
-<p:sld xmlns:a="http://schemas.openxmlformats.org/drawingml/2006/main" xmlns:r="http://schemas.openxmlformats.org/officeDocument/2006/relationships" xmlns:p="http://schemas.openxmlformats.org/presentationml/2006/main">
-  <p:cSld>
-    <p:bg>
-      <p:bgPr>
-        <a:blipFill dpi="0" rotWithShape="0">
-          <a:blip r:embed="rId3" cstate="print"/>
-          <a:srcRect/>
-          <a:stretch>
-            <a:fillRect/>
-          </a:stretch>
-        </a:blipFill>
-        <a:effectLst/>
-      </p:bgPr>
-    </p:bg>
-    <p:spTree>
-      <p:nvGrpSpPr>
-        <p:cNvPr id="1" name=""/>
-        <p:cNvGrpSpPr/>
-        <p:nvPr/>
-      </p:nvGrpSpPr>
-      <p:grpSpPr>
-        <a:xfrm>
-          <a:off x="0" y="0"/>
-          <a:ext cx="0" cy="0"/>
-          <a:chOff x="0" y="0"/>
-          <a:chExt cx="0" cy="0"/>
-        </a:xfrm>
-      </p:grpSpPr>
-      <p:sp>
-        <p:nvSpPr>
-          <p:cNvPr id="2" name="Rectangle 1"/>
-          <p:cNvSpPr/>
-          <p:nvPr/>
-        </p:nvSpPr>
-        <p:spPr>
-          <a:xfrm>
-            <a:off x="1979712" y="188640"/>
-            <a:ext cx="7164288" cy="492443"/>
-          </a:xfrm>
-          <a:prstGeom prst="rect">
-            <a:avLst/>
-          </a:prstGeom>
-        </p:spPr>
-        <p:txBody>
-          <a:bodyPr wrap="square">
-            <a:spAutoFit/>
-          </a:bodyPr>
-          <a:lstStyle/>
-          <a:p>
-            <a:pPr algn="ctr"/>
-            <a:r>
-              <a:rPr lang="pl-PL" sz="2600" dirty="0">
-                <a:solidFill>
-                  <a:schemeClr val="bg1"/>
-                </a:solidFill>
-                <a:latin typeface="Verdana" panose="020B0604030504040204" pitchFamily="34" charset="0"/>
-                <a:ea typeface="Verdana" panose="020B0604030504040204" pitchFamily="34" charset="0"/>
-                <a:cs typeface="Verdana" panose="020B0604030504040204" pitchFamily="34" charset="0"/>
-              </a:rPr>
-              <a:t>Cykl Życia – </a:t>
-            </a:r>
-            <a:r>
-              <a:rPr lang="pl-PL" sz="2600" dirty="0" err="1">
-                <a:solidFill>
-                  <a:schemeClr val="bg1"/>
-                </a:solidFill>
-                <a:latin typeface="Verdana" panose="020B0604030504040204" pitchFamily="34" charset="0"/>
-                <a:ea typeface="Verdana" panose="020B0604030504040204" pitchFamily="34" charset="0"/>
-                <a:cs typeface="Verdana" panose="020B0604030504040204" pitchFamily="34" charset="0"/>
-              </a:rPr>
-              <a:t>OnCreate</a:t>
-            </a:r>
-            <a:r>
-              <a:rPr lang="pl-PL" sz="2600" dirty="0">
-                <a:solidFill>
-                  <a:schemeClr val="bg1"/>
-                </a:solidFill>
-                <a:latin typeface="Verdana" panose="020B0604030504040204" pitchFamily="34" charset="0"/>
-                <a:ea typeface="Verdana" panose="020B0604030504040204" pitchFamily="34" charset="0"/>
-                <a:cs typeface="Verdana" panose="020B0604030504040204" pitchFamily="34" charset="0"/>
-              </a:rPr>
-              <a:t>()</a:t>
-            </a:r>
-          </a:p>
-        </p:txBody>
-      </p:sp>
-      <p:sp>
-        <p:nvSpPr>
-          <p:cNvPr id="6" name="Prostokąt 5">
-            <a:extLst>
-              <a:ext uri="{FF2B5EF4-FFF2-40B4-BE49-F238E27FC236}">
-                <a16:creationId xmlns:a16="http://schemas.microsoft.com/office/drawing/2014/main" id="{CA41B780-B57E-411C-AAD5-3D3D6912F664}"/>
-              </a:ext>
-            </a:extLst>
-          </p:cNvPr>
-          <p:cNvSpPr/>
-          <p:nvPr/>
-        </p:nvSpPr>
-        <p:spPr>
-          <a:xfrm>
-            <a:off x="0" y="810072"/>
-            <a:ext cx="9144000" cy="6021288"/>
-          </a:xfrm>
-          <a:prstGeom prst="rect">
-            <a:avLst/>
-          </a:prstGeom>
-          <a:solidFill>
-            <a:schemeClr val="tx1"/>
-          </a:solidFill>
-        </p:spPr>
-        <p:style>
-          <a:lnRef idx="1">
-            <a:schemeClr val="accent1"/>
-          </a:lnRef>
-          <a:fillRef idx="3">
-            <a:schemeClr val="accent1"/>
-          </a:fillRef>
-          <a:effectRef idx="2">
-            <a:schemeClr val="accent1"/>
-          </a:effectRef>
-          <a:fontRef idx="minor">
-            <a:schemeClr val="lt1"/>
-          </a:fontRef>
-        </p:style>
-        <p:txBody>
-          <a:bodyPr rtlCol="0" anchor="ctr"/>
-          <a:lstStyle/>
-          <a:p>
-            <a:pPr algn="ctr"/>
-            <a:endParaRPr lang="pl-PL"/>
-          </a:p>
-        </p:txBody>
-      </p:sp>
-      <p:sp>
-        <p:nvSpPr>
-          <p:cNvPr id="3" name="pole tekstowe 2">
-            <a:extLst>
-              <a:ext uri="{FF2B5EF4-FFF2-40B4-BE49-F238E27FC236}">
-                <a16:creationId xmlns:a16="http://schemas.microsoft.com/office/drawing/2014/main" id="{AFA1F682-13E7-42A2-AD8B-FEDCE28CAA44}"/>
-              </a:ext>
-            </a:extLst>
-          </p:cNvPr>
-          <p:cNvSpPr txBox="1"/>
-          <p:nvPr/>
-        </p:nvSpPr>
-        <p:spPr>
-          <a:xfrm>
-            <a:off x="179512" y="681083"/>
-            <a:ext cx="8964488" cy="3690177"/>
-          </a:xfrm>
-          <a:prstGeom prst="rect">
-            <a:avLst/>
-          </a:prstGeom>
-          <a:noFill/>
-        </p:spPr>
-        <p:txBody>
-          <a:bodyPr wrap="square" rtlCol="0">
-            <a:spAutoFit/>
-          </a:bodyPr>
-          <a:lstStyle/>
-          <a:p>
-            <a:pPr marL="171450" indent="-171450">
-              <a:lnSpc>
-                <a:spcPct val="200000"/>
-              </a:lnSpc>
-              <a:buFont typeface="Courier New" panose="02070309020205020404" pitchFamily="49" charset="0"/>
-              <a:buChar char="o"/>
-            </a:pPr>
-            <a:r>
-              <a:rPr lang="pl-PL" sz="2000" dirty="0">
-                <a:solidFill>
-                  <a:schemeClr val="bg2"/>
-                </a:solidFill>
-              </a:rPr>
-              <a:t>Pierwsza wywoływana metoda gdy aktywność jest uruchamiana</a:t>
-            </a:r>
-          </a:p>
-          <a:p>
-            <a:pPr marL="171450" indent="-171450">
-              <a:lnSpc>
-                <a:spcPct val="200000"/>
-              </a:lnSpc>
-              <a:buFont typeface="Courier New" panose="02070309020205020404" pitchFamily="49" charset="0"/>
-              <a:buChar char="o"/>
-            </a:pPr>
-            <a:r>
-              <a:rPr lang="pl-PL" sz="2000" dirty="0">
-                <a:solidFill>
-                  <a:schemeClr val="bg2"/>
-                </a:solidFill>
-              </a:rPr>
-              <a:t>Większość kodu znajduje się w tej metodzie</a:t>
-            </a:r>
-          </a:p>
-          <a:p>
-            <a:pPr marL="171450" indent="-171450">
-              <a:lnSpc>
-                <a:spcPct val="200000"/>
-              </a:lnSpc>
-              <a:buFont typeface="Courier New" panose="02070309020205020404" pitchFamily="49" charset="0"/>
-              <a:buChar char="o"/>
-            </a:pPr>
-            <a:r>
-              <a:rPr lang="pl-PL" sz="2000" dirty="0">
-                <a:solidFill>
-                  <a:schemeClr val="bg2"/>
-                </a:solidFill>
-              </a:rPr>
-              <a:t>Typowo używana do zainicjowania struktur danych aplikacji, połączenia elementów UI, zdefiniowania zachowania elementów itp.</a:t>
-            </a:r>
-          </a:p>
-          <a:p>
-            <a:pPr marL="171450" indent="-171450">
-              <a:lnSpc>
-                <a:spcPct val="200000"/>
-              </a:lnSpc>
-              <a:buFont typeface="Courier New" panose="02070309020205020404" pitchFamily="49" charset="0"/>
-              <a:buChar char="o"/>
-            </a:pPr>
-            <a:r>
-              <a:rPr lang="pl-PL" sz="2000" dirty="0">
-                <a:solidFill>
-                  <a:schemeClr val="bg2"/>
-                </a:solidFill>
-              </a:rPr>
-              <a:t>Może otrzymać obiekt </a:t>
-            </a:r>
-            <a:r>
-              <a:rPr lang="pl-PL" sz="2000" i="1" dirty="0">
-                <a:solidFill>
-                  <a:schemeClr val="bg2"/>
-                </a:solidFill>
-              </a:rPr>
-              <a:t>Bundle</a:t>
-            </a:r>
-            <a:r>
-              <a:rPr lang="pl-PL" sz="2000" dirty="0">
-                <a:solidFill>
-                  <a:schemeClr val="bg2"/>
-                </a:solidFill>
-              </a:rPr>
-              <a:t> zawierający poprzedni stan aktywności</a:t>
-            </a:r>
-          </a:p>
-          <a:p>
-            <a:pPr marL="171450" indent="-171450">
-              <a:lnSpc>
-                <a:spcPct val="200000"/>
-              </a:lnSpc>
-              <a:buFont typeface="Courier New" panose="02070309020205020404" pitchFamily="49" charset="0"/>
-              <a:buChar char="o"/>
-            </a:pPr>
-            <a:r>
-              <a:rPr lang="pl-PL" sz="2000" dirty="0">
-                <a:solidFill>
-                  <a:schemeClr val="bg2"/>
-                </a:solidFill>
-              </a:rPr>
-              <a:t>Metoda poprzedzająca </a:t>
-            </a:r>
-            <a:r>
-              <a:rPr lang="pl-PL" sz="2000" dirty="0" err="1">
-                <a:solidFill>
-                  <a:schemeClr val="bg2"/>
-                </a:solidFill>
-              </a:rPr>
-              <a:t>OnStart</a:t>
-            </a:r>
-            <a:r>
-              <a:rPr lang="pl-PL" sz="2000" dirty="0">
-                <a:solidFill>
-                  <a:schemeClr val="bg2"/>
-                </a:solidFill>
-              </a:rPr>
-              <a:t>()</a:t>
-            </a:r>
-          </a:p>
-        </p:txBody>
-      </p:sp>
-      <p:pic>
-        <p:nvPicPr>
-          <p:cNvPr id="4" name="Obraz 3">
-            <a:extLst>
-              <a:ext uri="{FF2B5EF4-FFF2-40B4-BE49-F238E27FC236}">
-                <a16:creationId xmlns:a16="http://schemas.microsoft.com/office/drawing/2014/main" id="{E4A3BB81-0B7C-416D-8968-2819A5321F78}"/>
-              </a:ext>
-            </a:extLst>
-          </p:cNvPr>
-          <p:cNvPicPr>
-            <a:picLocks noChangeAspect="1"/>
-          </p:cNvPicPr>
-          <p:nvPr/>
-        </p:nvPicPr>
-        <p:blipFill>
-          <a:blip r:embed="rId4"/>
-          <a:stretch>
-            <a:fillRect/>
-          </a:stretch>
-        </p:blipFill>
-        <p:spPr>
-          <a:xfrm>
-            <a:off x="192113" y="4264918"/>
-            <a:ext cx="8820150" cy="2571750"/>
-          </a:xfrm>
-          <a:prstGeom prst="rect">
-            <a:avLst/>
-          </a:prstGeom>
-        </p:spPr>
-      </p:pic>
-      <p:sp>
-        <p:nvSpPr>
-          <p:cNvPr id="5" name="pole tekstowe 4">
-            <a:extLst>
-              <a:ext uri="{FF2B5EF4-FFF2-40B4-BE49-F238E27FC236}">
-                <a16:creationId xmlns:a16="http://schemas.microsoft.com/office/drawing/2014/main" id="{0A845266-1F0E-46E2-9D26-7C185BAF40CE}"/>
-              </a:ext>
-            </a:extLst>
-          </p:cNvPr>
-          <p:cNvSpPr txBox="1"/>
-          <p:nvPr/>
-        </p:nvSpPr>
-        <p:spPr>
-          <a:xfrm>
-            <a:off x="4551717" y="6526505"/>
-            <a:ext cx="4592283" cy="276999"/>
-          </a:xfrm>
-          <a:prstGeom prst="rect">
-            <a:avLst/>
-          </a:prstGeom>
-          <a:noFill/>
-        </p:spPr>
-        <p:txBody>
-          <a:bodyPr wrap="none" rtlCol="0">
-            <a:spAutoFit/>
-          </a:bodyPr>
-          <a:lstStyle/>
-          <a:p>
-            <a:r>
-              <a:rPr lang="pl-PL" dirty="0">
-                <a:solidFill>
-                  <a:schemeClr val="bg2"/>
-                </a:solidFill>
-              </a:rPr>
-              <a:t>https://developer.android.com/reference/android/app/Activity.html</a:t>
-            </a:r>
-          </a:p>
-        </p:txBody>
-      </p:sp>
-    </p:spTree>
-    <p:extLst>
-      <p:ext uri="{BB962C8B-B14F-4D97-AF65-F5344CB8AC3E}">
-        <p14:creationId xmlns:p14="http://schemas.microsoft.com/office/powerpoint/2010/main" val="16991387"/>
       </p:ext>
     </p:extLst>
   </p:cSld>
